--- a/201801/Clase1.pptx
+++ b/201801/Clase1.pptx
@@ -4,14 +4,12 @@
   <p:sldMasterIdLst>
     <p:sldMasterId id="2147483648" r:id="rId2"/>
     <p:sldMasterId id="2147483661" r:id="rId3"/>
-    <p:sldMasterId id="2147483674" r:id="rId4"/>
-    <p:sldMasterId id="2147483687" r:id="rId5"/>
   </p:sldMasterIdLst>
   <p:sldIdLst>
-    <p:sldId id="256" r:id="rId6"/>
-    <p:sldId id="257" r:id="rId7"/>
-    <p:sldId id="258" r:id="rId8"/>
-    <p:sldId id="259" r:id="rId9"/>
+    <p:sldId id="256" r:id="rId4"/>
+    <p:sldId id="257" r:id="rId5"/>
+    <p:sldId id="258" r:id="rId6"/>
+    <p:sldId id="259" r:id="rId7"/>
   </p:sldIdLst>
   <p:sldSz cx="9144000" cy="5143500"/>
   <p:notesSz cx="7772400" cy="10058400"/>
@@ -2317,409 +2315,6 @@
 </p:sldLayout>
 </file>
 
-<file path=ppt/slideLayouts/slideLayout25.xml><?xml version="1.0" encoding="utf-8"?>
-<p:sldLayout xmlns:a="http://schemas.openxmlformats.org/drawingml/2006/main" xmlns:p="http://schemas.openxmlformats.org/presentationml/2006/main" xmlns:r="http://schemas.openxmlformats.org/officeDocument/2006/relationships" xmlns:p14="http://schemas.microsoft.com/office/powerpoint/2010/main" xmlns:p15="http://schemas.microsoft.com/office/powerpoint/2012/main" xmlns:mc="http://schemas.openxmlformats.org/markup-compatibility/2006" type="blank" preserve="1">
-  <p:cSld name="Blank Slide">
-    <p:spTree>
-      <p:nvGrpSpPr>
-        <p:cNvPr id="1" name=""/>
-        <p:cNvGrpSpPr/>
-        <p:nvPr/>
-      </p:nvGrpSpPr>
-      <p:grpSpPr>
-        <a:xfrm>
-          <a:off x="0" y="0"/>
-          <a:ext cx="0" cy="0"/>
-          <a:chOff x="0" y="0"/>
-          <a:chExt cx="0" cy="0"/>
-        </a:xfrm>
-      </p:grpSpPr>
-    </p:spTree>
-  </p:cSld>
-</p:sldLayout>
-</file>
-
-<file path=ppt/slideLayouts/slideLayout26.xml><?xml version="1.0" encoding="utf-8"?>
-<p:sldLayout xmlns:a="http://schemas.openxmlformats.org/drawingml/2006/main" xmlns:p="http://schemas.openxmlformats.org/presentationml/2006/main" xmlns:r="http://schemas.openxmlformats.org/officeDocument/2006/relationships" xmlns:p14="http://schemas.microsoft.com/office/powerpoint/2010/main" xmlns:p15="http://schemas.microsoft.com/office/powerpoint/2012/main" xmlns:mc="http://schemas.openxmlformats.org/markup-compatibility/2006" type="tx" preserve="1">
-  <p:cSld name="Title Slide">
-    <p:spTree>
-      <p:nvGrpSpPr>
-        <p:cNvPr id="1" name=""/>
-        <p:cNvGrpSpPr/>
-        <p:nvPr/>
-      </p:nvGrpSpPr>
-      <p:grpSpPr>
-        <a:xfrm>
-          <a:off x="0" y="0"/>
-          <a:ext cx="0" cy="0"/>
-          <a:chOff x="0" y="0"/>
-          <a:chExt cx="0" cy="0"/>
-        </a:xfrm>
-      </p:grpSpPr>
-      <p:sp>
-        <p:nvSpPr>
-          <p:cNvPr id="81" name="PlaceHolder 1"/>
-          <p:cNvSpPr>
-            <a:spLocks noGrp="1"/>
-          </p:cNvSpPr>
-          <p:nvPr>
-            <p:ph type="title"/>
-          </p:nvPr>
-        </p:nvSpPr>
-        <p:spPr>
-          <a:xfrm>
-            <a:off x="457200" y="205200"/>
-            <a:ext cx="8229240" cy="858600"/>
-          </a:xfrm>
-          <a:prstGeom prst="rect">
-            <a:avLst/>
-          </a:prstGeom>
-        </p:spPr>
-        <p:txBody>
-          <a:bodyPr lIns="0" rIns="0" tIns="0" bIns="0" anchor="ctr"/>
-          <a:p>
-            <a:pPr algn="ctr"/>
-            <a:endParaRPr b="0" lang="en-US" sz="4400" spc="-1" strike="noStrike">
-              <a:solidFill>
-                <a:srgbClr val="000000"/>
-              </a:solidFill>
-              <a:uFill>
-                <a:solidFill>
-                  <a:srgbClr val="ffffff"/>
-                </a:solidFill>
-              </a:uFill>
-              <a:latin typeface="Arial"/>
-            </a:endParaRPr>
-          </a:p>
-        </p:txBody>
-      </p:sp>
-      <p:sp>
-        <p:nvSpPr>
-          <p:cNvPr id="82" name="PlaceHolder 2"/>
-          <p:cNvSpPr>
-            <a:spLocks noGrp="1"/>
-          </p:cNvSpPr>
-          <p:nvPr>
-            <p:ph type="subTitle"/>
-          </p:nvPr>
-        </p:nvSpPr>
-        <p:spPr>
-          <a:xfrm>
-            <a:off x="457200" y="1203480"/>
-            <a:ext cx="8229240" cy="2982960"/>
-          </a:xfrm>
-          <a:prstGeom prst="rect">
-            <a:avLst/>
-          </a:prstGeom>
-        </p:spPr>
-        <p:txBody>
-          <a:bodyPr lIns="0" rIns="0" tIns="0" bIns="0" anchor="ctr"/>
-          <a:p>
-            <a:pPr algn="ctr"/>
-            <a:endParaRPr b="0" lang="en-US" sz="3200" spc="-1" strike="noStrike">
-              <a:solidFill>
-                <a:srgbClr val="000000"/>
-              </a:solidFill>
-              <a:uFill>
-                <a:solidFill>
-                  <a:srgbClr val="ffffff"/>
-                </a:solidFill>
-              </a:uFill>
-              <a:latin typeface="Arial"/>
-            </a:endParaRPr>
-          </a:p>
-        </p:txBody>
-      </p:sp>
-    </p:spTree>
-  </p:cSld>
-</p:sldLayout>
-</file>
-
-<file path=ppt/slideLayouts/slideLayout27.xml><?xml version="1.0" encoding="utf-8"?>
-<p:sldLayout xmlns:a="http://schemas.openxmlformats.org/drawingml/2006/main" xmlns:p="http://schemas.openxmlformats.org/presentationml/2006/main" xmlns:r="http://schemas.openxmlformats.org/officeDocument/2006/relationships" xmlns:p14="http://schemas.microsoft.com/office/powerpoint/2010/main" xmlns:p15="http://schemas.microsoft.com/office/powerpoint/2012/main" xmlns:mc="http://schemas.openxmlformats.org/markup-compatibility/2006" type="obj" preserve="1">
-  <p:cSld name="Title, Content">
-    <p:spTree>
-      <p:nvGrpSpPr>
-        <p:cNvPr id="1" name=""/>
-        <p:cNvGrpSpPr/>
-        <p:nvPr/>
-      </p:nvGrpSpPr>
-      <p:grpSpPr>
-        <a:xfrm>
-          <a:off x="0" y="0"/>
-          <a:ext cx="0" cy="0"/>
-          <a:chOff x="0" y="0"/>
-          <a:chExt cx="0" cy="0"/>
-        </a:xfrm>
-      </p:grpSpPr>
-      <p:sp>
-        <p:nvSpPr>
-          <p:cNvPr id="83" name="PlaceHolder 1"/>
-          <p:cNvSpPr>
-            <a:spLocks noGrp="1"/>
-          </p:cNvSpPr>
-          <p:nvPr>
-            <p:ph type="title"/>
-          </p:nvPr>
-        </p:nvSpPr>
-        <p:spPr>
-          <a:xfrm>
-            <a:off x="457200" y="205200"/>
-            <a:ext cx="8229240" cy="858600"/>
-          </a:xfrm>
-          <a:prstGeom prst="rect">
-            <a:avLst/>
-          </a:prstGeom>
-        </p:spPr>
-        <p:txBody>
-          <a:bodyPr lIns="0" rIns="0" tIns="0" bIns="0" anchor="ctr"/>
-          <a:p>
-            <a:pPr algn="ctr"/>
-            <a:endParaRPr b="0" lang="en-US" sz="4400" spc="-1" strike="noStrike">
-              <a:solidFill>
-                <a:srgbClr val="000000"/>
-              </a:solidFill>
-              <a:uFill>
-                <a:solidFill>
-                  <a:srgbClr val="ffffff"/>
-                </a:solidFill>
-              </a:uFill>
-              <a:latin typeface="Arial"/>
-            </a:endParaRPr>
-          </a:p>
-        </p:txBody>
-      </p:sp>
-      <p:sp>
-        <p:nvSpPr>
-          <p:cNvPr id="84" name="PlaceHolder 2"/>
-          <p:cNvSpPr>
-            <a:spLocks noGrp="1"/>
-          </p:cNvSpPr>
-          <p:nvPr>
-            <p:ph type="body"/>
-          </p:nvPr>
-        </p:nvSpPr>
-        <p:spPr>
-          <a:xfrm>
-            <a:off x="457200" y="1203480"/>
-            <a:ext cx="8229240" cy="2982960"/>
-          </a:xfrm>
-          <a:prstGeom prst="rect">
-            <a:avLst/>
-          </a:prstGeom>
-        </p:spPr>
-        <p:txBody>
-          <a:bodyPr lIns="0" rIns="0" tIns="0" bIns="0"/>
-          <a:p>
-            <a:endParaRPr b="0" lang="en-US" sz="3200" spc="-1" strike="noStrike">
-              <a:solidFill>
-                <a:srgbClr val="000000"/>
-              </a:solidFill>
-              <a:uFill>
-                <a:solidFill>
-                  <a:srgbClr val="ffffff"/>
-                </a:solidFill>
-              </a:uFill>
-              <a:latin typeface="Arial"/>
-            </a:endParaRPr>
-          </a:p>
-        </p:txBody>
-      </p:sp>
-    </p:spTree>
-  </p:cSld>
-</p:sldLayout>
-</file>
-
-<file path=ppt/slideLayouts/slideLayout28.xml><?xml version="1.0" encoding="utf-8"?>
-<p:sldLayout xmlns:a="http://schemas.openxmlformats.org/drawingml/2006/main" xmlns:p="http://schemas.openxmlformats.org/presentationml/2006/main" xmlns:r="http://schemas.openxmlformats.org/officeDocument/2006/relationships" xmlns:p14="http://schemas.microsoft.com/office/powerpoint/2010/main" xmlns:p15="http://schemas.microsoft.com/office/powerpoint/2012/main" xmlns:mc="http://schemas.openxmlformats.org/markup-compatibility/2006" type="twoObj" preserve="1">
-  <p:cSld name="Title, 2 Content">
-    <p:spTree>
-      <p:nvGrpSpPr>
-        <p:cNvPr id="1" name=""/>
-        <p:cNvGrpSpPr/>
-        <p:nvPr/>
-      </p:nvGrpSpPr>
-      <p:grpSpPr>
-        <a:xfrm>
-          <a:off x="0" y="0"/>
-          <a:ext cx="0" cy="0"/>
-          <a:chOff x="0" y="0"/>
-          <a:chExt cx="0" cy="0"/>
-        </a:xfrm>
-      </p:grpSpPr>
-      <p:sp>
-        <p:nvSpPr>
-          <p:cNvPr id="85" name="PlaceHolder 1"/>
-          <p:cNvSpPr>
-            <a:spLocks noGrp="1"/>
-          </p:cNvSpPr>
-          <p:nvPr>
-            <p:ph type="title"/>
-          </p:nvPr>
-        </p:nvSpPr>
-        <p:spPr>
-          <a:xfrm>
-            <a:off x="457200" y="205200"/>
-            <a:ext cx="8229240" cy="858600"/>
-          </a:xfrm>
-          <a:prstGeom prst="rect">
-            <a:avLst/>
-          </a:prstGeom>
-        </p:spPr>
-        <p:txBody>
-          <a:bodyPr lIns="0" rIns="0" tIns="0" bIns="0" anchor="ctr"/>
-          <a:p>
-            <a:pPr algn="ctr"/>
-            <a:endParaRPr b="0" lang="en-US" sz="4400" spc="-1" strike="noStrike">
-              <a:solidFill>
-                <a:srgbClr val="000000"/>
-              </a:solidFill>
-              <a:uFill>
-                <a:solidFill>
-                  <a:srgbClr val="ffffff"/>
-                </a:solidFill>
-              </a:uFill>
-              <a:latin typeface="Arial"/>
-            </a:endParaRPr>
-          </a:p>
-        </p:txBody>
-      </p:sp>
-      <p:sp>
-        <p:nvSpPr>
-          <p:cNvPr id="86" name="PlaceHolder 2"/>
-          <p:cNvSpPr>
-            <a:spLocks noGrp="1"/>
-          </p:cNvSpPr>
-          <p:nvPr>
-            <p:ph type="body"/>
-          </p:nvPr>
-        </p:nvSpPr>
-        <p:spPr>
-          <a:xfrm>
-            <a:off x="457200" y="1203480"/>
-            <a:ext cx="4015800" cy="2982960"/>
-          </a:xfrm>
-          <a:prstGeom prst="rect">
-            <a:avLst/>
-          </a:prstGeom>
-        </p:spPr>
-        <p:txBody>
-          <a:bodyPr lIns="0" rIns="0" tIns="0" bIns="0"/>
-          <a:p>
-            <a:endParaRPr b="0" lang="en-US" sz="3200" spc="-1" strike="noStrike">
-              <a:solidFill>
-                <a:srgbClr val="000000"/>
-              </a:solidFill>
-              <a:uFill>
-                <a:solidFill>
-                  <a:srgbClr val="ffffff"/>
-                </a:solidFill>
-              </a:uFill>
-              <a:latin typeface="Arial"/>
-            </a:endParaRPr>
-          </a:p>
-        </p:txBody>
-      </p:sp>
-      <p:sp>
-        <p:nvSpPr>
-          <p:cNvPr id="87" name="PlaceHolder 3"/>
-          <p:cNvSpPr>
-            <a:spLocks noGrp="1"/>
-          </p:cNvSpPr>
-          <p:nvPr>
-            <p:ph type="body"/>
-          </p:nvPr>
-        </p:nvSpPr>
-        <p:spPr>
-          <a:xfrm>
-            <a:off x="4674240" y="1203480"/>
-            <a:ext cx="4015800" cy="2982960"/>
-          </a:xfrm>
-          <a:prstGeom prst="rect">
-            <a:avLst/>
-          </a:prstGeom>
-        </p:spPr>
-        <p:txBody>
-          <a:bodyPr lIns="0" rIns="0" tIns="0" bIns="0"/>
-          <a:p>
-            <a:endParaRPr b="0" lang="en-US" sz="3200" spc="-1" strike="noStrike">
-              <a:solidFill>
-                <a:srgbClr val="000000"/>
-              </a:solidFill>
-              <a:uFill>
-                <a:solidFill>
-                  <a:srgbClr val="ffffff"/>
-                </a:solidFill>
-              </a:uFill>
-              <a:latin typeface="Arial"/>
-            </a:endParaRPr>
-          </a:p>
-        </p:txBody>
-      </p:sp>
-    </p:spTree>
-  </p:cSld>
-</p:sldLayout>
-</file>
-
-<file path=ppt/slideLayouts/slideLayout29.xml><?xml version="1.0" encoding="utf-8"?>
-<p:sldLayout xmlns:a="http://schemas.openxmlformats.org/drawingml/2006/main" xmlns:p="http://schemas.openxmlformats.org/presentationml/2006/main" xmlns:r="http://schemas.openxmlformats.org/officeDocument/2006/relationships" xmlns:p14="http://schemas.microsoft.com/office/powerpoint/2010/main" xmlns:p15="http://schemas.microsoft.com/office/powerpoint/2012/main" xmlns:mc="http://schemas.openxmlformats.org/markup-compatibility/2006" type="titleOnly" preserve="1">
-  <p:cSld name="Title Only">
-    <p:spTree>
-      <p:nvGrpSpPr>
-        <p:cNvPr id="1" name=""/>
-        <p:cNvGrpSpPr/>
-        <p:nvPr/>
-      </p:nvGrpSpPr>
-      <p:grpSpPr>
-        <a:xfrm>
-          <a:off x="0" y="0"/>
-          <a:ext cx="0" cy="0"/>
-          <a:chOff x="0" y="0"/>
-          <a:chExt cx="0" cy="0"/>
-        </a:xfrm>
-      </p:grpSpPr>
-      <p:sp>
-        <p:nvSpPr>
-          <p:cNvPr id="88" name="PlaceHolder 1"/>
-          <p:cNvSpPr>
-            <a:spLocks noGrp="1"/>
-          </p:cNvSpPr>
-          <p:nvPr>
-            <p:ph type="title"/>
-          </p:nvPr>
-        </p:nvSpPr>
-        <p:spPr>
-          <a:xfrm>
-            <a:off x="457200" y="205200"/>
-            <a:ext cx="8229240" cy="858600"/>
-          </a:xfrm>
-          <a:prstGeom prst="rect">
-            <a:avLst/>
-          </a:prstGeom>
-        </p:spPr>
-        <p:txBody>
-          <a:bodyPr lIns="0" rIns="0" tIns="0" bIns="0" anchor="ctr"/>
-          <a:p>
-            <a:pPr algn="ctr"/>
-            <a:endParaRPr b="0" lang="en-US" sz="4400" spc="-1" strike="noStrike">
-              <a:solidFill>
-                <a:srgbClr val="000000"/>
-              </a:solidFill>
-              <a:uFill>
-                <a:solidFill>
-                  <a:srgbClr val="ffffff"/>
-                </a:solidFill>
-              </a:uFill>
-              <a:latin typeface="Arial"/>
-            </a:endParaRPr>
-          </a:p>
-        </p:txBody>
-      </p:sp>
-    </p:spTree>
-  </p:cSld>
-</p:sldLayout>
-</file>
-
 <file path=ppt/slideLayouts/slideLayout3.xml><?xml version="1.0" encoding="utf-8"?>
 <p:sldLayout xmlns:a="http://schemas.openxmlformats.org/drawingml/2006/main" xmlns:p="http://schemas.openxmlformats.org/presentationml/2006/main" xmlns:r="http://schemas.openxmlformats.org/officeDocument/2006/relationships" xmlns:p14="http://schemas.microsoft.com/office/powerpoint/2010/main" xmlns:p15="http://schemas.microsoft.com/office/powerpoint/2012/main" xmlns:mc="http://schemas.openxmlformats.org/markup-compatibility/2006" type="obj" preserve="1">
   <p:cSld name="Title, Content">
@@ -2777,1388 +2372,6 @@
       <p:sp>
         <p:nvSpPr>
           <p:cNvPr id="6" name="PlaceHolder 2"/>
-          <p:cNvSpPr>
-            <a:spLocks noGrp="1"/>
-          </p:cNvSpPr>
-          <p:nvPr>
-            <p:ph type="body"/>
-          </p:nvPr>
-        </p:nvSpPr>
-        <p:spPr>
-          <a:xfrm>
-            <a:off x="457200" y="1203480"/>
-            <a:ext cx="8229240" cy="2982960"/>
-          </a:xfrm>
-          <a:prstGeom prst="rect">
-            <a:avLst/>
-          </a:prstGeom>
-        </p:spPr>
-        <p:txBody>
-          <a:bodyPr lIns="0" rIns="0" tIns="0" bIns="0"/>
-          <a:p>
-            <a:endParaRPr b="0" lang="en-US" sz="3200" spc="-1" strike="noStrike">
-              <a:solidFill>
-                <a:srgbClr val="000000"/>
-              </a:solidFill>
-              <a:uFill>
-                <a:solidFill>
-                  <a:srgbClr val="ffffff"/>
-                </a:solidFill>
-              </a:uFill>
-              <a:latin typeface="Arial"/>
-            </a:endParaRPr>
-          </a:p>
-        </p:txBody>
-      </p:sp>
-    </p:spTree>
-  </p:cSld>
-</p:sldLayout>
-</file>
-
-<file path=ppt/slideLayouts/slideLayout30.xml><?xml version="1.0" encoding="utf-8"?>
-<p:sldLayout xmlns:a="http://schemas.openxmlformats.org/drawingml/2006/main" xmlns:p="http://schemas.openxmlformats.org/presentationml/2006/main" xmlns:r="http://schemas.openxmlformats.org/officeDocument/2006/relationships" xmlns:p14="http://schemas.microsoft.com/office/powerpoint/2010/main" xmlns:p15="http://schemas.microsoft.com/office/powerpoint/2012/main" xmlns:mc="http://schemas.openxmlformats.org/markup-compatibility/2006" type="objOnly" preserve="1">
-  <p:cSld name="Centered Text">
-    <p:spTree>
-      <p:nvGrpSpPr>
-        <p:cNvPr id="1" name=""/>
-        <p:cNvGrpSpPr/>
-        <p:nvPr/>
-      </p:nvGrpSpPr>
-      <p:grpSpPr>
-        <a:xfrm>
-          <a:off x="0" y="0"/>
-          <a:ext cx="0" cy="0"/>
-          <a:chOff x="0" y="0"/>
-          <a:chExt cx="0" cy="0"/>
-        </a:xfrm>
-      </p:grpSpPr>
-      <p:sp>
-        <p:nvSpPr>
-          <p:cNvPr id="89" name="PlaceHolder 1"/>
-          <p:cNvSpPr>
-            <a:spLocks noGrp="1"/>
-          </p:cNvSpPr>
-          <p:nvPr>
-            <p:ph type="subTitle"/>
-          </p:nvPr>
-        </p:nvSpPr>
-        <p:spPr>
-          <a:xfrm>
-            <a:off x="457200" y="205200"/>
-            <a:ext cx="8229240" cy="3981240"/>
-          </a:xfrm>
-          <a:prstGeom prst="rect">
-            <a:avLst/>
-          </a:prstGeom>
-        </p:spPr>
-        <p:txBody>
-          <a:bodyPr lIns="0" rIns="0" tIns="0" bIns="0" anchor="ctr"/>
-          <a:p>
-            <a:pPr algn="ctr"/>
-            <a:endParaRPr b="0" lang="en-US" sz="3200" spc="-1" strike="noStrike">
-              <a:solidFill>
-                <a:srgbClr val="000000"/>
-              </a:solidFill>
-              <a:uFill>
-                <a:solidFill>
-                  <a:srgbClr val="ffffff"/>
-                </a:solidFill>
-              </a:uFill>
-              <a:latin typeface="Arial"/>
-            </a:endParaRPr>
-          </a:p>
-        </p:txBody>
-      </p:sp>
-    </p:spTree>
-  </p:cSld>
-</p:sldLayout>
-</file>
-
-<file path=ppt/slideLayouts/slideLayout31.xml><?xml version="1.0" encoding="utf-8"?>
-<p:sldLayout xmlns:a="http://schemas.openxmlformats.org/drawingml/2006/main" xmlns:p="http://schemas.openxmlformats.org/presentationml/2006/main" xmlns:r="http://schemas.openxmlformats.org/officeDocument/2006/relationships" xmlns:p14="http://schemas.microsoft.com/office/powerpoint/2010/main" xmlns:p15="http://schemas.microsoft.com/office/powerpoint/2012/main" xmlns:mc="http://schemas.openxmlformats.org/markup-compatibility/2006" type="twoObjAndObj" preserve="1">
-  <p:cSld name="Title, 2 Content and Content">
-    <p:spTree>
-      <p:nvGrpSpPr>
-        <p:cNvPr id="1" name=""/>
-        <p:cNvGrpSpPr/>
-        <p:nvPr/>
-      </p:nvGrpSpPr>
-      <p:grpSpPr>
-        <a:xfrm>
-          <a:off x="0" y="0"/>
-          <a:ext cx="0" cy="0"/>
-          <a:chOff x="0" y="0"/>
-          <a:chExt cx="0" cy="0"/>
-        </a:xfrm>
-      </p:grpSpPr>
-      <p:sp>
-        <p:nvSpPr>
-          <p:cNvPr id="90" name="PlaceHolder 1"/>
-          <p:cNvSpPr>
-            <a:spLocks noGrp="1"/>
-          </p:cNvSpPr>
-          <p:nvPr>
-            <p:ph type="title"/>
-          </p:nvPr>
-        </p:nvSpPr>
-        <p:spPr>
-          <a:xfrm>
-            <a:off x="457200" y="205200"/>
-            <a:ext cx="8229240" cy="858600"/>
-          </a:xfrm>
-          <a:prstGeom prst="rect">
-            <a:avLst/>
-          </a:prstGeom>
-        </p:spPr>
-        <p:txBody>
-          <a:bodyPr lIns="0" rIns="0" tIns="0" bIns="0" anchor="ctr"/>
-          <a:p>
-            <a:pPr algn="ctr"/>
-            <a:endParaRPr b="0" lang="en-US" sz="4400" spc="-1" strike="noStrike">
-              <a:solidFill>
-                <a:srgbClr val="000000"/>
-              </a:solidFill>
-              <a:uFill>
-                <a:solidFill>
-                  <a:srgbClr val="ffffff"/>
-                </a:solidFill>
-              </a:uFill>
-              <a:latin typeface="Arial"/>
-            </a:endParaRPr>
-          </a:p>
-        </p:txBody>
-      </p:sp>
-      <p:sp>
-        <p:nvSpPr>
-          <p:cNvPr id="91" name="PlaceHolder 2"/>
-          <p:cNvSpPr>
-            <a:spLocks noGrp="1"/>
-          </p:cNvSpPr>
-          <p:nvPr>
-            <p:ph type="body"/>
-          </p:nvPr>
-        </p:nvSpPr>
-        <p:spPr>
-          <a:xfrm>
-            <a:off x="457200" y="1203480"/>
-            <a:ext cx="4015800" cy="1422720"/>
-          </a:xfrm>
-          <a:prstGeom prst="rect">
-            <a:avLst/>
-          </a:prstGeom>
-        </p:spPr>
-        <p:txBody>
-          <a:bodyPr lIns="0" rIns="0" tIns="0" bIns="0"/>
-          <a:p>
-            <a:endParaRPr b="0" lang="en-US" sz="3200" spc="-1" strike="noStrike">
-              <a:solidFill>
-                <a:srgbClr val="000000"/>
-              </a:solidFill>
-              <a:uFill>
-                <a:solidFill>
-                  <a:srgbClr val="ffffff"/>
-                </a:solidFill>
-              </a:uFill>
-              <a:latin typeface="Arial"/>
-            </a:endParaRPr>
-          </a:p>
-        </p:txBody>
-      </p:sp>
-      <p:sp>
-        <p:nvSpPr>
-          <p:cNvPr id="92" name="PlaceHolder 3"/>
-          <p:cNvSpPr>
-            <a:spLocks noGrp="1"/>
-          </p:cNvSpPr>
-          <p:nvPr>
-            <p:ph type="body"/>
-          </p:nvPr>
-        </p:nvSpPr>
-        <p:spPr>
-          <a:xfrm>
-            <a:off x="457200" y="2761920"/>
-            <a:ext cx="4015800" cy="1422720"/>
-          </a:xfrm>
-          <a:prstGeom prst="rect">
-            <a:avLst/>
-          </a:prstGeom>
-        </p:spPr>
-        <p:txBody>
-          <a:bodyPr lIns="0" rIns="0" tIns="0" bIns="0"/>
-          <a:p>
-            <a:endParaRPr b="0" lang="en-US" sz="3200" spc="-1" strike="noStrike">
-              <a:solidFill>
-                <a:srgbClr val="000000"/>
-              </a:solidFill>
-              <a:uFill>
-                <a:solidFill>
-                  <a:srgbClr val="ffffff"/>
-                </a:solidFill>
-              </a:uFill>
-              <a:latin typeface="Arial"/>
-            </a:endParaRPr>
-          </a:p>
-        </p:txBody>
-      </p:sp>
-      <p:sp>
-        <p:nvSpPr>
-          <p:cNvPr id="93" name="PlaceHolder 4"/>
-          <p:cNvSpPr>
-            <a:spLocks noGrp="1"/>
-          </p:cNvSpPr>
-          <p:nvPr>
-            <p:ph type="body"/>
-          </p:nvPr>
-        </p:nvSpPr>
-        <p:spPr>
-          <a:xfrm>
-            <a:off x="4674240" y="1203480"/>
-            <a:ext cx="4015800" cy="2982960"/>
-          </a:xfrm>
-          <a:prstGeom prst="rect">
-            <a:avLst/>
-          </a:prstGeom>
-        </p:spPr>
-        <p:txBody>
-          <a:bodyPr lIns="0" rIns="0" tIns="0" bIns="0"/>
-          <a:p>
-            <a:endParaRPr b="0" lang="en-US" sz="3200" spc="-1" strike="noStrike">
-              <a:solidFill>
-                <a:srgbClr val="000000"/>
-              </a:solidFill>
-              <a:uFill>
-                <a:solidFill>
-                  <a:srgbClr val="ffffff"/>
-                </a:solidFill>
-              </a:uFill>
-              <a:latin typeface="Arial"/>
-            </a:endParaRPr>
-          </a:p>
-        </p:txBody>
-      </p:sp>
-    </p:spTree>
-  </p:cSld>
-</p:sldLayout>
-</file>
-
-<file path=ppt/slideLayouts/slideLayout32.xml><?xml version="1.0" encoding="utf-8"?>
-<p:sldLayout xmlns:a="http://schemas.openxmlformats.org/drawingml/2006/main" xmlns:p="http://schemas.openxmlformats.org/presentationml/2006/main" xmlns:r="http://schemas.openxmlformats.org/officeDocument/2006/relationships" xmlns:p14="http://schemas.microsoft.com/office/powerpoint/2010/main" xmlns:p15="http://schemas.microsoft.com/office/powerpoint/2012/main" xmlns:mc="http://schemas.openxmlformats.org/markup-compatibility/2006" type="objAndTwoObj" preserve="1">
-  <p:cSld name="Title Content and 2 Content">
-    <p:spTree>
-      <p:nvGrpSpPr>
-        <p:cNvPr id="1" name=""/>
-        <p:cNvGrpSpPr/>
-        <p:nvPr/>
-      </p:nvGrpSpPr>
-      <p:grpSpPr>
-        <a:xfrm>
-          <a:off x="0" y="0"/>
-          <a:ext cx="0" cy="0"/>
-          <a:chOff x="0" y="0"/>
-          <a:chExt cx="0" cy="0"/>
-        </a:xfrm>
-      </p:grpSpPr>
-      <p:sp>
-        <p:nvSpPr>
-          <p:cNvPr id="94" name="PlaceHolder 1"/>
-          <p:cNvSpPr>
-            <a:spLocks noGrp="1"/>
-          </p:cNvSpPr>
-          <p:nvPr>
-            <p:ph type="title"/>
-          </p:nvPr>
-        </p:nvSpPr>
-        <p:spPr>
-          <a:xfrm>
-            <a:off x="457200" y="205200"/>
-            <a:ext cx="8229240" cy="858600"/>
-          </a:xfrm>
-          <a:prstGeom prst="rect">
-            <a:avLst/>
-          </a:prstGeom>
-        </p:spPr>
-        <p:txBody>
-          <a:bodyPr lIns="0" rIns="0" tIns="0" bIns="0" anchor="ctr"/>
-          <a:p>
-            <a:pPr algn="ctr"/>
-            <a:endParaRPr b="0" lang="en-US" sz="4400" spc="-1" strike="noStrike">
-              <a:solidFill>
-                <a:srgbClr val="000000"/>
-              </a:solidFill>
-              <a:uFill>
-                <a:solidFill>
-                  <a:srgbClr val="ffffff"/>
-                </a:solidFill>
-              </a:uFill>
-              <a:latin typeface="Arial"/>
-            </a:endParaRPr>
-          </a:p>
-        </p:txBody>
-      </p:sp>
-      <p:sp>
-        <p:nvSpPr>
-          <p:cNvPr id="95" name="PlaceHolder 2"/>
-          <p:cNvSpPr>
-            <a:spLocks noGrp="1"/>
-          </p:cNvSpPr>
-          <p:nvPr>
-            <p:ph type="body"/>
-          </p:nvPr>
-        </p:nvSpPr>
-        <p:spPr>
-          <a:xfrm>
-            <a:off x="457200" y="1203480"/>
-            <a:ext cx="4015800" cy="2982960"/>
-          </a:xfrm>
-          <a:prstGeom prst="rect">
-            <a:avLst/>
-          </a:prstGeom>
-        </p:spPr>
-        <p:txBody>
-          <a:bodyPr lIns="0" rIns="0" tIns="0" bIns="0"/>
-          <a:p>
-            <a:endParaRPr b="0" lang="en-US" sz="3200" spc="-1" strike="noStrike">
-              <a:solidFill>
-                <a:srgbClr val="000000"/>
-              </a:solidFill>
-              <a:uFill>
-                <a:solidFill>
-                  <a:srgbClr val="ffffff"/>
-                </a:solidFill>
-              </a:uFill>
-              <a:latin typeface="Arial"/>
-            </a:endParaRPr>
-          </a:p>
-        </p:txBody>
-      </p:sp>
-      <p:sp>
-        <p:nvSpPr>
-          <p:cNvPr id="96" name="PlaceHolder 3"/>
-          <p:cNvSpPr>
-            <a:spLocks noGrp="1"/>
-          </p:cNvSpPr>
-          <p:nvPr>
-            <p:ph type="body"/>
-          </p:nvPr>
-        </p:nvSpPr>
-        <p:spPr>
-          <a:xfrm>
-            <a:off x="4674240" y="1203480"/>
-            <a:ext cx="4015800" cy="1422720"/>
-          </a:xfrm>
-          <a:prstGeom prst="rect">
-            <a:avLst/>
-          </a:prstGeom>
-        </p:spPr>
-        <p:txBody>
-          <a:bodyPr lIns="0" rIns="0" tIns="0" bIns="0"/>
-          <a:p>
-            <a:endParaRPr b="0" lang="en-US" sz="3200" spc="-1" strike="noStrike">
-              <a:solidFill>
-                <a:srgbClr val="000000"/>
-              </a:solidFill>
-              <a:uFill>
-                <a:solidFill>
-                  <a:srgbClr val="ffffff"/>
-                </a:solidFill>
-              </a:uFill>
-              <a:latin typeface="Arial"/>
-            </a:endParaRPr>
-          </a:p>
-        </p:txBody>
-      </p:sp>
-      <p:sp>
-        <p:nvSpPr>
-          <p:cNvPr id="97" name="PlaceHolder 4"/>
-          <p:cNvSpPr>
-            <a:spLocks noGrp="1"/>
-          </p:cNvSpPr>
-          <p:nvPr>
-            <p:ph type="body"/>
-          </p:nvPr>
-        </p:nvSpPr>
-        <p:spPr>
-          <a:xfrm>
-            <a:off x="4674240" y="2761920"/>
-            <a:ext cx="4015800" cy="1422720"/>
-          </a:xfrm>
-          <a:prstGeom prst="rect">
-            <a:avLst/>
-          </a:prstGeom>
-        </p:spPr>
-        <p:txBody>
-          <a:bodyPr lIns="0" rIns="0" tIns="0" bIns="0"/>
-          <a:p>
-            <a:endParaRPr b="0" lang="en-US" sz="3200" spc="-1" strike="noStrike">
-              <a:solidFill>
-                <a:srgbClr val="000000"/>
-              </a:solidFill>
-              <a:uFill>
-                <a:solidFill>
-                  <a:srgbClr val="ffffff"/>
-                </a:solidFill>
-              </a:uFill>
-              <a:latin typeface="Arial"/>
-            </a:endParaRPr>
-          </a:p>
-        </p:txBody>
-      </p:sp>
-    </p:spTree>
-  </p:cSld>
-</p:sldLayout>
-</file>
-
-<file path=ppt/slideLayouts/slideLayout33.xml><?xml version="1.0" encoding="utf-8"?>
-<p:sldLayout xmlns:a="http://schemas.openxmlformats.org/drawingml/2006/main" xmlns:p="http://schemas.openxmlformats.org/presentationml/2006/main" xmlns:r="http://schemas.openxmlformats.org/officeDocument/2006/relationships" xmlns:p14="http://schemas.microsoft.com/office/powerpoint/2010/main" xmlns:p15="http://schemas.microsoft.com/office/powerpoint/2012/main" xmlns:mc="http://schemas.openxmlformats.org/markup-compatibility/2006" type="twoObjOverTx" preserve="1">
-  <p:cSld name="Title, 2 Content over Content">
-    <p:spTree>
-      <p:nvGrpSpPr>
-        <p:cNvPr id="1" name=""/>
-        <p:cNvGrpSpPr/>
-        <p:nvPr/>
-      </p:nvGrpSpPr>
-      <p:grpSpPr>
-        <a:xfrm>
-          <a:off x="0" y="0"/>
-          <a:ext cx="0" cy="0"/>
-          <a:chOff x="0" y="0"/>
-          <a:chExt cx="0" cy="0"/>
-        </a:xfrm>
-      </p:grpSpPr>
-      <p:sp>
-        <p:nvSpPr>
-          <p:cNvPr id="98" name="PlaceHolder 1"/>
-          <p:cNvSpPr>
-            <a:spLocks noGrp="1"/>
-          </p:cNvSpPr>
-          <p:nvPr>
-            <p:ph type="title"/>
-          </p:nvPr>
-        </p:nvSpPr>
-        <p:spPr>
-          <a:xfrm>
-            <a:off x="457200" y="205200"/>
-            <a:ext cx="8229240" cy="858600"/>
-          </a:xfrm>
-          <a:prstGeom prst="rect">
-            <a:avLst/>
-          </a:prstGeom>
-        </p:spPr>
-        <p:txBody>
-          <a:bodyPr lIns="0" rIns="0" tIns="0" bIns="0" anchor="ctr"/>
-          <a:p>
-            <a:pPr algn="ctr"/>
-            <a:endParaRPr b="0" lang="en-US" sz="4400" spc="-1" strike="noStrike">
-              <a:solidFill>
-                <a:srgbClr val="000000"/>
-              </a:solidFill>
-              <a:uFill>
-                <a:solidFill>
-                  <a:srgbClr val="ffffff"/>
-                </a:solidFill>
-              </a:uFill>
-              <a:latin typeface="Arial"/>
-            </a:endParaRPr>
-          </a:p>
-        </p:txBody>
-      </p:sp>
-      <p:sp>
-        <p:nvSpPr>
-          <p:cNvPr id="99" name="PlaceHolder 2"/>
-          <p:cNvSpPr>
-            <a:spLocks noGrp="1"/>
-          </p:cNvSpPr>
-          <p:nvPr>
-            <p:ph type="body"/>
-          </p:nvPr>
-        </p:nvSpPr>
-        <p:spPr>
-          <a:xfrm>
-            <a:off x="457200" y="1203480"/>
-            <a:ext cx="4015800" cy="1422720"/>
-          </a:xfrm>
-          <a:prstGeom prst="rect">
-            <a:avLst/>
-          </a:prstGeom>
-        </p:spPr>
-        <p:txBody>
-          <a:bodyPr lIns="0" rIns="0" tIns="0" bIns="0"/>
-          <a:p>
-            <a:endParaRPr b="0" lang="en-US" sz="3200" spc="-1" strike="noStrike">
-              <a:solidFill>
-                <a:srgbClr val="000000"/>
-              </a:solidFill>
-              <a:uFill>
-                <a:solidFill>
-                  <a:srgbClr val="ffffff"/>
-                </a:solidFill>
-              </a:uFill>
-              <a:latin typeface="Arial"/>
-            </a:endParaRPr>
-          </a:p>
-        </p:txBody>
-      </p:sp>
-      <p:sp>
-        <p:nvSpPr>
-          <p:cNvPr id="100" name="PlaceHolder 3"/>
-          <p:cNvSpPr>
-            <a:spLocks noGrp="1"/>
-          </p:cNvSpPr>
-          <p:nvPr>
-            <p:ph type="body"/>
-          </p:nvPr>
-        </p:nvSpPr>
-        <p:spPr>
-          <a:xfrm>
-            <a:off x="4674240" y="1203480"/>
-            <a:ext cx="4015800" cy="1422720"/>
-          </a:xfrm>
-          <a:prstGeom prst="rect">
-            <a:avLst/>
-          </a:prstGeom>
-        </p:spPr>
-        <p:txBody>
-          <a:bodyPr lIns="0" rIns="0" tIns="0" bIns="0"/>
-          <a:p>
-            <a:endParaRPr b="0" lang="en-US" sz="3200" spc="-1" strike="noStrike">
-              <a:solidFill>
-                <a:srgbClr val="000000"/>
-              </a:solidFill>
-              <a:uFill>
-                <a:solidFill>
-                  <a:srgbClr val="ffffff"/>
-                </a:solidFill>
-              </a:uFill>
-              <a:latin typeface="Arial"/>
-            </a:endParaRPr>
-          </a:p>
-        </p:txBody>
-      </p:sp>
-      <p:sp>
-        <p:nvSpPr>
-          <p:cNvPr id="101" name="PlaceHolder 4"/>
-          <p:cNvSpPr>
-            <a:spLocks noGrp="1"/>
-          </p:cNvSpPr>
-          <p:nvPr>
-            <p:ph type="body"/>
-          </p:nvPr>
-        </p:nvSpPr>
-        <p:spPr>
-          <a:xfrm>
-            <a:off x="457200" y="2761920"/>
-            <a:ext cx="8229240" cy="1422720"/>
-          </a:xfrm>
-          <a:prstGeom prst="rect">
-            <a:avLst/>
-          </a:prstGeom>
-        </p:spPr>
-        <p:txBody>
-          <a:bodyPr lIns="0" rIns="0" tIns="0" bIns="0"/>
-          <a:p>
-            <a:endParaRPr b="0" lang="en-US" sz="3200" spc="-1" strike="noStrike">
-              <a:solidFill>
-                <a:srgbClr val="000000"/>
-              </a:solidFill>
-              <a:uFill>
-                <a:solidFill>
-                  <a:srgbClr val="ffffff"/>
-                </a:solidFill>
-              </a:uFill>
-              <a:latin typeface="Arial"/>
-            </a:endParaRPr>
-          </a:p>
-        </p:txBody>
-      </p:sp>
-    </p:spTree>
-  </p:cSld>
-</p:sldLayout>
-</file>
-
-<file path=ppt/slideLayouts/slideLayout34.xml><?xml version="1.0" encoding="utf-8"?>
-<p:sldLayout xmlns:a="http://schemas.openxmlformats.org/drawingml/2006/main" xmlns:p="http://schemas.openxmlformats.org/presentationml/2006/main" xmlns:r="http://schemas.openxmlformats.org/officeDocument/2006/relationships" xmlns:p14="http://schemas.microsoft.com/office/powerpoint/2010/main" xmlns:p15="http://schemas.microsoft.com/office/powerpoint/2012/main" xmlns:mc="http://schemas.openxmlformats.org/markup-compatibility/2006" type="objOverTx" preserve="1">
-  <p:cSld name="Title, Content over Content">
-    <p:spTree>
-      <p:nvGrpSpPr>
-        <p:cNvPr id="1" name=""/>
-        <p:cNvGrpSpPr/>
-        <p:nvPr/>
-      </p:nvGrpSpPr>
-      <p:grpSpPr>
-        <a:xfrm>
-          <a:off x="0" y="0"/>
-          <a:ext cx="0" cy="0"/>
-          <a:chOff x="0" y="0"/>
-          <a:chExt cx="0" cy="0"/>
-        </a:xfrm>
-      </p:grpSpPr>
-      <p:sp>
-        <p:nvSpPr>
-          <p:cNvPr id="102" name="PlaceHolder 1"/>
-          <p:cNvSpPr>
-            <a:spLocks noGrp="1"/>
-          </p:cNvSpPr>
-          <p:nvPr>
-            <p:ph type="title"/>
-          </p:nvPr>
-        </p:nvSpPr>
-        <p:spPr>
-          <a:xfrm>
-            <a:off x="457200" y="205200"/>
-            <a:ext cx="8229240" cy="858600"/>
-          </a:xfrm>
-          <a:prstGeom prst="rect">
-            <a:avLst/>
-          </a:prstGeom>
-        </p:spPr>
-        <p:txBody>
-          <a:bodyPr lIns="0" rIns="0" tIns="0" bIns="0" anchor="ctr"/>
-          <a:p>
-            <a:pPr algn="ctr"/>
-            <a:endParaRPr b="0" lang="en-US" sz="4400" spc="-1" strike="noStrike">
-              <a:solidFill>
-                <a:srgbClr val="000000"/>
-              </a:solidFill>
-              <a:uFill>
-                <a:solidFill>
-                  <a:srgbClr val="ffffff"/>
-                </a:solidFill>
-              </a:uFill>
-              <a:latin typeface="Arial"/>
-            </a:endParaRPr>
-          </a:p>
-        </p:txBody>
-      </p:sp>
-      <p:sp>
-        <p:nvSpPr>
-          <p:cNvPr id="103" name="PlaceHolder 2"/>
-          <p:cNvSpPr>
-            <a:spLocks noGrp="1"/>
-          </p:cNvSpPr>
-          <p:nvPr>
-            <p:ph type="body"/>
-          </p:nvPr>
-        </p:nvSpPr>
-        <p:spPr>
-          <a:xfrm>
-            <a:off x="457200" y="1203480"/>
-            <a:ext cx="8229240" cy="1422720"/>
-          </a:xfrm>
-          <a:prstGeom prst="rect">
-            <a:avLst/>
-          </a:prstGeom>
-        </p:spPr>
-        <p:txBody>
-          <a:bodyPr lIns="0" rIns="0" tIns="0" bIns="0"/>
-          <a:p>
-            <a:endParaRPr b="0" lang="en-US" sz="3200" spc="-1" strike="noStrike">
-              <a:solidFill>
-                <a:srgbClr val="000000"/>
-              </a:solidFill>
-              <a:uFill>
-                <a:solidFill>
-                  <a:srgbClr val="ffffff"/>
-                </a:solidFill>
-              </a:uFill>
-              <a:latin typeface="Arial"/>
-            </a:endParaRPr>
-          </a:p>
-        </p:txBody>
-      </p:sp>
-      <p:sp>
-        <p:nvSpPr>
-          <p:cNvPr id="104" name="PlaceHolder 3"/>
-          <p:cNvSpPr>
-            <a:spLocks noGrp="1"/>
-          </p:cNvSpPr>
-          <p:nvPr>
-            <p:ph type="body"/>
-          </p:nvPr>
-        </p:nvSpPr>
-        <p:spPr>
-          <a:xfrm>
-            <a:off x="457200" y="2761920"/>
-            <a:ext cx="8229240" cy="1422720"/>
-          </a:xfrm>
-          <a:prstGeom prst="rect">
-            <a:avLst/>
-          </a:prstGeom>
-        </p:spPr>
-        <p:txBody>
-          <a:bodyPr lIns="0" rIns="0" tIns="0" bIns="0"/>
-          <a:p>
-            <a:endParaRPr b="0" lang="en-US" sz="3200" spc="-1" strike="noStrike">
-              <a:solidFill>
-                <a:srgbClr val="000000"/>
-              </a:solidFill>
-              <a:uFill>
-                <a:solidFill>
-                  <a:srgbClr val="ffffff"/>
-                </a:solidFill>
-              </a:uFill>
-              <a:latin typeface="Arial"/>
-            </a:endParaRPr>
-          </a:p>
-        </p:txBody>
-      </p:sp>
-    </p:spTree>
-  </p:cSld>
-</p:sldLayout>
-</file>
-
-<file path=ppt/slideLayouts/slideLayout35.xml><?xml version="1.0" encoding="utf-8"?>
-<p:sldLayout xmlns:a="http://schemas.openxmlformats.org/drawingml/2006/main" xmlns:p="http://schemas.openxmlformats.org/presentationml/2006/main" xmlns:r="http://schemas.openxmlformats.org/officeDocument/2006/relationships" xmlns:p14="http://schemas.microsoft.com/office/powerpoint/2010/main" xmlns:p15="http://schemas.microsoft.com/office/powerpoint/2012/main" xmlns:mc="http://schemas.openxmlformats.org/markup-compatibility/2006" type="fourObj" preserve="1">
-  <p:cSld name="Title, 4 Content">
-    <p:spTree>
-      <p:nvGrpSpPr>
-        <p:cNvPr id="1" name=""/>
-        <p:cNvGrpSpPr/>
-        <p:nvPr/>
-      </p:nvGrpSpPr>
-      <p:grpSpPr>
-        <a:xfrm>
-          <a:off x="0" y="0"/>
-          <a:ext cx="0" cy="0"/>
-          <a:chOff x="0" y="0"/>
-          <a:chExt cx="0" cy="0"/>
-        </a:xfrm>
-      </p:grpSpPr>
-      <p:sp>
-        <p:nvSpPr>
-          <p:cNvPr id="105" name="PlaceHolder 1"/>
-          <p:cNvSpPr>
-            <a:spLocks noGrp="1"/>
-          </p:cNvSpPr>
-          <p:nvPr>
-            <p:ph type="title"/>
-          </p:nvPr>
-        </p:nvSpPr>
-        <p:spPr>
-          <a:xfrm>
-            <a:off x="457200" y="205200"/>
-            <a:ext cx="8229240" cy="858600"/>
-          </a:xfrm>
-          <a:prstGeom prst="rect">
-            <a:avLst/>
-          </a:prstGeom>
-        </p:spPr>
-        <p:txBody>
-          <a:bodyPr lIns="0" rIns="0" tIns="0" bIns="0" anchor="ctr"/>
-          <a:p>
-            <a:pPr algn="ctr"/>
-            <a:endParaRPr b="0" lang="en-US" sz="4400" spc="-1" strike="noStrike">
-              <a:solidFill>
-                <a:srgbClr val="000000"/>
-              </a:solidFill>
-              <a:uFill>
-                <a:solidFill>
-                  <a:srgbClr val="ffffff"/>
-                </a:solidFill>
-              </a:uFill>
-              <a:latin typeface="Arial"/>
-            </a:endParaRPr>
-          </a:p>
-        </p:txBody>
-      </p:sp>
-      <p:sp>
-        <p:nvSpPr>
-          <p:cNvPr id="106" name="PlaceHolder 2"/>
-          <p:cNvSpPr>
-            <a:spLocks noGrp="1"/>
-          </p:cNvSpPr>
-          <p:nvPr>
-            <p:ph type="body"/>
-          </p:nvPr>
-        </p:nvSpPr>
-        <p:spPr>
-          <a:xfrm>
-            <a:off x="457200" y="1203480"/>
-            <a:ext cx="4015800" cy="1422720"/>
-          </a:xfrm>
-          <a:prstGeom prst="rect">
-            <a:avLst/>
-          </a:prstGeom>
-        </p:spPr>
-        <p:txBody>
-          <a:bodyPr lIns="0" rIns="0" tIns="0" bIns="0"/>
-          <a:p>
-            <a:endParaRPr b="0" lang="en-US" sz="3200" spc="-1" strike="noStrike">
-              <a:solidFill>
-                <a:srgbClr val="000000"/>
-              </a:solidFill>
-              <a:uFill>
-                <a:solidFill>
-                  <a:srgbClr val="ffffff"/>
-                </a:solidFill>
-              </a:uFill>
-              <a:latin typeface="Arial"/>
-            </a:endParaRPr>
-          </a:p>
-        </p:txBody>
-      </p:sp>
-      <p:sp>
-        <p:nvSpPr>
-          <p:cNvPr id="107" name="PlaceHolder 3"/>
-          <p:cNvSpPr>
-            <a:spLocks noGrp="1"/>
-          </p:cNvSpPr>
-          <p:nvPr>
-            <p:ph type="body"/>
-          </p:nvPr>
-        </p:nvSpPr>
-        <p:spPr>
-          <a:xfrm>
-            <a:off x="4674240" y="1203480"/>
-            <a:ext cx="4015800" cy="1422720"/>
-          </a:xfrm>
-          <a:prstGeom prst="rect">
-            <a:avLst/>
-          </a:prstGeom>
-        </p:spPr>
-        <p:txBody>
-          <a:bodyPr lIns="0" rIns="0" tIns="0" bIns="0"/>
-          <a:p>
-            <a:endParaRPr b="0" lang="en-US" sz="3200" spc="-1" strike="noStrike">
-              <a:solidFill>
-                <a:srgbClr val="000000"/>
-              </a:solidFill>
-              <a:uFill>
-                <a:solidFill>
-                  <a:srgbClr val="ffffff"/>
-                </a:solidFill>
-              </a:uFill>
-              <a:latin typeface="Arial"/>
-            </a:endParaRPr>
-          </a:p>
-        </p:txBody>
-      </p:sp>
-      <p:sp>
-        <p:nvSpPr>
-          <p:cNvPr id="108" name="PlaceHolder 4"/>
-          <p:cNvSpPr>
-            <a:spLocks noGrp="1"/>
-          </p:cNvSpPr>
-          <p:nvPr>
-            <p:ph type="body"/>
-          </p:nvPr>
-        </p:nvSpPr>
-        <p:spPr>
-          <a:xfrm>
-            <a:off x="4674240" y="2761920"/>
-            <a:ext cx="4015800" cy="1422720"/>
-          </a:xfrm>
-          <a:prstGeom prst="rect">
-            <a:avLst/>
-          </a:prstGeom>
-        </p:spPr>
-        <p:txBody>
-          <a:bodyPr lIns="0" rIns="0" tIns="0" bIns="0"/>
-          <a:p>
-            <a:endParaRPr b="0" lang="en-US" sz="3200" spc="-1" strike="noStrike">
-              <a:solidFill>
-                <a:srgbClr val="000000"/>
-              </a:solidFill>
-              <a:uFill>
-                <a:solidFill>
-                  <a:srgbClr val="ffffff"/>
-                </a:solidFill>
-              </a:uFill>
-              <a:latin typeface="Arial"/>
-            </a:endParaRPr>
-          </a:p>
-        </p:txBody>
-      </p:sp>
-      <p:sp>
-        <p:nvSpPr>
-          <p:cNvPr id="109" name="PlaceHolder 5"/>
-          <p:cNvSpPr>
-            <a:spLocks noGrp="1"/>
-          </p:cNvSpPr>
-          <p:nvPr>
-            <p:ph type="body"/>
-          </p:nvPr>
-        </p:nvSpPr>
-        <p:spPr>
-          <a:xfrm>
-            <a:off x="457200" y="2761920"/>
-            <a:ext cx="4015800" cy="1422720"/>
-          </a:xfrm>
-          <a:prstGeom prst="rect">
-            <a:avLst/>
-          </a:prstGeom>
-        </p:spPr>
-        <p:txBody>
-          <a:bodyPr lIns="0" rIns="0" tIns="0" bIns="0"/>
-          <a:p>
-            <a:endParaRPr b="0" lang="en-US" sz="3200" spc="-1" strike="noStrike">
-              <a:solidFill>
-                <a:srgbClr val="000000"/>
-              </a:solidFill>
-              <a:uFill>
-                <a:solidFill>
-                  <a:srgbClr val="ffffff"/>
-                </a:solidFill>
-              </a:uFill>
-              <a:latin typeface="Arial"/>
-            </a:endParaRPr>
-          </a:p>
-        </p:txBody>
-      </p:sp>
-    </p:spTree>
-  </p:cSld>
-</p:sldLayout>
-</file>
-
-<file path=ppt/slideLayouts/slideLayout36.xml><?xml version="1.0" encoding="utf-8"?>
-<p:sldLayout xmlns:a="http://schemas.openxmlformats.org/drawingml/2006/main" xmlns:p="http://schemas.openxmlformats.org/presentationml/2006/main" xmlns:r="http://schemas.openxmlformats.org/officeDocument/2006/relationships" xmlns:p14="http://schemas.microsoft.com/office/powerpoint/2010/main" xmlns:p15="http://schemas.microsoft.com/office/powerpoint/2012/main" xmlns:mc="http://schemas.openxmlformats.org/markup-compatibility/2006" type="blank" preserve="1">
-  <p:cSld name="Title, 6 Content">
-    <p:spTree>
-      <p:nvGrpSpPr>
-        <p:cNvPr id="1" name=""/>
-        <p:cNvGrpSpPr/>
-        <p:nvPr/>
-      </p:nvGrpSpPr>
-      <p:grpSpPr>
-        <a:xfrm>
-          <a:off x="0" y="0"/>
-          <a:ext cx="0" cy="0"/>
-          <a:chOff x="0" y="0"/>
-          <a:chExt cx="0" cy="0"/>
-        </a:xfrm>
-      </p:grpSpPr>
-      <p:sp>
-        <p:nvSpPr>
-          <p:cNvPr id="110" name="PlaceHolder 1"/>
-          <p:cNvSpPr>
-            <a:spLocks noGrp="1"/>
-          </p:cNvSpPr>
-          <p:nvPr>
-            <p:ph type="title"/>
-          </p:nvPr>
-        </p:nvSpPr>
-        <p:spPr>
-          <a:xfrm>
-            <a:off x="457200" y="205200"/>
-            <a:ext cx="8229240" cy="858600"/>
-          </a:xfrm>
-          <a:prstGeom prst="rect">
-            <a:avLst/>
-          </a:prstGeom>
-        </p:spPr>
-        <p:txBody>
-          <a:bodyPr lIns="0" rIns="0" tIns="0" bIns="0" anchor="ctr"/>
-          <a:p>
-            <a:pPr algn="ctr"/>
-            <a:endParaRPr b="0" lang="en-US" sz="4400" spc="-1" strike="noStrike">
-              <a:solidFill>
-                <a:srgbClr val="000000"/>
-              </a:solidFill>
-              <a:uFill>
-                <a:solidFill>
-                  <a:srgbClr val="ffffff"/>
-                </a:solidFill>
-              </a:uFill>
-              <a:latin typeface="Arial"/>
-            </a:endParaRPr>
-          </a:p>
-        </p:txBody>
-      </p:sp>
-      <p:sp>
-        <p:nvSpPr>
-          <p:cNvPr id="111" name="PlaceHolder 2"/>
-          <p:cNvSpPr>
-            <a:spLocks noGrp="1"/>
-          </p:cNvSpPr>
-          <p:nvPr>
-            <p:ph type="body"/>
-          </p:nvPr>
-        </p:nvSpPr>
-        <p:spPr>
-          <a:xfrm>
-            <a:off x="457200" y="1203480"/>
-            <a:ext cx="2649600" cy="1422720"/>
-          </a:xfrm>
-          <a:prstGeom prst="rect">
-            <a:avLst/>
-          </a:prstGeom>
-        </p:spPr>
-        <p:txBody>
-          <a:bodyPr lIns="0" rIns="0" tIns="0" bIns="0"/>
-          <a:p>
-            <a:endParaRPr b="0" lang="en-US" sz="3200" spc="-1" strike="noStrike">
-              <a:solidFill>
-                <a:srgbClr val="000000"/>
-              </a:solidFill>
-              <a:uFill>
-                <a:solidFill>
-                  <a:srgbClr val="ffffff"/>
-                </a:solidFill>
-              </a:uFill>
-              <a:latin typeface="Arial"/>
-            </a:endParaRPr>
-          </a:p>
-        </p:txBody>
-      </p:sp>
-      <p:sp>
-        <p:nvSpPr>
-          <p:cNvPr id="112" name="PlaceHolder 3"/>
-          <p:cNvSpPr>
-            <a:spLocks noGrp="1"/>
-          </p:cNvSpPr>
-          <p:nvPr>
-            <p:ph type="body"/>
-          </p:nvPr>
-        </p:nvSpPr>
-        <p:spPr>
-          <a:xfrm>
-            <a:off x="3239640" y="1203480"/>
-            <a:ext cx="2649600" cy="1422720"/>
-          </a:xfrm>
-          <a:prstGeom prst="rect">
-            <a:avLst/>
-          </a:prstGeom>
-        </p:spPr>
-        <p:txBody>
-          <a:bodyPr lIns="0" rIns="0" tIns="0" bIns="0"/>
-          <a:p>
-            <a:endParaRPr b="0" lang="en-US" sz="3200" spc="-1" strike="noStrike">
-              <a:solidFill>
-                <a:srgbClr val="000000"/>
-              </a:solidFill>
-              <a:uFill>
-                <a:solidFill>
-                  <a:srgbClr val="ffffff"/>
-                </a:solidFill>
-              </a:uFill>
-              <a:latin typeface="Arial"/>
-            </a:endParaRPr>
-          </a:p>
-        </p:txBody>
-      </p:sp>
-      <p:sp>
-        <p:nvSpPr>
-          <p:cNvPr id="113" name="PlaceHolder 4"/>
-          <p:cNvSpPr>
-            <a:spLocks noGrp="1"/>
-          </p:cNvSpPr>
-          <p:nvPr>
-            <p:ph type="body"/>
-          </p:nvPr>
-        </p:nvSpPr>
-        <p:spPr>
-          <a:xfrm>
-            <a:off x="6022080" y="1203480"/>
-            <a:ext cx="2649600" cy="1422720"/>
-          </a:xfrm>
-          <a:prstGeom prst="rect">
-            <a:avLst/>
-          </a:prstGeom>
-        </p:spPr>
-        <p:txBody>
-          <a:bodyPr lIns="0" rIns="0" tIns="0" bIns="0"/>
-          <a:p>
-            <a:endParaRPr b="0" lang="en-US" sz="3200" spc="-1" strike="noStrike">
-              <a:solidFill>
-                <a:srgbClr val="000000"/>
-              </a:solidFill>
-              <a:uFill>
-                <a:solidFill>
-                  <a:srgbClr val="ffffff"/>
-                </a:solidFill>
-              </a:uFill>
-              <a:latin typeface="Arial"/>
-            </a:endParaRPr>
-          </a:p>
-        </p:txBody>
-      </p:sp>
-      <p:sp>
-        <p:nvSpPr>
-          <p:cNvPr id="114" name="PlaceHolder 5"/>
-          <p:cNvSpPr>
-            <a:spLocks noGrp="1"/>
-          </p:cNvSpPr>
-          <p:nvPr>
-            <p:ph type="body"/>
-          </p:nvPr>
-        </p:nvSpPr>
-        <p:spPr>
-          <a:xfrm>
-            <a:off x="6022080" y="2761920"/>
-            <a:ext cx="2649600" cy="1422720"/>
-          </a:xfrm>
-          <a:prstGeom prst="rect">
-            <a:avLst/>
-          </a:prstGeom>
-        </p:spPr>
-        <p:txBody>
-          <a:bodyPr lIns="0" rIns="0" tIns="0" bIns="0"/>
-          <a:p>
-            <a:endParaRPr b="0" lang="en-US" sz="3200" spc="-1" strike="noStrike">
-              <a:solidFill>
-                <a:srgbClr val="000000"/>
-              </a:solidFill>
-              <a:uFill>
-                <a:solidFill>
-                  <a:srgbClr val="ffffff"/>
-                </a:solidFill>
-              </a:uFill>
-              <a:latin typeface="Arial"/>
-            </a:endParaRPr>
-          </a:p>
-        </p:txBody>
-      </p:sp>
-      <p:sp>
-        <p:nvSpPr>
-          <p:cNvPr id="115" name="PlaceHolder 6"/>
-          <p:cNvSpPr>
-            <a:spLocks noGrp="1"/>
-          </p:cNvSpPr>
-          <p:nvPr>
-            <p:ph type="body"/>
-          </p:nvPr>
-        </p:nvSpPr>
-        <p:spPr>
-          <a:xfrm>
-            <a:off x="3239640" y="2761920"/>
-            <a:ext cx="2649600" cy="1422720"/>
-          </a:xfrm>
-          <a:prstGeom prst="rect">
-            <a:avLst/>
-          </a:prstGeom>
-        </p:spPr>
-        <p:txBody>
-          <a:bodyPr lIns="0" rIns="0" tIns="0" bIns="0"/>
-          <a:p>
-            <a:endParaRPr b="0" lang="en-US" sz="3200" spc="-1" strike="noStrike">
-              <a:solidFill>
-                <a:srgbClr val="000000"/>
-              </a:solidFill>
-              <a:uFill>
-                <a:solidFill>
-                  <a:srgbClr val="ffffff"/>
-                </a:solidFill>
-              </a:uFill>
-              <a:latin typeface="Arial"/>
-            </a:endParaRPr>
-          </a:p>
-        </p:txBody>
-      </p:sp>
-      <p:sp>
-        <p:nvSpPr>
-          <p:cNvPr id="116" name="PlaceHolder 7"/>
-          <p:cNvSpPr>
-            <a:spLocks noGrp="1"/>
-          </p:cNvSpPr>
-          <p:nvPr>
-            <p:ph type="body"/>
-          </p:nvPr>
-        </p:nvSpPr>
-        <p:spPr>
-          <a:xfrm>
-            <a:off x="457200" y="2761920"/>
-            <a:ext cx="2649600" cy="1422720"/>
-          </a:xfrm>
-          <a:prstGeom prst="rect">
-            <a:avLst/>
-          </a:prstGeom>
-        </p:spPr>
-        <p:txBody>
-          <a:bodyPr lIns="0" rIns="0" tIns="0" bIns="0"/>
-          <a:p>
-            <a:endParaRPr b="0" lang="en-US" sz="3200" spc="-1" strike="noStrike">
-              <a:solidFill>
-                <a:srgbClr val="000000"/>
-              </a:solidFill>
-              <a:uFill>
-                <a:solidFill>
-                  <a:srgbClr val="ffffff"/>
-                </a:solidFill>
-              </a:uFill>
-              <a:latin typeface="Arial"/>
-            </a:endParaRPr>
-          </a:p>
-        </p:txBody>
-      </p:sp>
-    </p:spTree>
-  </p:cSld>
-</p:sldLayout>
-</file>
-
-<file path=ppt/slideLayouts/slideLayout37.xml><?xml version="1.0" encoding="utf-8"?>
-<p:sldLayout xmlns:a="http://schemas.openxmlformats.org/drawingml/2006/main" xmlns:p="http://schemas.openxmlformats.org/presentationml/2006/main" xmlns:r="http://schemas.openxmlformats.org/officeDocument/2006/relationships" xmlns:p14="http://schemas.microsoft.com/office/powerpoint/2010/main" xmlns:p15="http://schemas.microsoft.com/office/powerpoint/2012/main" xmlns:mc="http://schemas.openxmlformats.org/markup-compatibility/2006" type="blank" preserve="1">
-  <p:cSld name="Blank Slide">
-    <p:spTree>
-      <p:nvGrpSpPr>
-        <p:cNvPr id="1" name=""/>
-        <p:cNvGrpSpPr/>
-        <p:nvPr/>
-      </p:nvGrpSpPr>
-      <p:grpSpPr>
-        <a:xfrm>
-          <a:off x="0" y="0"/>
-          <a:ext cx="0" cy="0"/>
-          <a:chOff x="0" y="0"/>
-          <a:chExt cx="0" cy="0"/>
-        </a:xfrm>
-      </p:grpSpPr>
-    </p:spTree>
-  </p:cSld>
-</p:sldLayout>
-</file>
-
-<file path=ppt/slideLayouts/slideLayout38.xml><?xml version="1.0" encoding="utf-8"?>
-<p:sldLayout xmlns:a="http://schemas.openxmlformats.org/drawingml/2006/main" xmlns:p="http://schemas.openxmlformats.org/presentationml/2006/main" xmlns:r="http://schemas.openxmlformats.org/officeDocument/2006/relationships" xmlns:p14="http://schemas.microsoft.com/office/powerpoint/2010/main" xmlns:p15="http://schemas.microsoft.com/office/powerpoint/2012/main" xmlns:mc="http://schemas.openxmlformats.org/markup-compatibility/2006" type="tx" preserve="1">
-  <p:cSld name="Title Slide">
-    <p:spTree>
-      <p:nvGrpSpPr>
-        <p:cNvPr id="1" name=""/>
-        <p:cNvGrpSpPr/>
-        <p:nvPr/>
-      </p:nvGrpSpPr>
-      <p:grpSpPr>
-        <a:xfrm>
-          <a:off x="0" y="0"/>
-          <a:ext cx="0" cy="0"/>
-          <a:chOff x="0" y="0"/>
-          <a:chExt cx="0" cy="0"/>
-        </a:xfrm>
-      </p:grpSpPr>
-      <p:sp>
-        <p:nvSpPr>
-          <p:cNvPr id="120" name="PlaceHolder 1"/>
-          <p:cNvSpPr>
-            <a:spLocks noGrp="1"/>
-          </p:cNvSpPr>
-          <p:nvPr>
-            <p:ph type="title"/>
-          </p:nvPr>
-        </p:nvSpPr>
-        <p:spPr>
-          <a:xfrm>
-            <a:off x="457200" y="205200"/>
-            <a:ext cx="8229240" cy="858600"/>
-          </a:xfrm>
-          <a:prstGeom prst="rect">
-            <a:avLst/>
-          </a:prstGeom>
-        </p:spPr>
-        <p:txBody>
-          <a:bodyPr lIns="0" rIns="0" tIns="0" bIns="0" anchor="ctr"/>
-          <a:p>
-            <a:pPr algn="ctr"/>
-            <a:endParaRPr b="0" lang="en-US" sz="4400" spc="-1" strike="noStrike">
-              <a:solidFill>
-                <a:srgbClr val="000000"/>
-              </a:solidFill>
-              <a:uFill>
-                <a:solidFill>
-                  <a:srgbClr val="ffffff"/>
-                </a:solidFill>
-              </a:uFill>
-              <a:latin typeface="Arial"/>
-            </a:endParaRPr>
-          </a:p>
-        </p:txBody>
-      </p:sp>
-      <p:sp>
-        <p:nvSpPr>
-          <p:cNvPr id="121" name="PlaceHolder 2"/>
-          <p:cNvSpPr>
-            <a:spLocks noGrp="1"/>
-          </p:cNvSpPr>
-          <p:nvPr>
-            <p:ph type="subTitle"/>
-          </p:nvPr>
-        </p:nvSpPr>
-        <p:spPr>
-          <a:xfrm>
-            <a:off x="457200" y="1203480"/>
-            <a:ext cx="8229240" cy="2982960"/>
-          </a:xfrm>
-          <a:prstGeom prst="rect">
-            <a:avLst/>
-          </a:prstGeom>
-        </p:spPr>
-        <p:txBody>
-          <a:bodyPr lIns="0" rIns="0" tIns="0" bIns="0" anchor="ctr"/>
-          <a:p>
-            <a:pPr algn="ctr"/>
-            <a:endParaRPr b="0" lang="en-US" sz="3200" spc="-1" strike="noStrike">
-              <a:solidFill>
-                <a:srgbClr val="000000"/>
-              </a:solidFill>
-              <a:uFill>
-                <a:solidFill>
-                  <a:srgbClr val="ffffff"/>
-                </a:solidFill>
-              </a:uFill>
-              <a:latin typeface="Arial"/>
-            </a:endParaRPr>
-          </a:p>
-        </p:txBody>
-      </p:sp>
-    </p:spTree>
-  </p:cSld>
-</p:sldLayout>
-</file>
-
-<file path=ppt/slideLayouts/slideLayout39.xml><?xml version="1.0" encoding="utf-8"?>
-<p:sldLayout xmlns:a="http://schemas.openxmlformats.org/drawingml/2006/main" xmlns:p="http://schemas.openxmlformats.org/presentationml/2006/main" xmlns:r="http://schemas.openxmlformats.org/officeDocument/2006/relationships" xmlns:p14="http://schemas.microsoft.com/office/powerpoint/2010/main" xmlns:p15="http://schemas.microsoft.com/office/powerpoint/2012/main" xmlns:mc="http://schemas.openxmlformats.org/markup-compatibility/2006" type="obj" preserve="1">
-  <p:cSld name="Title, Content">
-    <p:spTree>
-      <p:nvGrpSpPr>
-        <p:cNvPr id="1" name=""/>
-        <p:cNvGrpSpPr/>
-        <p:nvPr/>
-      </p:nvGrpSpPr>
-      <p:grpSpPr>
-        <a:xfrm>
-          <a:off x="0" y="0"/>
-          <a:ext cx="0" cy="0"/>
-          <a:chOff x="0" y="0"/>
-          <a:chExt cx="0" cy="0"/>
-        </a:xfrm>
-      </p:grpSpPr>
-      <p:sp>
-        <p:nvSpPr>
-          <p:cNvPr id="122" name="PlaceHolder 1"/>
-          <p:cNvSpPr>
-            <a:spLocks noGrp="1"/>
-          </p:cNvSpPr>
-          <p:nvPr>
-            <p:ph type="title"/>
-          </p:nvPr>
-        </p:nvSpPr>
-        <p:spPr>
-          <a:xfrm>
-            <a:off x="457200" y="205200"/>
-            <a:ext cx="8229240" cy="858600"/>
-          </a:xfrm>
-          <a:prstGeom prst="rect">
-            <a:avLst/>
-          </a:prstGeom>
-        </p:spPr>
-        <p:txBody>
-          <a:bodyPr lIns="0" rIns="0" tIns="0" bIns="0" anchor="ctr"/>
-          <a:p>
-            <a:pPr algn="ctr"/>
-            <a:endParaRPr b="0" lang="en-US" sz="4400" spc="-1" strike="noStrike">
-              <a:solidFill>
-                <a:srgbClr val="000000"/>
-              </a:solidFill>
-              <a:uFill>
-                <a:solidFill>
-                  <a:srgbClr val="ffffff"/>
-                </a:solidFill>
-              </a:uFill>
-              <a:latin typeface="Arial"/>
-            </a:endParaRPr>
-          </a:p>
-        </p:txBody>
-      </p:sp>
-      <p:sp>
-        <p:nvSpPr>
-          <p:cNvPr id="123" name="PlaceHolder 2"/>
           <p:cNvSpPr>
             <a:spLocks noGrp="1"/>
           </p:cNvSpPr>
@@ -4301,1365 +2514,6 @@
           <a:xfrm>
             <a:off x="4674240" y="1203480"/>
             <a:ext cx="4015800" cy="2982960"/>
-          </a:xfrm>
-          <a:prstGeom prst="rect">
-            <a:avLst/>
-          </a:prstGeom>
-        </p:spPr>
-        <p:txBody>
-          <a:bodyPr lIns="0" rIns="0" tIns="0" bIns="0"/>
-          <a:p>
-            <a:endParaRPr b="0" lang="en-US" sz="3200" spc="-1" strike="noStrike">
-              <a:solidFill>
-                <a:srgbClr val="000000"/>
-              </a:solidFill>
-              <a:uFill>
-                <a:solidFill>
-                  <a:srgbClr val="ffffff"/>
-                </a:solidFill>
-              </a:uFill>
-              <a:latin typeface="Arial"/>
-            </a:endParaRPr>
-          </a:p>
-        </p:txBody>
-      </p:sp>
-    </p:spTree>
-  </p:cSld>
-</p:sldLayout>
-</file>
-
-<file path=ppt/slideLayouts/slideLayout40.xml><?xml version="1.0" encoding="utf-8"?>
-<p:sldLayout xmlns:a="http://schemas.openxmlformats.org/drawingml/2006/main" xmlns:p="http://schemas.openxmlformats.org/presentationml/2006/main" xmlns:r="http://schemas.openxmlformats.org/officeDocument/2006/relationships" xmlns:p14="http://schemas.microsoft.com/office/powerpoint/2010/main" xmlns:p15="http://schemas.microsoft.com/office/powerpoint/2012/main" xmlns:mc="http://schemas.openxmlformats.org/markup-compatibility/2006" type="twoObj" preserve="1">
-  <p:cSld name="Title, 2 Content">
-    <p:spTree>
-      <p:nvGrpSpPr>
-        <p:cNvPr id="1" name=""/>
-        <p:cNvGrpSpPr/>
-        <p:nvPr/>
-      </p:nvGrpSpPr>
-      <p:grpSpPr>
-        <a:xfrm>
-          <a:off x="0" y="0"/>
-          <a:ext cx="0" cy="0"/>
-          <a:chOff x="0" y="0"/>
-          <a:chExt cx="0" cy="0"/>
-        </a:xfrm>
-      </p:grpSpPr>
-      <p:sp>
-        <p:nvSpPr>
-          <p:cNvPr id="124" name="PlaceHolder 1"/>
-          <p:cNvSpPr>
-            <a:spLocks noGrp="1"/>
-          </p:cNvSpPr>
-          <p:nvPr>
-            <p:ph type="title"/>
-          </p:nvPr>
-        </p:nvSpPr>
-        <p:spPr>
-          <a:xfrm>
-            <a:off x="457200" y="205200"/>
-            <a:ext cx="8229240" cy="858600"/>
-          </a:xfrm>
-          <a:prstGeom prst="rect">
-            <a:avLst/>
-          </a:prstGeom>
-        </p:spPr>
-        <p:txBody>
-          <a:bodyPr lIns="0" rIns="0" tIns="0" bIns="0" anchor="ctr"/>
-          <a:p>
-            <a:pPr algn="ctr"/>
-            <a:endParaRPr b="0" lang="en-US" sz="4400" spc="-1" strike="noStrike">
-              <a:solidFill>
-                <a:srgbClr val="000000"/>
-              </a:solidFill>
-              <a:uFill>
-                <a:solidFill>
-                  <a:srgbClr val="ffffff"/>
-                </a:solidFill>
-              </a:uFill>
-              <a:latin typeface="Arial"/>
-            </a:endParaRPr>
-          </a:p>
-        </p:txBody>
-      </p:sp>
-      <p:sp>
-        <p:nvSpPr>
-          <p:cNvPr id="125" name="PlaceHolder 2"/>
-          <p:cNvSpPr>
-            <a:spLocks noGrp="1"/>
-          </p:cNvSpPr>
-          <p:nvPr>
-            <p:ph type="body"/>
-          </p:nvPr>
-        </p:nvSpPr>
-        <p:spPr>
-          <a:xfrm>
-            <a:off x="457200" y="1203480"/>
-            <a:ext cx="4015800" cy="2982960"/>
-          </a:xfrm>
-          <a:prstGeom prst="rect">
-            <a:avLst/>
-          </a:prstGeom>
-        </p:spPr>
-        <p:txBody>
-          <a:bodyPr lIns="0" rIns="0" tIns="0" bIns="0"/>
-          <a:p>
-            <a:endParaRPr b="0" lang="en-US" sz="3200" spc="-1" strike="noStrike">
-              <a:solidFill>
-                <a:srgbClr val="000000"/>
-              </a:solidFill>
-              <a:uFill>
-                <a:solidFill>
-                  <a:srgbClr val="ffffff"/>
-                </a:solidFill>
-              </a:uFill>
-              <a:latin typeface="Arial"/>
-            </a:endParaRPr>
-          </a:p>
-        </p:txBody>
-      </p:sp>
-      <p:sp>
-        <p:nvSpPr>
-          <p:cNvPr id="126" name="PlaceHolder 3"/>
-          <p:cNvSpPr>
-            <a:spLocks noGrp="1"/>
-          </p:cNvSpPr>
-          <p:nvPr>
-            <p:ph type="body"/>
-          </p:nvPr>
-        </p:nvSpPr>
-        <p:spPr>
-          <a:xfrm>
-            <a:off x="4674240" y="1203480"/>
-            <a:ext cx="4015800" cy="2982960"/>
-          </a:xfrm>
-          <a:prstGeom prst="rect">
-            <a:avLst/>
-          </a:prstGeom>
-        </p:spPr>
-        <p:txBody>
-          <a:bodyPr lIns="0" rIns="0" tIns="0" bIns="0"/>
-          <a:p>
-            <a:endParaRPr b="0" lang="en-US" sz="3200" spc="-1" strike="noStrike">
-              <a:solidFill>
-                <a:srgbClr val="000000"/>
-              </a:solidFill>
-              <a:uFill>
-                <a:solidFill>
-                  <a:srgbClr val="ffffff"/>
-                </a:solidFill>
-              </a:uFill>
-              <a:latin typeface="Arial"/>
-            </a:endParaRPr>
-          </a:p>
-        </p:txBody>
-      </p:sp>
-    </p:spTree>
-  </p:cSld>
-</p:sldLayout>
-</file>
-
-<file path=ppt/slideLayouts/slideLayout41.xml><?xml version="1.0" encoding="utf-8"?>
-<p:sldLayout xmlns:a="http://schemas.openxmlformats.org/drawingml/2006/main" xmlns:p="http://schemas.openxmlformats.org/presentationml/2006/main" xmlns:r="http://schemas.openxmlformats.org/officeDocument/2006/relationships" xmlns:p14="http://schemas.microsoft.com/office/powerpoint/2010/main" xmlns:p15="http://schemas.microsoft.com/office/powerpoint/2012/main" xmlns:mc="http://schemas.openxmlformats.org/markup-compatibility/2006" type="titleOnly" preserve="1">
-  <p:cSld name="Title Only">
-    <p:spTree>
-      <p:nvGrpSpPr>
-        <p:cNvPr id="1" name=""/>
-        <p:cNvGrpSpPr/>
-        <p:nvPr/>
-      </p:nvGrpSpPr>
-      <p:grpSpPr>
-        <a:xfrm>
-          <a:off x="0" y="0"/>
-          <a:ext cx="0" cy="0"/>
-          <a:chOff x="0" y="0"/>
-          <a:chExt cx="0" cy="0"/>
-        </a:xfrm>
-      </p:grpSpPr>
-      <p:sp>
-        <p:nvSpPr>
-          <p:cNvPr id="127" name="PlaceHolder 1"/>
-          <p:cNvSpPr>
-            <a:spLocks noGrp="1"/>
-          </p:cNvSpPr>
-          <p:nvPr>
-            <p:ph type="title"/>
-          </p:nvPr>
-        </p:nvSpPr>
-        <p:spPr>
-          <a:xfrm>
-            <a:off x="457200" y="205200"/>
-            <a:ext cx="8229240" cy="858600"/>
-          </a:xfrm>
-          <a:prstGeom prst="rect">
-            <a:avLst/>
-          </a:prstGeom>
-        </p:spPr>
-        <p:txBody>
-          <a:bodyPr lIns="0" rIns="0" tIns="0" bIns="0" anchor="ctr"/>
-          <a:p>
-            <a:pPr algn="ctr"/>
-            <a:endParaRPr b="0" lang="en-US" sz="4400" spc="-1" strike="noStrike">
-              <a:solidFill>
-                <a:srgbClr val="000000"/>
-              </a:solidFill>
-              <a:uFill>
-                <a:solidFill>
-                  <a:srgbClr val="ffffff"/>
-                </a:solidFill>
-              </a:uFill>
-              <a:latin typeface="Arial"/>
-            </a:endParaRPr>
-          </a:p>
-        </p:txBody>
-      </p:sp>
-    </p:spTree>
-  </p:cSld>
-</p:sldLayout>
-</file>
-
-<file path=ppt/slideLayouts/slideLayout42.xml><?xml version="1.0" encoding="utf-8"?>
-<p:sldLayout xmlns:a="http://schemas.openxmlformats.org/drawingml/2006/main" xmlns:p="http://schemas.openxmlformats.org/presentationml/2006/main" xmlns:r="http://schemas.openxmlformats.org/officeDocument/2006/relationships" xmlns:p14="http://schemas.microsoft.com/office/powerpoint/2010/main" xmlns:p15="http://schemas.microsoft.com/office/powerpoint/2012/main" xmlns:mc="http://schemas.openxmlformats.org/markup-compatibility/2006" type="objOnly" preserve="1">
-  <p:cSld name="Centered Text">
-    <p:spTree>
-      <p:nvGrpSpPr>
-        <p:cNvPr id="1" name=""/>
-        <p:cNvGrpSpPr/>
-        <p:nvPr/>
-      </p:nvGrpSpPr>
-      <p:grpSpPr>
-        <a:xfrm>
-          <a:off x="0" y="0"/>
-          <a:ext cx="0" cy="0"/>
-          <a:chOff x="0" y="0"/>
-          <a:chExt cx="0" cy="0"/>
-        </a:xfrm>
-      </p:grpSpPr>
-      <p:sp>
-        <p:nvSpPr>
-          <p:cNvPr id="128" name="PlaceHolder 1"/>
-          <p:cNvSpPr>
-            <a:spLocks noGrp="1"/>
-          </p:cNvSpPr>
-          <p:nvPr>
-            <p:ph type="subTitle"/>
-          </p:nvPr>
-        </p:nvSpPr>
-        <p:spPr>
-          <a:xfrm>
-            <a:off x="457200" y="205200"/>
-            <a:ext cx="8229240" cy="3981240"/>
-          </a:xfrm>
-          <a:prstGeom prst="rect">
-            <a:avLst/>
-          </a:prstGeom>
-        </p:spPr>
-        <p:txBody>
-          <a:bodyPr lIns="0" rIns="0" tIns="0" bIns="0" anchor="ctr"/>
-          <a:p>
-            <a:pPr algn="ctr"/>
-            <a:endParaRPr b="0" lang="en-US" sz="3200" spc="-1" strike="noStrike">
-              <a:solidFill>
-                <a:srgbClr val="000000"/>
-              </a:solidFill>
-              <a:uFill>
-                <a:solidFill>
-                  <a:srgbClr val="ffffff"/>
-                </a:solidFill>
-              </a:uFill>
-              <a:latin typeface="Arial"/>
-            </a:endParaRPr>
-          </a:p>
-        </p:txBody>
-      </p:sp>
-    </p:spTree>
-  </p:cSld>
-</p:sldLayout>
-</file>
-
-<file path=ppt/slideLayouts/slideLayout43.xml><?xml version="1.0" encoding="utf-8"?>
-<p:sldLayout xmlns:a="http://schemas.openxmlformats.org/drawingml/2006/main" xmlns:p="http://schemas.openxmlformats.org/presentationml/2006/main" xmlns:r="http://schemas.openxmlformats.org/officeDocument/2006/relationships" xmlns:p14="http://schemas.microsoft.com/office/powerpoint/2010/main" xmlns:p15="http://schemas.microsoft.com/office/powerpoint/2012/main" xmlns:mc="http://schemas.openxmlformats.org/markup-compatibility/2006" type="twoObjAndObj" preserve="1">
-  <p:cSld name="Title, 2 Content and Content">
-    <p:spTree>
-      <p:nvGrpSpPr>
-        <p:cNvPr id="1" name=""/>
-        <p:cNvGrpSpPr/>
-        <p:nvPr/>
-      </p:nvGrpSpPr>
-      <p:grpSpPr>
-        <a:xfrm>
-          <a:off x="0" y="0"/>
-          <a:ext cx="0" cy="0"/>
-          <a:chOff x="0" y="0"/>
-          <a:chExt cx="0" cy="0"/>
-        </a:xfrm>
-      </p:grpSpPr>
-      <p:sp>
-        <p:nvSpPr>
-          <p:cNvPr id="129" name="PlaceHolder 1"/>
-          <p:cNvSpPr>
-            <a:spLocks noGrp="1"/>
-          </p:cNvSpPr>
-          <p:nvPr>
-            <p:ph type="title"/>
-          </p:nvPr>
-        </p:nvSpPr>
-        <p:spPr>
-          <a:xfrm>
-            <a:off x="457200" y="205200"/>
-            <a:ext cx="8229240" cy="858600"/>
-          </a:xfrm>
-          <a:prstGeom prst="rect">
-            <a:avLst/>
-          </a:prstGeom>
-        </p:spPr>
-        <p:txBody>
-          <a:bodyPr lIns="0" rIns="0" tIns="0" bIns="0" anchor="ctr"/>
-          <a:p>
-            <a:pPr algn="ctr"/>
-            <a:endParaRPr b="0" lang="en-US" sz="4400" spc="-1" strike="noStrike">
-              <a:solidFill>
-                <a:srgbClr val="000000"/>
-              </a:solidFill>
-              <a:uFill>
-                <a:solidFill>
-                  <a:srgbClr val="ffffff"/>
-                </a:solidFill>
-              </a:uFill>
-              <a:latin typeface="Arial"/>
-            </a:endParaRPr>
-          </a:p>
-        </p:txBody>
-      </p:sp>
-      <p:sp>
-        <p:nvSpPr>
-          <p:cNvPr id="130" name="PlaceHolder 2"/>
-          <p:cNvSpPr>
-            <a:spLocks noGrp="1"/>
-          </p:cNvSpPr>
-          <p:nvPr>
-            <p:ph type="body"/>
-          </p:nvPr>
-        </p:nvSpPr>
-        <p:spPr>
-          <a:xfrm>
-            <a:off x="457200" y="1203480"/>
-            <a:ext cx="4015800" cy="1422720"/>
-          </a:xfrm>
-          <a:prstGeom prst="rect">
-            <a:avLst/>
-          </a:prstGeom>
-        </p:spPr>
-        <p:txBody>
-          <a:bodyPr lIns="0" rIns="0" tIns="0" bIns="0"/>
-          <a:p>
-            <a:endParaRPr b="0" lang="en-US" sz="3200" spc="-1" strike="noStrike">
-              <a:solidFill>
-                <a:srgbClr val="000000"/>
-              </a:solidFill>
-              <a:uFill>
-                <a:solidFill>
-                  <a:srgbClr val="ffffff"/>
-                </a:solidFill>
-              </a:uFill>
-              <a:latin typeface="Arial"/>
-            </a:endParaRPr>
-          </a:p>
-        </p:txBody>
-      </p:sp>
-      <p:sp>
-        <p:nvSpPr>
-          <p:cNvPr id="131" name="PlaceHolder 3"/>
-          <p:cNvSpPr>
-            <a:spLocks noGrp="1"/>
-          </p:cNvSpPr>
-          <p:nvPr>
-            <p:ph type="body"/>
-          </p:nvPr>
-        </p:nvSpPr>
-        <p:spPr>
-          <a:xfrm>
-            <a:off x="457200" y="2761920"/>
-            <a:ext cx="4015800" cy="1422720"/>
-          </a:xfrm>
-          <a:prstGeom prst="rect">
-            <a:avLst/>
-          </a:prstGeom>
-        </p:spPr>
-        <p:txBody>
-          <a:bodyPr lIns="0" rIns="0" tIns="0" bIns="0"/>
-          <a:p>
-            <a:endParaRPr b="0" lang="en-US" sz="3200" spc="-1" strike="noStrike">
-              <a:solidFill>
-                <a:srgbClr val="000000"/>
-              </a:solidFill>
-              <a:uFill>
-                <a:solidFill>
-                  <a:srgbClr val="ffffff"/>
-                </a:solidFill>
-              </a:uFill>
-              <a:latin typeface="Arial"/>
-            </a:endParaRPr>
-          </a:p>
-        </p:txBody>
-      </p:sp>
-      <p:sp>
-        <p:nvSpPr>
-          <p:cNvPr id="132" name="PlaceHolder 4"/>
-          <p:cNvSpPr>
-            <a:spLocks noGrp="1"/>
-          </p:cNvSpPr>
-          <p:nvPr>
-            <p:ph type="body"/>
-          </p:nvPr>
-        </p:nvSpPr>
-        <p:spPr>
-          <a:xfrm>
-            <a:off x="4674240" y="1203480"/>
-            <a:ext cx="4015800" cy="2982960"/>
-          </a:xfrm>
-          <a:prstGeom prst="rect">
-            <a:avLst/>
-          </a:prstGeom>
-        </p:spPr>
-        <p:txBody>
-          <a:bodyPr lIns="0" rIns="0" tIns="0" bIns="0"/>
-          <a:p>
-            <a:endParaRPr b="0" lang="en-US" sz="3200" spc="-1" strike="noStrike">
-              <a:solidFill>
-                <a:srgbClr val="000000"/>
-              </a:solidFill>
-              <a:uFill>
-                <a:solidFill>
-                  <a:srgbClr val="ffffff"/>
-                </a:solidFill>
-              </a:uFill>
-              <a:latin typeface="Arial"/>
-            </a:endParaRPr>
-          </a:p>
-        </p:txBody>
-      </p:sp>
-    </p:spTree>
-  </p:cSld>
-</p:sldLayout>
-</file>
-
-<file path=ppt/slideLayouts/slideLayout44.xml><?xml version="1.0" encoding="utf-8"?>
-<p:sldLayout xmlns:a="http://schemas.openxmlformats.org/drawingml/2006/main" xmlns:p="http://schemas.openxmlformats.org/presentationml/2006/main" xmlns:r="http://schemas.openxmlformats.org/officeDocument/2006/relationships" xmlns:p14="http://schemas.microsoft.com/office/powerpoint/2010/main" xmlns:p15="http://schemas.microsoft.com/office/powerpoint/2012/main" xmlns:mc="http://schemas.openxmlformats.org/markup-compatibility/2006" type="objAndTwoObj" preserve="1">
-  <p:cSld name="Title Content and 2 Content">
-    <p:spTree>
-      <p:nvGrpSpPr>
-        <p:cNvPr id="1" name=""/>
-        <p:cNvGrpSpPr/>
-        <p:nvPr/>
-      </p:nvGrpSpPr>
-      <p:grpSpPr>
-        <a:xfrm>
-          <a:off x="0" y="0"/>
-          <a:ext cx="0" cy="0"/>
-          <a:chOff x="0" y="0"/>
-          <a:chExt cx="0" cy="0"/>
-        </a:xfrm>
-      </p:grpSpPr>
-      <p:sp>
-        <p:nvSpPr>
-          <p:cNvPr id="133" name="PlaceHolder 1"/>
-          <p:cNvSpPr>
-            <a:spLocks noGrp="1"/>
-          </p:cNvSpPr>
-          <p:nvPr>
-            <p:ph type="title"/>
-          </p:nvPr>
-        </p:nvSpPr>
-        <p:spPr>
-          <a:xfrm>
-            <a:off x="457200" y="205200"/>
-            <a:ext cx="8229240" cy="858600"/>
-          </a:xfrm>
-          <a:prstGeom prst="rect">
-            <a:avLst/>
-          </a:prstGeom>
-        </p:spPr>
-        <p:txBody>
-          <a:bodyPr lIns="0" rIns="0" tIns="0" bIns="0" anchor="ctr"/>
-          <a:p>
-            <a:pPr algn="ctr"/>
-            <a:endParaRPr b="0" lang="en-US" sz="4400" spc="-1" strike="noStrike">
-              <a:solidFill>
-                <a:srgbClr val="000000"/>
-              </a:solidFill>
-              <a:uFill>
-                <a:solidFill>
-                  <a:srgbClr val="ffffff"/>
-                </a:solidFill>
-              </a:uFill>
-              <a:latin typeface="Arial"/>
-            </a:endParaRPr>
-          </a:p>
-        </p:txBody>
-      </p:sp>
-      <p:sp>
-        <p:nvSpPr>
-          <p:cNvPr id="134" name="PlaceHolder 2"/>
-          <p:cNvSpPr>
-            <a:spLocks noGrp="1"/>
-          </p:cNvSpPr>
-          <p:nvPr>
-            <p:ph type="body"/>
-          </p:nvPr>
-        </p:nvSpPr>
-        <p:spPr>
-          <a:xfrm>
-            <a:off x="457200" y="1203480"/>
-            <a:ext cx="4015800" cy="2982960"/>
-          </a:xfrm>
-          <a:prstGeom prst="rect">
-            <a:avLst/>
-          </a:prstGeom>
-        </p:spPr>
-        <p:txBody>
-          <a:bodyPr lIns="0" rIns="0" tIns="0" bIns="0"/>
-          <a:p>
-            <a:endParaRPr b="0" lang="en-US" sz="3200" spc="-1" strike="noStrike">
-              <a:solidFill>
-                <a:srgbClr val="000000"/>
-              </a:solidFill>
-              <a:uFill>
-                <a:solidFill>
-                  <a:srgbClr val="ffffff"/>
-                </a:solidFill>
-              </a:uFill>
-              <a:latin typeface="Arial"/>
-            </a:endParaRPr>
-          </a:p>
-        </p:txBody>
-      </p:sp>
-      <p:sp>
-        <p:nvSpPr>
-          <p:cNvPr id="135" name="PlaceHolder 3"/>
-          <p:cNvSpPr>
-            <a:spLocks noGrp="1"/>
-          </p:cNvSpPr>
-          <p:nvPr>
-            <p:ph type="body"/>
-          </p:nvPr>
-        </p:nvSpPr>
-        <p:spPr>
-          <a:xfrm>
-            <a:off x="4674240" y="1203480"/>
-            <a:ext cx="4015800" cy="1422720"/>
-          </a:xfrm>
-          <a:prstGeom prst="rect">
-            <a:avLst/>
-          </a:prstGeom>
-        </p:spPr>
-        <p:txBody>
-          <a:bodyPr lIns="0" rIns="0" tIns="0" bIns="0"/>
-          <a:p>
-            <a:endParaRPr b="0" lang="en-US" sz="3200" spc="-1" strike="noStrike">
-              <a:solidFill>
-                <a:srgbClr val="000000"/>
-              </a:solidFill>
-              <a:uFill>
-                <a:solidFill>
-                  <a:srgbClr val="ffffff"/>
-                </a:solidFill>
-              </a:uFill>
-              <a:latin typeface="Arial"/>
-            </a:endParaRPr>
-          </a:p>
-        </p:txBody>
-      </p:sp>
-      <p:sp>
-        <p:nvSpPr>
-          <p:cNvPr id="136" name="PlaceHolder 4"/>
-          <p:cNvSpPr>
-            <a:spLocks noGrp="1"/>
-          </p:cNvSpPr>
-          <p:nvPr>
-            <p:ph type="body"/>
-          </p:nvPr>
-        </p:nvSpPr>
-        <p:spPr>
-          <a:xfrm>
-            <a:off x="4674240" y="2761920"/>
-            <a:ext cx="4015800" cy="1422720"/>
-          </a:xfrm>
-          <a:prstGeom prst="rect">
-            <a:avLst/>
-          </a:prstGeom>
-        </p:spPr>
-        <p:txBody>
-          <a:bodyPr lIns="0" rIns="0" tIns="0" bIns="0"/>
-          <a:p>
-            <a:endParaRPr b="0" lang="en-US" sz="3200" spc="-1" strike="noStrike">
-              <a:solidFill>
-                <a:srgbClr val="000000"/>
-              </a:solidFill>
-              <a:uFill>
-                <a:solidFill>
-                  <a:srgbClr val="ffffff"/>
-                </a:solidFill>
-              </a:uFill>
-              <a:latin typeface="Arial"/>
-            </a:endParaRPr>
-          </a:p>
-        </p:txBody>
-      </p:sp>
-    </p:spTree>
-  </p:cSld>
-</p:sldLayout>
-</file>
-
-<file path=ppt/slideLayouts/slideLayout45.xml><?xml version="1.0" encoding="utf-8"?>
-<p:sldLayout xmlns:a="http://schemas.openxmlformats.org/drawingml/2006/main" xmlns:p="http://schemas.openxmlformats.org/presentationml/2006/main" xmlns:r="http://schemas.openxmlformats.org/officeDocument/2006/relationships" xmlns:p14="http://schemas.microsoft.com/office/powerpoint/2010/main" xmlns:p15="http://schemas.microsoft.com/office/powerpoint/2012/main" xmlns:mc="http://schemas.openxmlformats.org/markup-compatibility/2006" type="twoObjOverTx" preserve="1">
-  <p:cSld name="Title, 2 Content over Content">
-    <p:spTree>
-      <p:nvGrpSpPr>
-        <p:cNvPr id="1" name=""/>
-        <p:cNvGrpSpPr/>
-        <p:nvPr/>
-      </p:nvGrpSpPr>
-      <p:grpSpPr>
-        <a:xfrm>
-          <a:off x="0" y="0"/>
-          <a:ext cx="0" cy="0"/>
-          <a:chOff x="0" y="0"/>
-          <a:chExt cx="0" cy="0"/>
-        </a:xfrm>
-      </p:grpSpPr>
-      <p:sp>
-        <p:nvSpPr>
-          <p:cNvPr id="137" name="PlaceHolder 1"/>
-          <p:cNvSpPr>
-            <a:spLocks noGrp="1"/>
-          </p:cNvSpPr>
-          <p:nvPr>
-            <p:ph type="title"/>
-          </p:nvPr>
-        </p:nvSpPr>
-        <p:spPr>
-          <a:xfrm>
-            <a:off x="457200" y="205200"/>
-            <a:ext cx="8229240" cy="858600"/>
-          </a:xfrm>
-          <a:prstGeom prst="rect">
-            <a:avLst/>
-          </a:prstGeom>
-        </p:spPr>
-        <p:txBody>
-          <a:bodyPr lIns="0" rIns="0" tIns="0" bIns="0" anchor="ctr"/>
-          <a:p>
-            <a:pPr algn="ctr"/>
-            <a:endParaRPr b="0" lang="en-US" sz="4400" spc="-1" strike="noStrike">
-              <a:solidFill>
-                <a:srgbClr val="000000"/>
-              </a:solidFill>
-              <a:uFill>
-                <a:solidFill>
-                  <a:srgbClr val="ffffff"/>
-                </a:solidFill>
-              </a:uFill>
-              <a:latin typeface="Arial"/>
-            </a:endParaRPr>
-          </a:p>
-        </p:txBody>
-      </p:sp>
-      <p:sp>
-        <p:nvSpPr>
-          <p:cNvPr id="138" name="PlaceHolder 2"/>
-          <p:cNvSpPr>
-            <a:spLocks noGrp="1"/>
-          </p:cNvSpPr>
-          <p:nvPr>
-            <p:ph type="body"/>
-          </p:nvPr>
-        </p:nvSpPr>
-        <p:spPr>
-          <a:xfrm>
-            <a:off x="457200" y="1203480"/>
-            <a:ext cx="4015800" cy="1422720"/>
-          </a:xfrm>
-          <a:prstGeom prst="rect">
-            <a:avLst/>
-          </a:prstGeom>
-        </p:spPr>
-        <p:txBody>
-          <a:bodyPr lIns="0" rIns="0" tIns="0" bIns="0"/>
-          <a:p>
-            <a:endParaRPr b="0" lang="en-US" sz="3200" spc="-1" strike="noStrike">
-              <a:solidFill>
-                <a:srgbClr val="000000"/>
-              </a:solidFill>
-              <a:uFill>
-                <a:solidFill>
-                  <a:srgbClr val="ffffff"/>
-                </a:solidFill>
-              </a:uFill>
-              <a:latin typeface="Arial"/>
-            </a:endParaRPr>
-          </a:p>
-        </p:txBody>
-      </p:sp>
-      <p:sp>
-        <p:nvSpPr>
-          <p:cNvPr id="139" name="PlaceHolder 3"/>
-          <p:cNvSpPr>
-            <a:spLocks noGrp="1"/>
-          </p:cNvSpPr>
-          <p:nvPr>
-            <p:ph type="body"/>
-          </p:nvPr>
-        </p:nvSpPr>
-        <p:spPr>
-          <a:xfrm>
-            <a:off x="4674240" y="1203480"/>
-            <a:ext cx="4015800" cy="1422720"/>
-          </a:xfrm>
-          <a:prstGeom prst="rect">
-            <a:avLst/>
-          </a:prstGeom>
-        </p:spPr>
-        <p:txBody>
-          <a:bodyPr lIns="0" rIns="0" tIns="0" bIns="0"/>
-          <a:p>
-            <a:endParaRPr b="0" lang="en-US" sz="3200" spc="-1" strike="noStrike">
-              <a:solidFill>
-                <a:srgbClr val="000000"/>
-              </a:solidFill>
-              <a:uFill>
-                <a:solidFill>
-                  <a:srgbClr val="ffffff"/>
-                </a:solidFill>
-              </a:uFill>
-              <a:latin typeface="Arial"/>
-            </a:endParaRPr>
-          </a:p>
-        </p:txBody>
-      </p:sp>
-      <p:sp>
-        <p:nvSpPr>
-          <p:cNvPr id="140" name="PlaceHolder 4"/>
-          <p:cNvSpPr>
-            <a:spLocks noGrp="1"/>
-          </p:cNvSpPr>
-          <p:nvPr>
-            <p:ph type="body"/>
-          </p:nvPr>
-        </p:nvSpPr>
-        <p:spPr>
-          <a:xfrm>
-            <a:off x="457200" y="2761920"/>
-            <a:ext cx="8229240" cy="1422720"/>
-          </a:xfrm>
-          <a:prstGeom prst="rect">
-            <a:avLst/>
-          </a:prstGeom>
-        </p:spPr>
-        <p:txBody>
-          <a:bodyPr lIns="0" rIns="0" tIns="0" bIns="0"/>
-          <a:p>
-            <a:endParaRPr b="0" lang="en-US" sz="3200" spc="-1" strike="noStrike">
-              <a:solidFill>
-                <a:srgbClr val="000000"/>
-              </a:solidFill>
-              <a:uFill>
-                <a:solidFill>
-                  <a:srgbClr val="ffffff"/>
-                </a:solidFill>
-              </a:uFill>
-              <a:latin typeface="Arial"/>
-            </a:endParaRPr>
-          </a:p>
-        </p:txBody>
-      </p:sp>
-    </p:spTree>
-  </p:cSld>
-</p:sldLayout>
-</file>
-
-<file path=ppt/slideLayouts/slideLayout46.xml><?xml version="1.0" encoding="utf-8"?>
-<p:sldLayout xmlns:a="http://schemas.openxmlformats.org/drawingml/2006/main" xmlns:p="http://schemas.openxmlformats.org/presentationml/2006/main" xmlns:r="http://schemas.openxmlformats.org/officeDocument/2006/relationships" xmlns:p14="http://schemas.microsoft.com/office/powerpoint/2010/main" xmlns:p15="http://schemas.microsoft.com/office/powerpoint/2012/main" xmlns:mc="http://schemas.openxmlformats.org/markup-compatibility/2006" type="objOverTx" preserve="1">
-  <p:cSld name="Title, Content over Content">
-    <p:spTree>
-      <p:nvGrpSpPr>
-        <p:cNvPr id="1" name=""/>
-        <p:cNvGrpSpPr/>
-        <p:nvPr/>
-      </p:nvGrpSpPr>
-      <p:grpSpPr>
-        <a:xfrm>
-          <a:off x="0" y="0"/>
-          <a:ext cx="0" cy="0"/>
-          <a:chOff x="0" y="0"/>
-          <a:chExt cx="0" cy="0"/>
-        </a:xfrm>
-      </p:grpSpPr>
-      <p:sp>
-        <p:nvSpPr>
-          <p:cNvPr id="141" name="PlaceHolder 1"/>
-          <p:cNvSpPr>
-            <a:spLocks noGrp="1"/>
-          </p:cNvSpPr>
-          <p:nvPr>
-            <p:ph type="title"/>
-          </p:nvPr>
-        </p:nvSpPr>
-        <p:spPr>
-          <a:xfrm>
-            <a:off x="457200" y="205200"/>
-            <a:ext cx="8229240" cy="858600"/>
-          </a:xfrm>
-          <a:prstGeom prst="rect">
-            <a:avLst/>
-          </a:prstGeom>
-        </p:spPr>
-        <p:txBody>
-          <a:bodyPr lIns="0" rIns="0" tIns="0" bIns="0" anchor="ctr"/>
-          <a:p>
-            <a:pPr algn="ctr"/>
-            <a:endParaRPr b="0" lang="en-US" sz="4400" spc="-1" strike="noStrike">
-              <a:solidFill>
-                <a:srgbClr val="000000"/>
-              </a:solidFill>
-              <a:uFill>
-                <a:solidFill>
-                  <a:srgbClr val="ffffff"/>
-                </a:solidFill>
-              </a:uFill>
-              <a:latin typeface="Arial"/>
-            </a:endParaRPr>
-          </a:p>
-        </p:txBody>
-      </p:sp>
-      <p:sp>
-        <p:nvSpPr>
-          <p:cNvPr id="142" name="PlaceHolder 2"/>
-          <p:cNvSpPr>
-            <a:spLocks noGrp="1"/>
-          </p:cNvSpPr>
-          <p:nvPr>
-            <p:ph type="body"/>
-          </p:nvPr>
-        </p:nvSpPr>
-        <p:spPr>
-          <a:xfrm>
-            <a:off x="457200" y="1203480"/>
-            <a:ext cx="8229240" cy="1422720"/>
-          </a:xfrm>
-          <a:prstGeom prst="rect">
-            <a:avLst/>
-          </a:prstGeom>
-        </p:spPr>
-        <p:txBody>
-          <a:bodyPr lIns="0" rIns="0" tIns="0" bIns="0"/>
-          <a:p>
-            <a:endParaRPr b="0" lang="en-US" sz="3200" spc="-1" strike="noStrike">
-              <a:solidFill>
-                <a:srgbClr val="000000"/>
-              </a:solidFill>
-              <a:uFill>
-                <a:solidFill>
-                  <a:srgbClr val="ffffff"/>
-                </a:solidFill>
-              </a:uFill>
-              <a:latin typeface="Arial"/>
-            </a:endParaRPr>
-          </a:p>
-        </p:txBody>
-      </p:sp>
-      <p:sp>
-        <p:nvSpPr>
-          <p:cNvPr id="143" name="PlaceHolder 3"/>
-          <p:cNvSpPr>
-            <a:spLocks noGrp="1"/>
-          </p:cNvSpPr>
-          <p:nvPr>
-            <p:ph type="body"/>
-          </p:nvPr>
-        </p:nvSpPr>
-        <p:spPr>
-          <a:xfrm>
-            <a:off x="457200" y="2761920"/>
-            <a:ext cx="8229240" cy="1422720"/>
-          </a:xfrm>
-          <a:prstGeom prst="rect">
-            <a:avLst/>
-          </a:prstGeom>
-        </p:spPr>
-        <p:txBody>
-          <a:bodyPr lIns="0" rIns="0" tIns="0" bIns="0"/>
-          <a:p>
-            <a:endParaRPr b="0" lang="en-US" sz="3200" spc="-1" strike="noStrike">
-              <a:solidFill>
-                <a:srgbClr val="000000"/>
-              </a:solidFill>
-              <a:uFill>
-                <a:solidFill>
-                  <a:srgbClr val="ffffff"/>
-                </a:solidFill>
-              </a:uFill>
-              <a:latin typeface="Arial"/>
-            </a:endParaRPr>
-          </a:p>
-        </p:txBody>
-      </p:sp>
-    </p:spTree>
-  </p:cSld>
-</p:sldLayout>
-</file>
-
-<file path=ppt/slideLayouts/slideLayout47.xml><?xml version="1.0" encoding="utf-8"?>
-<p:sldLayout xmlns:a="http://schemas.openxmlformats.org/drawingml/2006/main" xmlns:p="http://schemas.openxmlformats.org/presentationml/2006/main" xmlns:r="http://schemas.openxmlformats.org/officeDocument/2006/relationships" xmlns:p14="http://schemas.microsoft.com/office/powerpoint/2010/main" xmlns:p15="http://schemas.microsoft.com/office/powerpoint/2012/main" xmlns:mc="http://schemas.openxmlformats.org/markup-compatibility/2006" type="fourObj" preserve="1">
-  <p:cSld name="Title, 4 Content">
-    <p:spTree>
-      <p:nvGrpSpPr>
-        <p:cNvPr id="1" name=""/>
-        <p:cNvGrpSpPr/>
-        <p:nvPr/>
-      </p:nvGrpSpPr>
-      <p:grpSpPr>
-        <a:xfrm>
-          <a:off x="0" y="0"/>
-          <a:ext cx="0" cy="0"/>
-          <a:chOff x="0" y="0"/>
-          <a:chExt cx="0" cy="0"/>
-        </a:xfrm>
-      </p:grpSpPr>
-      <p:sp>
-        <p:nvSpPr>
-          <p:cNvPr id="144" name="PlaceHolder 1"/>
-          <p:cNvSpPr>
-            <a:spLocks noGrp="1"/>
-          </p:cNvSpPr>
-          <p:nvPr>
-            <p:ph type="title"/>
-          </p:nvPr>
-        </p:nvSpPr>
-        <p:spPr>
-          <a:xfrm>
-            <a:off x="457200" y="205200"/>
-            <a:ext cx="8229240" cy="858600"/>
-          </a:xfrm>
-          <a:prstGeom prst="rect">
-            <a:avLst/>
-          </a:prstGeom>
-        </p:spPr>
-        <p:txBody>
-          <a:bodyPr lIns="0" rIns="0" tIns="0" bIns="0" anchor="ctr"/>
-          <a:p>
-            <a:pPr algn="ctr"/>
-            <a:endParaRPr b="0" lang="en-US" sz="4400" spc="-1" strike="noStrike">
-              <a:solidFill>
-                <a:srgbClr val="000000"/>
-              </a:solidFill>
-              <a:uFill>
-                <a:solidFill>
-                  <a:srgbClr val="ffffff"/>
-                </a:solidFill>
-              </a:uFill>
-              <a:latin typeface="Arial"/>
-            </a:endParaRPr>
-          </a:p>
-        </p:txBody>
-      </p:sp>
-      <p:sp>
-        <p:nvSpPr>
-          <p:cNvPr id="145" name="PlaceHolder 2"/>
-          <p:cNvSpPr>
-            <a:spLocks noGrp="1"/>
-          </p:cNvSpPr>
-          <p:nvPr>
-            <p:ph type="body"/>
-          </p:nvPr>
-        </p:nvSpPr>
-        <p:spPr>
-          <a:xfrm>
-            <a:off x="457200" y="1203480"/>
-            <a:ext cx="4015800" cy="1422720"/>
-          </a:xfrm>
-          <a:prstGeom prst="rect">
-            <a:avLst/>
-          </a:prstGeom>
-        </p:spPr>
-        <p:txBody>
-          <a:bodyPr lIns="0" rIns="0" tIns="0" bIns="0"/>
-          <a:p>
-            <a:endParaRPr b="0" lang="en-US" sz="3200" spc="-1" strike="noStrike">
-              <a:solidFill>
-                <a:srgbClr val="000000"/>
-              </a:solidFill>
-              <a:uFill>
-                <a:solidFill>
-                  <a:srgbClr val="ffffff"/>
-                </a:solidFill>
-              </a:uFill>
-              <a:latin typeface="Arial"/>
-            </a:endParaRPr>
-          </a:p>
-        </p:txBody>
-      </p:sp>
-      <p:sp>
-        <p:nvSpPr>
-          <p:cNvPr id="146" name="PlaceHolder 3"/>
-          <p:cNvSpPr>
-            <a:spLocks noGrp="1"/>
-          </p:cNvSpPr>
-          <p:nvPr>
-            <p:ph type="body"/>
-          </p:nvPr>
-        </p:nvSpPr>
-        <p:spPr>
-          <a:xfrm>
-            <a:off x="4674240" y="1203480"/>
-            <a:ext cx="4015800" cy="1422720"/>
-          </a:xfrm>
-          <a:prstGeom prst="rect">
-            <a:avLst/>
-          </a:prstGeom>
-        </p:spPr>
-        <p:txBody>
-          <a:bodyPr lIns="0" rIns="0" tIns="0" bIns="0"/>
-          <a:p>
-            <a:endParaRPr b="0" lang="en-US" sz="3200" spc="-1" strike="noStrike">
-              <a:solidFill>
-                <a:srgbClr val="000000"/>
-              </a:solidFill>
-              <a:uFill>
-                <a:solidFill>
-                  <a:srgbClr val="ffffff"/>
-                </a:solidFill>
-              </a:uFill>
-              <a:latin typeface="Arial"/>
-            </a:endParaRPr>
-          </a:p>
-        </p:txBody>
-      </p:sp>
-      <p:sp>
-        <p:nvSpPr>
-          <p:cNvPr id="147" name="PlaceHolder 4"/>
-          <p:cNvSpPr>
-            <a:spLocks noGrp="1"/>
-          </p:cNvSpPr>
-          <p:nvPr>
-            <p:ph type="body"/>
-          </p:nvPr>
-        </p:nvSpPr>
-        <p:spPr>
-          <a:xfrm>
-            <a:off x="4674240" y="2761920"/>
-            <a:ext cx="4015800" cy="1422720"/>
-          </a:xfrm>
-          <a:prstGeom prst="rect">
-            <a:avLst/>
-          </a:prstGeom>
-        </p:spPr>
-        <p:txBody>
-          <a:bodyPr lIns="0" rIns="0" tIns="0" bIns="0"/>
-          <a:p>
-            <a:endParaRPr b="0" lang="en-US" sz="3200" spc="-1" strike="noStrike">
-              <a:solidFill>
-                <a:srgbClr val="000000"/>
-              </a:solidFill>
-              <a:uFill>
-                <a:solidFill>
-                  <a:srgbClr val="ffffff"/>
-                </a:solidFill>
-              </a:uFill>
-              <a:latin typeface="Arial"/>
-            </a:endParaRPr>
-          </a:p>
-        </p:txBody>
-      </p:sp>
-      <p:sp>
-        <p:nvSpPr>
-          <p:cNvPr id="148" name="PlaceHolder 5"/>
-          <p:cNvSpPr>
-            <a:spLocks noGrp="1"/>
-          </p:cNvSpPr>
-          <p:nvPr>
-            <p:ph type="body"/>
-          </p:nvPr>
-        </p:nvSpPr>
-        <p:spPr>
-          <a:xfrm>
-            <a:off x="457200" y="2761920"/>
-            <a:ext cx="4015800" cy="1422720"/>
-          </a:xfrm>
-          <a:prstGeom prst="rect">
-            <a:avLst/>
-          </a:prstGeom>
-        </p:spPr>
-        <p:txBody>
-          <a:bodyPr lIns="0" rIns="0" tIns="0" bIns="0"/>
-          <a:p>
-            <a:endParaRPr b="0" lang="en-US" sz="3200" spc="-1" strike="noStrike">
-              <a:solidFill>
-                <a:srgbClr val="000000"/>
-              </a:solidFill>
-              <a:uFill>
-                <a:solidFill>
-                  <a:srgbClr val="ffffff"/>
-                </a:solidFill>
-              </a:uFill>
-              <a:latin typeface="Arial"/>
-            </a:endParaRPr>
-          </a:p>
-        </p:txBody>
-      </p:sp>
-    </p:spTree>
-  </p:cSld>
-</p:sldLayout>
-</file>
-
-<file path=ppt/slideLayouts/slideLayout48.xml><?xml version="1.0" encoding="utf-8"?>
-<p:sldLayout xmlns:a="http://schemas.openxmlformats.org/drawingml/2006/main" xmlns:p="http://schemas.openxmlformats.org/presentationml/2006/main" xmlns:r="http://schemas.openxmlformats.org/officeDocument/2006/relationships" xmlns:p14="http://schemas.microsoft.com/office/powerpoint/2010/main" xmlns:p15="http://schemas.microsoft.com/office/powerpoint/2012/main" xmlns:mc="http://schemas.openxmlformats.org/markup-compatibility/2006" type="blank" preserve="1">
-  <p:cSld name="Title, 6 Content">
-    <p:spTree>
-      <p:nvGrpSpPr>
-        <p:cNvPr id="1" name=""/>
-        <p:cNvGrpSpPr/>
-        <p:nvPr/>
-      </p:nvGrpSpPr>
-      <p:grpSpPr>
-        <a:xfrm>
-          <a:off x="0" y="0"/>
-          <a:ext cx="0" cy="0"/>
-          <a:chOff x="0" y="0"/>
-          <a:chExt cx="0" cy="0"/>
-        </a:xfrm>
-      </p:grpSpPr>
-      <p:sp>
-        <p:nvSpPr>
-          <p:cNvPr id="149" name="PlaceHolder 1"/>
-          <p:cNvSpPr>
-            <a:spLocks noGrp="1"/>
-          </p:cNvSpPr>
-          <p:nvPr>
-            <p:ph type="title"/>
-          </p:nvPr>
-        </p:nvSpPr>
-        <p:spPr>
-          <a:xfrm>
-            <a:off x="457200" y="205200"/>
-            <a:ext cx="8229240" cy="858600"/>
-          </a:xfrm>
-          <a:prstGeom prst="rect">
-            <a:avLst/>
-          </a:prstGeom>
-        </p:spPr>
-        <p:txBody>
-          <a:bodyPr lIns="0" rIns="0" tIns="0" bIns="0" anchor="ctr"/>
-          <a:p>
-            <a:pPr algn="ctr"/>
-            <a:endParaRPr b="0" lang="en-US" sz="4400" spc="-1" strike="noStrike">
-              <a:solidFill>
-                <a:srgbClr val="000000"/>
-              </a:solidFill>
-              <a:uFill>
-                <a:solidFill>
-                  <a:srgbClr val="ffffff"/>
-                </a:solidFill>
-              </a:uFill>
-              <a:latin typeface="Arial"/>
-            </a:endParaRPr>
-          </a:p>
-        </p:txBody>
-      </p:sp>
-      <p:sp>
-        <p:nvSpPr>
-          <p:cNvPr id="150" name="PlaceHolder 2"/>
-          <p:cNvSpPr>
-            <a:spLocks noGrp="1"/>
-          </p:cNvSpPr>
-          <p:nvPr>
-            <p:ph type="body"/>
-          </p:nvPr>
-        </p:nvSpPr>
-        <p:spPr>
-          <a:xfrm>
-            <a:off x="457200" y="1203480"/>
-            <a:ext cx="2649600" cy="1422720"/>
-          </a:xfrm>
-          <a:prstGeom prst="rect">
-            <a:avLst/>
-          </a:prstGeom>
-        </p:spPr>
-        <p:txBody>
-          <a:bodyPr lIns="0" rIns="0" tIns="0" bIns="0"/>
-          <a:p>
-            <a:endParaRPr b="0" lang="en-US" sz="3200" spc="-1" strike="noStrike">
-              <a:solidFill>
-                <a:srgbClr val="000000"/>
-              </a:solidFill>
-              <a:uFill>
-                <a:solidFill>
-                  <a:srgbClr val="ffffff"/>
-                </a:solidFill>
-              </a:uFill>
-              <a:latin typeface="Arial"/>
-            </a:endParaRPr>
-          </a:p>
-        </p:txBody>
-      </p:sp>
-      <p:sp>
-        <p:nvSpPr>
-          <p:cNvPr id="151" name="PlaceHolder 3"/>
-          <p:cNvSpPr>
-            <a:spLocks noGrp="1"/>
-          </p:cNvSpPr>
-          <p:nvPr>
-            <p:ph type="body"/>
-          </p:nvPr>
-        </p:nvSpPr>
-        <p:spPr>
-          <a:xfrm>
-            <a:off x="3239640" y="1203480"/>
-            <a:ext cx="2649600" cy="1422720"/>
-          </a:xfrm>
-          <a:prstGeom prst="rect">
-            <a:avLst/>
-          </a:prstGeom>
-        </p:spPr>
-        <p:txBody>
-          <a:bodyPr lIns="0" rIns="0" tIns="0" bIns="0"/>
-          <a:p>
-            <a:endParaRPr b="0" lang="en-US" sz="3200" spc="-1" strike="noStrike">
-              <a:solidFill>
-                <a:srgbClr val="000000"/>
-              </a:solidFill>
-              <a:uFill>
-                <a:solidFill>
-                  <a:srgbClr val="ffffff"/>
-                </a:solidFill>
-              </a:uFill>
-              <a:latin typeface="Arial"/>
-            </a:endParaRPr>
-          </a:p>
-        </p:txBody>
-      </p:sp>
-      <p:sp>
-        <p:nvSpPr>
-          <p:cNvPr id="152" name="PlaceHolder 4"/>
-          <p:cNvSpPr>
-            <a:spLocks noGrp="1"/>
-          </p:cNvSpPr>
-          <p:nvPr>
-            <p:ph type="body"/>
-          </p:nvPr>
-        </p:nvSpPr>
-        <p:spPr>
-          <a:xfrm>
-            <a:off x="6022080" y="1203480"/>
-            <a:ext cx="2649600" cy="1422720"/>
-          </a:xfrm>
-          <a:prstGeom prst="rect">
-            <a:avLst/>
-          </a:prstGeom>
-        </p:spPr>
-        <p:txBody>
-          <a:bodyPr lIns="0" rIns="0" tIns="0" bIns="0"/>
-          <a:p>
-            <a:endParaRPr b="0" lang="en-US" sz="3200" spc="-1" strike="noStrike">
-              <a:solidFill>
-                <a:srgbClr val="000000"/>
-              </a:solidFill>
-              <a:uFill>
-                <a:solidFill>
-                  <a:srgbClr val="ffffff"/>
-                </a:solidFill>
-              </a:uFill>
-              <a:latin typeface="Arial"/>
-            </a:endParaRPr>
-          </a:p>
-        </p:txBody>
-      </p:sp>
-      <p:sp>
-        <p:nvSpPr>
-          <p:cNvPr id="153" name="PlaceHolder 5"/>
-          <p:cNvSpPr>
-            <a:spLocks noGrp="1"/>
-          </p:cNvSpPr>
-          <p:nvPr>
-            <p:ph type="body"/>
-          </p:nvPr>
-        </p:nvSpPr>
-        <p:spPr>
-          <a:xfrm>
-            <a:off x="6022080" y="2761920"/>
-            <a:ext cx="2649600" cy="1422720"/>
-          </a:xfrm>
-          <a:prstGeom prst="rect">
-            <a:avLst/>
-          </a:prstGeom>
-        </p:spPr>
-        <p:txBody>
-          <a:bodyPr lIns="0" rIns="0" tIns="0" bIns="0"/>
-          <a:p>
-            <a:endParaRPr b="0" lang="en-US" sz="3200" spc="-1" strike="noStrike">
-              <a:solidFill>
-                <a:srgbClr val="000000"/>
-              </a:solidFill>
-              <a:uFill>
-                <a:solidFill>
-                  <a:srgbClr val="ffffff"/>
-                </a:solidFill>
-              </a:uFill>
-              <a:latin typeface="Arial"/>
-            </a:endParaRPr>
-          </a:p>
-        </p:txBody>
-      </p:sp>
-      <p:sp>
-        <p:nvSpPr>
-          <p:cNvPr id="154" name="PlaceHolder 6"/>
-          <p:cNvSpPr>
-            <a:spLocks noGrp="1"/>
-          </p:cNvSpPr>
-          <p:nvPr>
-            <p:ph type="body"/>
-          </p:nvPr>
-        </p:nvSpPr>
-        <p:spPr>
-          <a:xfrm>
-            <a:off x="3239640" y="2761920"/>
-            <a:ext cx="2649600" cy="1422720"/>
-          </a:xfrm>
-          <a:prstGeom prst="rect">
-            <a:avLst/>
-          </a:prstGeom>
-        </p:spPr>
-        <p:txBody>
-          <a:bodyPr lIns="0" rIns="0" tIns="0" bIns="0"/>
-          <a:p>
-            <a:endParaRPr b="0" lang="en-US" sz="3200" spc="-1" strike="noStrike">
-              <a:solidFill>
-                <a:srgbClr val="000000"/>
-              </a:solidFill>
-              <a:uFill>
-                <a:solidFill>
-                  <a:srgbClr val="ffffff"/>
-                </a:solidFill>
-              </a:uFill>
-              <a:latin typeface="Arial"/>
-            </a:endParaRPr>
-          </a:p>
-        </p:txBody>
-      </p:sp>
-      <p:sp>
-        <p:nvSpPr>
-          <p:cNvPr id="155" name="PlaceHolder 7"/>
-          <p:cNvSpPr>
-            <a:spLocks noGrp="1"/>
-          </p:cNvSpPr>
-          <p:nvPr>
-            <p:ph type="body"/>
-          </p:nvPr>
-        </p:nvSpPr>
-        <p:spPr>
-          <a:xfrm>
-            <a:off x="457200" y="2761920"/>
-            <a:ext cx="2649600" cy="1422720"/>
           </a:xfrm>
           <a:prstGeom prst="rect">
             <a:avLst/>
@@ -6342,7 +3196,7 @@
         <p:spPr>
           <a:xfrm>
             <a:off x="-9000" y="5213880"/>
-            <a:ext cx="8386200" cy="513360"/>
+            <a:ext cx="8385840" cy="513000"/>
           </a:xfrm>
           <a:prstGeom prst="rect">
             <a:avLst/>
@@ -6463,7 +3317,21 @@
                 </a:uFill>
                 <a:latin typeface="Arial"/>
               </a:rPr>
-              <a:t>Click to edit the title text format</a:t>
+              <a:t>Click to edit the </a:t>
+            </a:r>
+            <a:r>
+              <a:rPr b="0" lang="en-US" sz="4400" spc="-1" strike="noStrike">
+                <a:solidFill>
+                  <a:srgbClr val="000000"/>
+                </a:solidFill>
+                <a:uFill>
+                  <a:solidFill>
+                    <a:srgbClr val="ffffff"/>
+                  </a:solidFill>
+                </a:uFill>
+                <a:latin typeface="Arial"/>
+              </a:rPr>
+              <a:t>title text format</a:t>
             </a:r>
             <a:endParaRPr b="0" lang="en-US" sz="4400" spc="-1" strike="noStrike">
               <a:solidFill>
@@ -6824,7 +3692,7 @@
         <p:spPr>
           <a:xfrm>
             <a:off x="-9000" y="5213880"/>
-            <a:ext cx="8386920" cy="514080"/>
+            <a:ext cx="8386560" cy="513720"/>
           </a:xfrm>
           <a:prstGeom prst="rect">
             <a:avLst/>
@@ -7266,970 +4134,6 @@
     <p:sldLayoutId id="2147483671" r:id="rId12"/>
     <p:sldLayoutId id="2147483672" r:id="rId13"/>
     <p:sldLayoutId id="2147483673" r:id="rId14"/>
-  </p:sldLayoutIdLst>
-</p:sldMaster>
-</file>
-
-<file path=ppt/slideMasters/slideMaster3.xml><?xml version="1.0" encoding="utf-8"?>
-<p:sldMaster xmlns:a="http://schemas.openxmlformats.org/drawingml/2006/main" xmlns:p="http://schemas.openxmlformats.org/presentationml/2006/main" xmlns:r="http://schemas.openxmlformats.org/officeDocument/2006/relationships" xmlns:p14="http://schemas.microsoft.com/office/powerpoint/2010/main" xmlns:p15="http://schemas.microsoft.com/office/powerpoint/2012/main" xmlns:mc="http://schemas.openxmlformats.org/markup-compatibility/2006">
-  <p:cSld>
-    <p:bg>
-      <p:bgPr>
-        <a:blipFill>
-          <a:blip r:embed="rId2"/>
-          <a:stretch>
-            <a:fillRect/>
-          </a:stretch>
-        </a:blipFill>
-      </p:bgPr>
-    </p:bg>
-    <p:spTree>
-      <p:nvGrpSpPr>
-        <p:cNvPr id="1" name=""/>
-        <p:cNvGrpSpPr/>
-        <p:nvPr/>
-      </p:nvGrpSpPr>
-      <p:grpSpPr>
-        <a:xfrm>
-          <a:off x="0" y="0"/>
-          <a:ext cx="0" cy="0"/>
-          <a:chOff x="0" y="0"/>
-          <a:chExt cx="0" cy="0"/>
-        </a:xfrm>
-      </p:grpSpPr>
-      <p:sp>
-        <p:nvSpPr>
-          <p:cNvPr id="78" name="CustomShape 1"/>
-          <p:cNvSpPr/>
-          <p:nvPr/>
-        </p:nvSpPr>
-        <p:spPr>
-          <a:xfrm>
-            <a:off x="-9000" y="5213880"/>
-            <a:ext cx="8386920" cy="514080"/>
-          </a:xfrm>
-          <a:prstGeom prst="rect">
-            <a:avLst/>
-          </a:prstGeom>
-          <a:noFill/>
-          <a:ln>
-            <a:noFill/>
-          </a:ln>
-        </p:spPr>
-        <p:style>
-          <a:lnRef idx="0"/>
-          <a:fillRef idx="0"/>
-          <a:effectRef idx="0"/>
-          <a:fontRef idx="minor"/>
-        </p:style>
-        <p:txBody>
-          <a:bodyPr lIns="90000" rIns="90000" tIns="45000" bIns="45000"/>
-          <a:p>
-            <a:pPr>
-              <a:lnSpc>
-                <a:spcPct val="100000"/>
-              </a:lnSpc>
-            </a:pPr>
-            <a:r>
-              <a:rPr b="0" lang="en-US" sz="1400" spc="-1" strike="noStrike">
-                <a:solidFill>
-                  <a:srgbClr val="a6a6a6"/>
-                </a:solidFill>
-                <a:uFill>
-                  <a:solidFill>
-                    <a:srgbClr val="ffffff"/>
-                  </a:solidFill>
-                </a:uFill>
-                <a:latin typeface="Calibri"/>
-                <a:ea typeface="DejaVu Sans"/>
-              </a:rPr>
-              <a:t>This presentation uses a free template provided by FPPT.com</a:t>
-            </a:r>
-            <a:endParaRPr b="0" lang="en-US" sz="1800" spc="-1" strike="noStrike">
-              <a:solidFill>
-                <a:srgbClr val="000000"/>
-              </a:solidFill>
-              <a:uFill>
-                <a:solidFill>
-                  <a:srgbClr val="ffffff"/>
-                </a:solidFill>
-              </a:uFill>
-              <a:latin typeface="Arial"/>
-            </a:endParaRPr>
-          </a:p>
-          <a:p>
-            <a:pPr>
-              <a:lnSpc>
-                <a:spcPct val="100000"/>
-              </a:lnSpc>
-            </a:pPr>
-            <a:r>
-              <a:rPr b="0" lang="en-US" sz="1400" spc="-1" strike="noStrike">
-                <a:solidFill>
-                  <a:srgbClr val="a6a6a6"/>
-                </a:solidFill>
-                <a:uFill>
-                  <a:solidFill>
-                    <a:srgbClr val="ffffff"/>
-                  </a:solidFill>
-                </a:uFill>
-                <a:latin typeface="Calibri"/>
-                <a:ea typeface="DejaVu Sans"/>
-              </a:rPr>
-              <a:t>www.free-power-point-templates.com</a:t>
-            </a:r>
-            <a:endParaRPr b="0" lang="en-US" sz="1800" spc="-1" strike="noStrike">
-              <a:solidFill>
-                <a:srgbClr val="000000"/>
-              </a:solidFill>
-              <a:uFill>
-                <a:solidFill>
-                  <a:srgbClr val="ffffff"/>
-                </a:solidFill>
-              </a:uFill>
-              <a:latin typeface="Arial"/>
-            </a:endParaRPr>
-          </a:p>
-        </p:txBody>
-      </p:sp>
-      <p:sp>
-        <p:nvSpPr>
-          <p:cNvPr id="79" name="PlaceHolder 2"/>
-          <p:cNvSpPr>
-            <a:spLocks noGrp="1"/>
-          </p:cNvSpPr>
-          <p:nvPr>
-            <p:ph type="title"/>
-          </p:nvPr>
-        </p:nvSpPr>
-        <p:spPr>
-          <a:xfrm>
-            <a:off x="457200" y="205200"/>
-            <a:ext cx="8229240" cy="858600"/>
-          </a:xfrm>
-          <a:prstGeom prst="rect">
-            <a:avLst/>
-          </a:prstGeom>
-        </p:spPr>
-        <p:txBody>
-          <a:bodyPr lIns="0" rIns="0" tIns="0" bIns="0" anchor="ctr"/>
-          <a:p>
-            <a:pPr algn="ctr"/>
-            <a:r>
-              <a:rPr b="0" lang="en-US" sz="4400" spc="-1" strike="noStrike">
-                <a:solidFill>
-                  <a:srgbClr val="000000"/>
-                </a:solidFill>
-                <a:uFill>
-                  <a:solidFill>
-                    <a:srgbClr val="ffffff"/>
-                  </a:solidFill>
-                </a:uFill>
-                <a:latin typeface="Arial"/>
-              </a:rPr>
-              <a:t>Click to edit the title text format</a:t>
-            </a:r>
-            <a:endParaRPr b="0" lang="en-US" sz="4400" spc="-1" strike="noStrike">
-              <a:solidFill>
-                <a:srgbClr val="000000"/>
-              </a:solidFill>
-              <a:uFill>
-                <a:solidFill>
-                  <a:srgbClr val="ffffff"/>
-                </a:solidFill>
-              </a:uFill>
-              <a:latin typeface="Arial"/>
-            </a:endParaRPr>
-          </a:p>
-        </p:txBody>
-      </p:sp>
-      <p:sp>
-        <p:nvSpPr>
-          <p:cNvPr id="80" name="PlaceHolder 3"/>
-          <p:cNvSpPr>
-            <a:spLocks noGrp="1"/>
-          </p:cNvSpPr>
-          <p:nvPr>
-            <p:ph type="body"/>
-          </p:nvPr>
-        </p:nvSpPr>
-        <p:spPr>
-          <a:xfrm>
-            <a:off x="457200" y="1203480"/>
-            <a:ext cx="8229240" cy="2982960"/>
-          </a:xfrm>
-          <a:prstGeom prst="rect">
-            <a:avLst/>
-          </a:prstGeom>
-        </p:spPr>
-        <p:txBody>
-          <a:bodyPr lIns="0" rIns="0" tIns="0" bIns="0"/>
-          <a:p>
-            <a:pPr marL="432000" indent="-324000">
-              <a:spcBef>
-                <a:spcPts val="1417"/>
-              </a:spcBef>
-              <a:buClr>
-                <a:srgbClr val="000000"/>
-              </a:buClr>
-              <a:buSzPct val="45000"/>
-              <a:buFont typeface="Wingdings" charset="2"/>
-              <a:buChar char=""/>
-            </a:pPr>
-            <a:r>
-              <a:rPr b="0" lang="en-US" sz="3200" spc="-1" strike="noStrike">
-                <a:solidFill>
-                  <a:srgbClr val="000000"/>
-                </a:solidFill>
-                <a:uFill>
-                  <a:solidFill>
-                    <a:srgbClr val="ffffff"/>
-                  </a:solidFill>
-                </a:uFill>
-                <a:latin typeface="Arial"/>
-              </a:rPr>
-              <a:t>Click to edit the outline text format</a:t>
-            </a:r>
-            <a:endParaRPr b="0" lang="en-US" sz="3200" spc="-1" strike="noStrike">
-              <a:solidFill>
-                <a:srgbClr val="000000"/>
-              </a:solidFill>
-              <a:uFill>
-                <a:solidFill>
-                  <a:srgbClr val="ffffff"/>
-                </a:solidFill>
-              </a:uFill>
-              <a:latin typeface="Arial"/>
-            </a:endParaRPr>
-          </a:p>
-          <a:p>
-            <a:pPr lvl="1" marL="864000" indent="-324000">
-              <a:spcBef>
-                <a:spcPts val="1134"/>
-              </a:spcBef>
-              <a:buClr>
-                <a:srgbClr val="000000"/>
-              </a:buClr>
-              <a:buSzPct val="75000"/>
-              <a:buFont typeface="Symbol" charset="2"/>
-              <a:buChar char=""/>
-            </a:pPr>
-            <a:r>
-              <a:rPr b="0" lang="en-US" sz="2800" spc="-1" strike="noStrike">
-                <a:solidFill>
-                  <a:srgbClr val="000000"/>
-                </a:solidFill>
-                <a:uFill>
-                  <a:solidFill>
-                    <a:srgbClr val="ffffff"/>
-                  </a:solidFill>
-                </a:uFill>
-                <a:latin typeface="Arial"/>
-              </a:rPr>
-              <a:t>Second Outline Level</a:t>
-            </a:r>
-            <a:endParaRPr b="0" lang="en-US" sz="2800" spc="-1" strike="noStrike">
-              <a:solidFill>
-                <a:srgbClr val="000000"/>
-              </a:solidFill>
-              <a:uFill>
-                <a:solidFill>
-                  <a:srgbClr val="ffffff"/>
-                </a:solidFill>
-              </a:uFill>
-              <a:latin typeface="Arial"/>
-            </a:endParaRPr>
-          </a:p>
-          <a:p>
-            <a:pPr lvl="2" marL="1296000" indent="-288000">
-              <a:spcBef>
-                <a:spcPts val="850"/>
-              </a:spcBef>
-              <a:buClr>
-                <a:srgbClr val="000000"/>
-              </a:buClr>
-              <a:buSzPct val="45000"/>
-              <a:buFont typeface="Wingdings" charset="2"/>
-              <a:buChar char=""/>
-            </a:pPr>
-            <a:r>
-              <a:rPr b="0" lang="en-US" sz="2400" spc="-1" strike="noStrike">
-                <a:solidFill>
-                  <a:srgbClr val="000000"/>
-                </a:solidFill>
-                <a:uFill>
-                  <a:solidFill>
-                    <a:srgbClr val="ffffff"/>
-                  </a:solidFill>
-                </a:uFill>
-                <a:latin typeface="Arial"/>
-              </a:rPr>
-              <a:t>Third Outline Level</a:t>
-            </a:r>
-            <a:endParaRPr b="0" lang="en-US" sz="2400" spc="-1" strike="noStrike">
-              <a:solidFill>
-                <a:srgbClr val="000000"/>
-              </a:solidFill>
-              <a:uFill>
-                <a:solidFill>
-                  <a:srgbClr val="ffffff"/>
-                </a:solidFill>
-              </a:uFill>
-              <a:latin typeface="Arial"/>
-            </a:endParaRPr>
-          </a:p>
-          <a:p>
-            <a:pPr lvl="3" marL="1728000" indent="-216000">
-              <a:spcBef>
-                <a:spcPts val="567"/>
-              </a:spcBef>
-              <a:buClr>
-                <a:srgbClr val="000000"/>
-              </a:buClr>
-              <a:buSzPct val="75000"/>
-              <a:buFont typeface="Symbol" charset="2"/>
-              <a:buChar char=""/>
-            </a:pPr>
-            <a:r>
-              <a:rPr b="0" lang="en-US" sz="2000" spc="-1" strike="noStrike">
-                <a:solidFill>
-                  <a:srgbClr val="000000"/>
-                </a:solidFill>
-                <a:uFill>
-                  <a:solidFill>
-                    <a:srgbClr val="ffffff"/>
-                  </a:solidFill>
-                </a:uFill>
-                <a:latin typeface="Arial"/>
-              </a:rPr>
-              <a:t>Fourth Outline Level</a:t>
-            </a:r>
-            <a:endParaRPr b="0" lang="en-US" sz="2000" spc="-1" strike="noStrike">
-              <a:solidFill>
-                <a:srgbClr val="000000"/>
-              </a:solidFill>
-              <a:uFill>
-                <a:solidFill>
-                  <a:srgbClr val="ffffff"/>
-                </a:solidFill>
-              </a:uFill>
-              <a:latin typeface="Arial"/>
-            </a:endParaRPr>
-          </a:p>
-          <a:p>
-            <a:pPr lvl="4" marL="2160000" indent="-216000">
-              <a:spcBef>
-                <a:spcPts val="283"/>
-              </a:spcBef>
-              <a:buClr>
-                <a:srgbClr val="000000"/>
-              </a:buClr>
-              <a:buSzPct val="45000"/>
-              <a:buFont typeface="Wingdings" charset="2"/>
-              <a:buChar char=""/>
-            </a:pPr>
-            <a:r>
-              <a:rPr b="0" lang="en-US" sz="2000" spc="-1" strike="noStrike">
-                <a:solidFill>
-                  <a:srgbClr val="000000"/>
-                </a:solidFill>
-                <a:uFill>
-                  <a:solidFill>
-                    <a:srgbClr val="ffffff"/>
-                  </a:solidFill>
-                </a:uFill>
-                <a:latin typeface="Arial"/>
-              </a:rPr>
-              <a:t>Fifth Outline Level</a:t>
-            </a:r>
-            <a:endParaRPr b="0" lang="en-US" sz="2000" spc="-1" strike="noStrike">
-              <a:solidFill>
-                <a:srgbClr val="000000"/>
-              </a:solidFill>
-              <a:uFill>
-                <a:solidFill>
-                  <a:srgbClr val="ffffff"/>
-                </a:solidFill>
-              </a:uFill>
-              <a:latin typeface="Arial"/>
-            </a:endParaRPr>
-          </a:p>
-          <a:p>
-            <a:pPr lvl="5" marL="2592000" indent="-216000">
-              <a:spcBef>
-                <a:spcPts val="283"/>
-              </a:spcBef>
-              <a:buClr>
-                <a:srgbClr val="000000"/>
-              </a:buClr>
-              <a:buSzPct val="45000"/>
-              <a:buFont typeface="Wingdings" charset="2"/>
-              <a:buChar char=""/>
-            </a:pPr>
-            <a:r>
-              <a:rPr b="0" lang="en-US" sz="2000" spc="-1" strike="noStrike">
-                <a:solidFill>
-                  <a:srgbClr val="000000"/>
-                </a:solidFill>
-                <a:uFill>
-                  <a:solidFill>
-                    <a:srgbClr val="ffffff"/>
-                  </a:solidFill>
-                </a:uFill>
-                <a:latin typeface="Arial"/>
-              </a:rPr>
-              <a:t>Sixth Outline Level</a:t>
-            </a:r>
-            <a:endParaRPr b="0" lang="en-US" sz="2000" spc="-1" strike="noStrike">
-              <a:solidFill>
-                <a:srgbClr val="000000"/>
-              </a:solidFill>
-              <a:uFill>
-                <a:solidFill>
-                  <a:srgbClr val="ffffff"/>
-                </a:solidFill>
-              </a:uFill>
-              <a:latin typeface="Arial"/>
-            </a:endParaRPr>
-          </a:p>
-          <a:p>
-            <a:pPr lvl="6" marL="3024000" indent="-216000">
-              <a:spcBef>
-                <a:spcPts val="283"/>
-              </a:spcBef>
-              <a:buClr>
-                <a:srgbClr val="000000"/>
-              </a:buClr>
-              <a:buSzPct val="45000"/>
-              <a:buFont typeface="Wingdings" charset="2"/>
-              <a:buChar char=""/>
-            </a:pPr>
-            <a:r>
-              <a:rPr b="0" lang="en-US" sz="2000" spc="-1" strike="noStrike">
-                <a:solidFill>
-                  <a:srgbClr val="000000"/>
-                </a:solidFill>
-                <a:uFill>
-                  <a:solidFill>
-                    <a:srgbClr val="ffffff"/>
-                  </a:solidFill>
-                </a:uFill>
-                <a:latin typeface="Arial"/>
-              </a:rPr>
-              <a:t>Seventh Outline Level</a:t>
-            </a:r>
-            <a:endParaRPr b="0" lang="en-US" sz="2000" spc="-1" strike="noStrike">
-              <a:solidFill>
-                <a:srgbClr val="000000"/>
-              </a:solidFill>
-              <a:uFill>
-                <a:solidFill>
-                  <a:srgbClr val="ffffff"/>
-                </a:solidFill>
-              </a:uFill>
-              <a:latin typeface="Arial"/>
-            </a:endParaRPr>
-          </a:p>
-        </p:txBody>
-      </p:sp>
-    </p:spTree>
-  </p:cSld>
-  <p:clrMap bg1="lt1" bg2="lt2" tx1="dk1" tx2="dk2" accent1="accent1" accent2="accent2" accent3="accent3" accent4="accent4" accent5="accent5" accent6="accent6" hlink="hlink" folHlink="folHlink"/>
-  <p:sldLayoutIdLst>
-    <p:sldLayoutId id="2147483675" r:id="rId3"/>
-    <p:sldLayoutId id="2147483676" r:id="rId4"/>
-    <p:sldLayoutId id="2147483677" r:id="rId5"/>
-    <p:sldLayoutId id="2147483678" r:id="rId6"/>
-    <p:sldLayoutId id="2147483679" r:id="rId7"/>
-    <p:sldLayoutId id="2147483680" r:id="rId8"/>
-    <p:sldLayoutId id="2147483681" r:id="rId9"/>
-    <p:sldLayoutId id="2147483682" r:id="rId10"/>
-    <p:sldLayoutId id="2147483683" r:id="rId11"/>
-    <p:sldLayoutId id="2147483684" r:id="rId12"/>
-    <p:sldLayoutId id="2147483685" r:id="rId13"/>
-    <p:sldLayoutId id="2147483686" r:id="rId14"/>
-  </p:sldLayoutIdLst>
-</p:sldMaster>
-</file>
-
-<file path=ppt/slideMasters/slideMaster4.xml><?xml version="1.0" encoding="utf-8"?>
-<p:sldMaster xmlns:a="http://schemas.openxmlformats.org/drawingml/2006/main" xmlns:p="http://schemas.openxmlformats.org/presentationml/2006/main" xmlns:r="http://schemas.openxmlformats.org/officeDocument/2006/relationships" xmlns:p14="http://schemas.microsoft.com/office/powerpoint/2010/main" xmlns:p15="http://schemas.microsoft.com/office/powerpoint/2012/main" xmlns:mc="http://schemas.openxmlformats.org/markup-compatibility/2006">
-  <p:cSld>
-    <p:bg>
-      <p:bgPr>
-        <a:blipFill>
-          <a:blip r:embed="rId2"/>
-          <a:stretch>
-            <a:fillRect/>
-          </a:stretch>
-        </a:blipFill>
-      </p:bgPr>
-    </p:bg>
-    <p:spTree>
-      <p:nvGrpSpPr>
-        <p:cNvPr id="1" name=""/>
-        <p:cNvGrpSpPr/>
-        <p:nvPr/>
-      </p:nvGrpSpPr>
-      <p:grpSpPr>
-        <a:xfrm>
-          <a:off x="0" y="0"/>
-          <a:ext cx="0" cy="0"/>
-          <a:chOff x="0" y="0"/>
-          <a:chExt cx="0" cy="0"/>
-        </a:xfrm>
-      </p:grpSpPr>
-      <p:sp>
-        <p:nvSpPr>
-          <p:cNvPr id="117" name="CustomShape 1"/>
-          <p:cNvSpPr/>
-          <p:nvPr/>
-        </p:nvSpPr>
-        <p:spPr>
-          <a:xfrm>
-            <a:off x="-9000" y="5213880"/>
-            <a:ext cx="8386920" cy="514080"/>
-          </a:xfrm>
-          <a:prstGeom prst="rect">
-            <a:avLst/>
-          </a:prstGeom>
-          <a:noFill/>
-          <a:ln>
-            <a:noFill/>
-          </a:ln>
-        </p:spPr>
-        <p:style>
-          <a:lnRef idx="0"/>
-          <a:fillRef idx="0"/>
-          <a:effectRef idx="0"/>
-          <a:fontRef idx="minor"/>
-        </p:style>
-        <p:txBody>
-          <a:bodyPr lIns="90000" rIns="90000" tIns="45000" bIns="45000"/>
-          <a:p>
-            <a:pPr>
-              <a:lnSpc>
-                <a:spcPct val="100000"/>
-              </a:lnSpc>
-            </a:pPr>
-            <a:r>
-              <a:rPr b="0" lang="en-US" sz="1400" spc="-1" strike="noStrike">
-                <a:solidFill>
-                  <a:srgbClr val="a6a6a6"/>
-                </a:solidFill>
-                <a:uFill>
-                  <a:solidFill>
-                    <a:srgbClr val="ffffff"/>
-                  </a:solidFill>
-                </a:uFill>
-                <a:latin typeface="Calibri"/>
-                <a:ea typeface="DejaVu Sans"/>
-              </a:rPr>
-              <a:t>This presentation uses a free template provided by FPPT.com</a:t>
-            </a:r>
-            <a:endParaRPr b="0" lang="en-US" sz="1800" spc="-1" strike="noStrike">
-              <a:solidFill>
-                <a:srgbClr val="000000"/>
-              </a:solidFill>
-              <a:uFill>
-                <a:solidFill>
-                  <a:srgbClr val="ffffff"/>
-                </a:solidFill>
-              </a:uFill>
-              <a:latin typeface="Arial"/>
-            </a:endParaRPr>
-          </a:p>
-          <a:p>
-            <a:pPr>
-              <a:lnSpc>
-                <a:spcPct val="100000"/>
-              </a:lnSpc>
-            </a:pPr>
-            <a:r>
-              <a:rPr b="0" lang="en-US" sz="1400" spc="-1" strike="noStrike">
-                <a:solidFill>
-                  <a:srgbClr val="a6a6a6"/>
-                </a:solidFill>
-                <a:uFill>
-                  <a:solidFill>
-                    <a:srgbClr val="ffffff"/>
-                  </a:solidFill>
-                </a:uFill>
-                <a:latin typeface="Calibri"/>
-                <a:ea typeface="DejaVu Sans"/>
-              </a:rPr>
-              <a:t>www.free-power-point-templates.com</a:t>
-            </a:r>
-            <a:endParaRPr b="0" lang="en-US" sz="1800" spc="-1" strike="noStrike">
-              <a:solidFill>
-                <a:srgbClr val="000000"/>
-              </a:solidFill>
-              <a:uFill>
-                <a:solidFill>
-                  <a:srgbClr val="ffffff"/>
-                </a:solidFill>
-              </a:uFill>
-              <a:latin typeface="Arial"/>
-            </a:endParaRPr>
-          </a:p>
-        </p:txBody>
-      </p:sp>
-      <p:sp>
-        <p:nvSpPr>
-          <p:cNvPr id="118" name="PlaceHolder 2"/>
-          <p:cNvSpPr>
-            <a:spLocks noGrp="1"/>
-          </p:cNvSpPr>
-          <p:nvPr>
-            <p:ph type="title"/>
-          </p:nvPr>
-        </p:nvSpPr>
-        <p:spPr>
-          <a:xfrm>
-            <a:off x="457200" y="205200"/>
-            <a:ext cx="8229240" cy="858600"/>
-          </a:xfrm>
-          <a:prstGeom prst="rect">
-            <a:avLst/>
-          </a:prstGeom>
-        </p:spPr>
-        <p:txBody>
-          <a:bodyPr lIns="0" rIns="0" tIns="0" bIns="0" anchor="ctr"/>
-          <a:p>
-            <a:pPr algn="ctr"/>
-            <a:r>
-              <a:rPr b="0" lang="en-US" sz="4400" spc="-1" strike="noStrike">
-                <a:solidFill>
-                  <a:srgbClr val="000000"/>
-                </a:solidFill>
-                <a:uFill>
-                  <a:solidFill>
-                    <a:srgbClr val="ffffff"/>
-                  </a:solidFill>
-                </a:uFill>
-                <a:latin typeface="Arial"/>
-              </a:rPr>
-              <a:t>Click to edit the title text format</a:t>
-            </a:r>
-            <a:endParaRPr b="0" lang="en-US" sz="4400" spc="-1" strike="noStrike">
-              <a:solidFill>
-                <a:srgbClr val="000000"/>
-              </a:solidFill>
-              <a:uFill>
-                <a:solidFill>
-                  <a:srgbClr val="ffffff"/>
-                </a:solidFill>
-              </a:uFill>
-              <a:latin typeface="Arial"/>
-            </a:endParaRPr>
-          </a:p>
-        </p:txBody>
-      </p:sp>
-      <p:sp>
-        <p:nvSpPr>
-          <p:cNvPr id="119" name="PlaceHolder 3"/>
-          <p:cNvSpPr>
-            <a:spLocks noGrp="1"/>
-          </p:cNvSpPr>
-          <p:nvPr>
-            <p:ph type="body"/>
-          </p:nvPr>
-        </p:nvSpPr>
-        <p:spPr>
-          <a:xfrm>
-            <a:off x="457200" y="1203480"/>
-            <a:ext cx="8229240" cy="2982960"/>
-          </a:xfrm>
-          <a:prstGeom prst="rect">
-            <a:avLst/>
-          </a:prstGeom>
-        </p:spPr>
-        <p:txBody>
-          <a:bodyPr lIns="0" rIns="0" tIns="0" bIns="0"/>
-          <a:p>
-            <a:pPr marL="432000" indent="-324000">
-              <a:spcBef>
-                <a:spcPts val="1417"/>
-              </a:spcBef>
-              <a:buClr>
-                <a:srgbClr val="000000"/>
-              </a:buClr>
-              <a:buSzPct val="45000"/>
-              <a:buFont typeface="Wingdings" charset="2"/>
-              <a:buChar char=""/>
-            </a:pPr>
-            <a:r>
-              <a:rPr b="0" lang="en-US" sz="3200" spc="-1" strike="noStrike">
-                <a:solidFill>
-                  <a:srgbClr val="000000"/>
-                </a:solidFill>
-                <a:uFill>
-                  <a:solidFill>
-                    <a:srgbClr val="ffffff"/>
-                  </a:solidFill>
-                </a:uFill>
-                <a:latin typeface="Arial"/>
-              </a:rPr>
-              <a:t>Click to edit the outline text format</a:t>
-            </a:r>
-            <a:endParaRPr b="0" lang="en-US" sz="3200" spc="-1" strike="noStrike">
-              <a:solidFill>
-                <a:srgbClr val="000000"/>
-              </a:solidFill>
-              <a:uFill>
-                <a:solidFill>
-                  <a:srgbClr val="ffffff"/>
-                </a:solidFill>
-              </a:uFill>
-              <a:latin typeface="Arial"/>
-            </a:endParaRPr>
-          </a:p>
-          <a:p>
-            <a:pPr lvl="1" marL="864000" indent="-324000">
-              <a:spcBef>
-                <a:spcPts val="1134"/>
-              </a:spcBef>
-              <a:buClr>
-                <a:srgbClr val="000000"/>
-              </a:buClr>
-              <a:buSzPct val="75000"/>
-              <a:buFont typeface="Symbol" charset="2"/>
-              <a:buChar char=""/>
-            </a:pPr>
-            <a:r>
-              <a:rPr b="0" lang="en-US" sz="2800" spc="-1" strike="noStrike">
-                <a:solidFill>
-                  <a:srgbClr val="000000"/>
-                </a:solidFill>
-                <a:uFill>
-                  <a:solidFill>
-                    <a:srgbClr val="ffffff"/>
-                  </a:solidFill>
-                </a:uFill>
-                <a:latin typeface="Arial"/>
-              </a:rPr>
-              <a:t>Second Outline Level</a:t>
-            </a:r>
-            <a:endParaRPr b="0" lang="en-US" sz="2800" spc="-1" strike="noStrike">
-              <a:solidFill>
-                <a:srgbClr val="000000"/>
-              </a:solidFill>
-              <a:uFill>
-                <a:solidFill>
-                  <a:srgbClr val="ffffff"/>
-                </a:solidFill>
-              </a:uFill>
-              <a:latin typeface="Arial"/>
-            </a:endParaRPr>
-          </a:p>
-          <a:p>
-            <a:pPr lvl="2" marL="1296000" indent="-288000">
-              <a:spcBef>
-                <a:spcPts val="850"/>
-              </a:spcBef>
-              <a:buClr>
-                <a:srgbClr val="000000"/>
-              </a:buClr>
-              <a:buSzPct val="45000"/>
-              <a:buFont typeface="Wingdings" charset="2"/>
-              <a:buChar char=""/>
-            </a:pPr>
-            <a:r>
-              <a:rPr b="0" lang="en-US" sz="2400" spc="-1" strike="noStrike">
-                <a:solidFill>
-                  <a:srgbClr val="000000"/>
-                </a:solidFill>
-                <a:uFill>
-                  <a:solidFill>
-                    <a:srgbClr val="ffffff"/>
-                  </a:solidFill>
-                </a:uFill>
-                <a:latin typeface="Arial"/>
-              </a:rPr>
-              <a:t>Third Outline Level</a:t>
-            </a:r>
-            <a:endParaRPr b="0" lang="en-US" sz="2400" spc="-1" strike="noStrike">
-              <a:solidFill>
-                <a:srgbClr val="000000"/>
-              </a:solidFill>
-              <a:uFill>
-                <a:solidFill>
-                  <a:srgbClr val="ffffff"/>
-                </a:solidFill>
-              </a:uFill>
-              <a:latin typeface="Arial"/>
-            </a:endParaRPr>
-          </a:p>
-          <a:p>
-            <a:pPr lvl="3" marL="1728000" indent="-216000">
-              <a:spcBef>
-                <a:spcPts val="567"/>
-              </a:spcBef>
-              <a:buClr>
-                <a:srgbClr val="000000"/>
-              </a:buClr>
-              <a:buSzPct val="75000"/>
-              <a:buFont typeface="Symbol" charset="2"/>
-              <a:buChar char=""/>
-            </a:pPr>
-            <a:r>
-              <a:rPr b="0" lang="en-US" sz="2000" spc="-1" strike="noStrike">
-                <a:solidFill>
-                  <a:srgbClr val="000000"/>
-                </a:solidFill>
-                <a:uFill>
-                  <a:solidFill>
-                    <a:srgbClr val="ffffff"/>
-                  </a:solidFill>
-                </a:uFill>
-                <a:latin typeface="Arial"/>
-              </a:rPr>
-              <a:t>Fourth Outline Level</a:t>
-            </a:r>
-            <a:endParaRPr b="0" lang="en-US" sz="2000" spc="-1" strike="noStrike">
-              <a:solidFill>
-                <a:srgbClr val="000000"/>
-              </a:solidFill>
-              <a:uFill>
-                <a:solidFill>
-                  <a:srgbClr val="ffffff"/>
-                </a:solidFill>
-              </a:uFill>
-              <a:latin typeface="Arial"/>
-            </a:endParaRPr>
-          </a:p>
-          <a:p>
-            <a:pPr lvl="4" marL="2160000" indent="-216000">
-              <a:spcBef>
-                <a:spcPts val="283"/>
-              </a:spcBef>
-              <a:buClr>
-                <a:srgbClr val="000000"/>
-              </a:buClr>
-              <a:buSzPct val="45000"/>
-              <a:buFont typeface="Wingdings" charset="2"/>
-              <a:buChar char=""/>
-            </a:pPr>
-            <a:r>
-              <a:rPr b="0" lang="en-US" sz="2000" spc="-1" strike="noStrike">
-                <a:solidFill>
-                  <a:srgbClr val="000000"/>
-                </a:solidFill>
-                <a:uFill>
-                  <a:solidFill>
-                    <a:srgbClr val="ffffff"/>
-                  </a:solidFill>
-                </a:uFill>
-                <a:latin typeface="Arial"/>
-              </a:rPr>
-              <a:t>Fifth Outline Level</a:t>
-            </a:r>
-            <a:endParaRPr b="0" lang="en-US" sz="2000" spc="-1" strike="noStrike">
-              <a:solidFill>
-                <a:srgbClr val="000000"/>
-              </a:solidFill>
-              <a:uFill>
-                <a:solidFill>
-                  <a:srgbClr val="ffffff"/>
-                </a:solidFill>
-              </a:uFill>
-              <a:latin typeface="Arial"/>
-            </a:endParaRPr>
-          </a:p>
-          <a:p>
-            <a:pPr lvl="5" marL="2592000" indent="-216000">
-              <a:spcBef>
-                <a:spcPts val="283"/>
-              </a:spcBef>
-              <a:buClr>
-                <a:srgbClr val="000000"/>
-              </a:buClr>
-              <a:buSzPct val="45000"/>
-              <a:buFont typeface="Wingdings" charset="2"/>
-              <a:buChar char=""/>
-            </a:pPr>
-            <a:r>
-              <a:rPr b="0" lang="en-US" sz="2000" spc="-1" strike="noStrike">
-                <a:solidFill>
-                  <a:srgbClr val="000000"/>
-                </a:solidFill>
-                <a:uFill>
-                  <a:solidFill>
-                    <a:srgbClr val="ffffff"/>
-                  </a:solidFill>
-                </a:uFill>
-                <a:latin typeface="Arial"/>
-              </a:rPr>
-              <a:t>Sixth Outline Level</a:t>
-            </a:r>
-            <a:endParaRPr b="0" lang="en-US" sz="2000" spc="-1" strike="noStrike">
-              <a:solidFill>
-                <a:srgbClr val="000000"/>
-              </a:solidFill>
-              <a:uFill>
-                <a:solidFill>
-                  <a:srgbClr val="ffffff"/>
-                </a:solidFill>
-              </a:uFill>
-              <a:latin typeface="Arial"/>
-            </a:endParaRPr>
-          </a:p>
-          <a:p>
-            <a:pPr lvl="6" marL="3024000" indent="-216000">
-              <a:spcBef>
-                <a:spcPts val="283"/>
-              </a:spcBef>
-              <a:buClr>
-                <a:srgbClr val="000000"/>
-              </a:buClr>
-              <a:buSzPct val="45000"/>
-              <a:buFont typeface="Wingdings" charset="2"/>
-              <a:buChar char=""/>
-            </a:pPr>
-            <a:r>
-              <a:rPr b="0" lang="en-US" sz="2000" spc="-1" strike="noStrike">
-                <a:solidFill>
-                  <a:srgbClr val="000000"/>
-                </a:solidFill>
-                <a:uFill>
-                  <a:solidFill>
-                    <a:srgbClr val="ffffff"/>
-                  </a:solidFill>
-                </a:uFill>
-                <a:latin typeface="Arial"/>
-              </a:rPr>
-              <a:t>Seventh Outline Level</a:t>
-            </a:r>
-            <a:endParaRPr b="0" lang="en-US" sz="2000" spc="-1" strike="noStrike">
-              <a:solidFill>
-                <a:srgbClr val="000000"/>
-              </a:solidFill>
-              <a:uFill>
-                <a:solidFill>
-                  <a:srgbClr val="ffffff"/>
-                </a:solidFill>
-              </a:uFill>
-              <a:latin typeface="Arial"/>
-            </a:endParaRPr>
-          </a:p>
-        </p:txBody>
-      </p:sp>
-    </p:spTree>
-  </p:cSld>
-  <p:clrMap bg1="lt1" bg2="lt2" tx1="dk1" tx2="dk2" accent1="accent1" accent2="accent2" accent3="accent3" accent4="accent4" accent5="accent5" accent6="accent6" hlink="hlink" folHlink="folHlink"/>
-  <p:sldLayoutIdLst>
-    <p:sldLayoutId id="2147483688" r:id="rId3"/>
-    <p:sldLayoutId id="2147483689" r:id="rId4"/>
-    <p:sldLayoutId id="2147483690" r:id="rId5"/>
-    <p:sldLayoutId id="2147483691" r:id="rId6"/>
-    <p:sldLayoutId id="2147483692" r:id="rId7"/>
-    <p:sldLayoutId id="2147483693" r:id="rId8"/>
-    <p:sldLayoutId id="2147483694" r:id="rId9"/>
-    <p:sldLayoutId id="2147483695" r:id="rId10"/>
-    <p:sldLayoutId id="2147483696" r:id="rId11"/>
-    <p:sldLayoutId id="2147483697" r:id="rId12"/>
-    <p:sldLayoutId id="2147483698" r:id="rId13"/>
-    <p:sldLayoutId id="2147483699" r:id="rId14"/>
   </p:sldLayoutIdLst>
 </p:sldMaster>
 </file>
@@ -8253,14 +4157,14 @@
       </p:grpSpPr>
       <p:sp>
         <p:nvSpPr>
-          <p:cNvPr id="156" name="CustomShape 1"/>
+          <p:cNvPr id="78" name="CustomShape 1"/>
           <p:cNvSpPr/>
           <p:nvPr/>
         </p:nvSpPr>
         <p:spPr>
           <a:xfrm>
             <a:off x="3200400" y="417240"/>
-            <a:ext cx="5690520" cy="861120"/>
+            <a:ext cx="5690160" cy="860760"/>
           </a:xfrm>
           <a:prstGeom prst="rect">
             <a:avLst/>
@@ -8315,14 +4219,14 @@
       </p:sp>
       <p:sp>
         <p:nvSpPr>
-          <p:cNvPr id="157" name="CustomShape 2"/>
+          <p:cNvPr id="79" name="CustomShape 2"/>
           <p:cNvSpPr/>
           <p:nvPr/>
         </p:nvSpPr>
         <p:spPr>
           <a:xfrm>
             <a:off x="3312000" y="2232000"/>
-            <a:ext cx="5685120" cy="1099800"/>
+            <a:ext cx="5684760" cy="1099440"/>
           </a:xfrm>
           <a:prstGeom prst="rect">
             <a:avLst/>
@@ -8477,14 +4381,14 @@
       </p:grpSpPr>
       <p:sp>
         <p:nvSpPr>
-          <p:cNvPr id="158" name="CustomShape 1"/>
+          <p:cNvPr id="80" name="CustomShape 1"/>
           <p:cNvSpPr/>
           <p:nvPr/>
         </p:nvSpPr>
         <p:spPr>
           <a:xfrm>
             <a:off x="448920" y="433800"/>
-            <a:ext cx="8243280" cy="608040"/>
+            <a:ext cx="8242920" cy="607680"/>
           </a:xfrm>
           <a:prstGeom prst="rect">
             <a:avLst/>
@@ -8539,14 +4443,14 @@
       </p:sp>
       <p:sp>
         <p:nvSpPr>
-          <p:cNvPr id="159" name="CustomShape 2"/>
+          <p:cNvPr id="81" name="CustomShape 2"/>
           <p:cNvSpPr/>
           <p:nvPr/>
         </p:nvSpPr>
         <p:spPr>
           <a:xfrm>
             <a:off x="448920" y="1350000"/>
-            <a:ext cx="8243280" cy="3509280"/>
+            <a:ext cx="8242920" cy="3508920"/>
           </a:xfrm>
           <a:prstGeom prst="rect">
             <a:avLst/>
@@ -8565,7 +4469,7 @@
         <p:txBody>
           <a:bodyPr lIns="0" rIns="0" tIns="0" bIns="0"/>
           <a:p>
-            <a:pPr marL="216000" indent="-214920">
+            <a:pPr marL="216000" indent="-214560">
               <a:lnSpc>
                 <a:spcPct val="100000"/>
               </a:lnSpc>
@@ -8642,7 +4546,7 @@
       </p:sp>
       <p:pic>
         <p:nvPicPr>
-          <p:cNvPr id="160" name="" descr=""/>
+          <p:cNvPr id="82" name="" descr=""/>
           <p:cNvPicPr/>
           <p:nvPr/>
         </p:nvPicPr>
@@ -8653,7 +4557,7 @@
         <p:spPr>
           <a:xfrm>
             <a:off x="182880" y="1737360"/>
-            <a:ext cx="2656440" cy="2286000"/>
+            <a:ext cx="2656080" cy="2285640"/>
           </a:xfrm>
           <a:prstGeom prst="rect">
             <a:avLst/>
@@ -8665,7 +4569,7 @@
       </p:pic>
       <p:pic>
         <p:nvPicPr>
-          <p:cNvPr id="161" name="" descr=""/>
+          <p:cNvPr id="83" name="" descr=""/>
           <p:cNvPicPr/>
           <p:nvPr/>
         </p:nvPicPr>
@@ -8676,7 +4580,7 @@
         <p:spPr>
           <a:xfrm>
             <a:off x="3373920" y="1737360"/>
-            <a:ext cx="2386800" cy="2286000"/>
+            <a:ext cx="2386440" cy="2285640"/>
           </a:xfrm>
           <a:prstGeom prst="rect">
             <a:avLst/>
@@ -8688,7 +4592,7 @@
       </p:pic>
       <p:pic>
         <p:nvPicPr>
-          <p:cNvPr id="162" name="" descr=""/>
+          <p:cNvPr id="84" name="" descr=""/>
           <p:cNvPicPr/>
           <p:nvPr/>
         </p:nvPicPr>
@@ -8699,7 +4603,7 @@
         <p:spPr>
           <a:xfrm>
             <a:off x="6092280" y="1828800"/>
-            <a:ext cx="2685960" cy="2011680"/>
+            <a:ext cx="2685600" cy="2011320"/>
           </a:xfrm>
           <a:prstGeom prst="rect">
             <a:avLst/>
@@ -8760,14 +4664,14 @@
       </p:grpSpPr>
       <p:sp>
         <p:nvSpPr>
-          <p:cNvPr id="163" name="CustomShape 1"/>
+          <p:cNvPr id="85" name="CustomShape 1"/>
           <p:cNvSpPr/>
           <p:nvPr/>
         </p:nvSpPr>
         <p:spPr>
           <a:xfrm>
             <a:off x="808560" y="397080"/>
-            <a:ext cx="8243280" cy="608040"/>
+            <a:ext cx="8242920" cy="607680"/>
           </a:xfrm>
           <a:prstGeom prst="rect">
             <a:avLst/>
@@ -8837,14 +4741,14 @@
       </p:sp>
       <p:sp>
         <p:nvSpPr>
-          <p:cNvPr id="164" name="CustomShape 2"/>
+          <p:cNvPr id="86" name="CustomShape 2"/>
           <p:cNvSpPr/>
           <p:nvPr/>
         </p:nvSpPr>
         <p:spPr>
           <a:xfrm>
             <a:off x="182880" y="1153440"/>
-            <a:ext cx="4754880" cy="3875760"/>
+            <a:ext cx="4754520" cy="3875400"/>
           </a:xfrm>
           <a:prstGeom prst="rect">
             <a:avLst/>
@@ -8863,7 +4767,7 @@
         <p:txBody>
           <a:bodyPr lIns="0" rIns="0" tIns="0" bIns="0"/>
           <a:p>
-            <a:pPr marL="216000" indent="-214920">
+            <a:pPr marL="216000" indent="-214560">
               <a:lnSpc>
                 <a:spcPct val="100000"/>
               </a:lnSpc>
@@ -8901,7 +4805,7 @@
             </a:endParaRPr>
           </a:p>
           <a:p>
-            <a:pPr marL="216000" indent="-214920">
+            <a:pPr marL="216000" indent="-214560">
               <a:lnSpc>
                 <a:spcPct val="100000"/>
               </a:lnSpc>
@@ -8926,22 +4830,29 @@
               </a:rPr>
               <a:t>Ingeniero en Sistemas de </a:t>
             </a:r>
-            <a:r>
-              <a:rPr b="0" lang="en-US" sz="1400" spc="-1" strike="noStrike">
-                <a:solidFill>
-                  <a:srgbClr val="000000"/>
-                </a:solidFill>
-                <a:uFill>
-                  <a:solidFill>
-                    <a:srgbClr val="ffffff"/>
-                  </a:solidFill>
-                </a:uFill>
-                <a:latin typeface="Calibri"/>
-                <a:ea typeface="DejaVu Sans"/>
-              </a:rPr>
-              <a:t>
-</a:t>
-            </a:r>
+            <a:endParaRPr b="0" lang="en-US" sz="1800" spc="-1" strike="noStrike">
+              <a:solidFill>
+                <a:srgbClr val="000000"/>
+              </a:solidFill>
+              <a:uFill>
+                <a:solidFill>
+                  <a:srgbClr val="ffffff"/>
+                </a:solidFill>
+              </a:uFill>
+              <a:latin typeface="Arial"/>
+            </a:endParaRPr>
+          </a:p>
+          <a:p>
+            <a:pPr marL="216000" indent="-214560">
+              <a:lnSpc>
+                <a:spcPct val="100000"/>
+              </a:lnSpc>
+              <a:buClr>
+                <a:srgbClr val="000000"/>
+              </a:buClr>
+              <a:buFont typeface="Arial"/>
+              <a:buChar char="•"/>
+            </a:pPr>
             <a:r>
               <a:rPr b="0" lang="en-US" sz="1400" spc="-1" strike="noStrike">
                 <a:solidFill>
@@ -8970,7 +4881,7 @@
             </a:endParaRPr>
           </a:p>
           <a:p>
-            <a:pPr marL="216000" indent="-214920">
+            <a:pPr marL="216000" indent="-214560">
               <a:lnSpc>
                 <a:spcPct val="100000"/>
               </a:lnSpc>
@@ -8995,6 +4906,29 @@
               </a:rPr>
               <a:t>Mentor del curso </a:t>
             </a:r>
+            <a:endParaRPr b="0" lang="en-US" sz="1800" spc="-1" strike="noStrike">
+              <a:solidFill>
+                <a:srgbClr val="000000"/>
+              </a:solidFill>
+              <a:uFill>
+                <a:solidFill>
+                  <a:srgbClr val="ffffff"/>
+                </a:solidFill>
+              </a:uFill>
+              <a:latin typeface="Arial"/>
+            </a:endParaRPr>
+          </a:p>
+          <a:p>
+            <a:pPr marL="216000" indent="-214560">
+              <a:lnSpc>
+                <a:spcPct val="100000"/>
+              </a:lnSpc>
+              <a:buClr>
+                <a:srgbClr val="000000"/>
+              </a:buClr>
+              <a:buFont typeface="Arial"/>
+              <a:buChar char="•"/>
+            </a:pPr>
             <a:r>
               <a:rPr b="0" lang="en-US" sz="1400" spc="-1" strike="noStrike">
                 <a:solidFill>
@@ -9008,8 +4942,7 @@
                 <a:latin typeface="Calibri"/>
                 <a:ea typeface="DejaVu Sans"/>
               </a:rPr>
-              <a:t>
-</a:t>
+              <a:t>“</a:t>
             </a:r>
             <a:r>
               <a:rPr b="0" lang="en-US" sz="1400" spc="-1" strike="noStrike">
@@ -9024,24 +4957,31 @@
                 <a:latin typeface="Calibri"/>
                 <a:ea typeface="DejaVu Sans"/>
               </a:rPr>
-              <a:t>“Machine Learning Fundations:</a:t>
+              <a:t>Machine Learning Fundations:</a:t>
             </a:r>
-            <a:r>
-              <a:rPr b="0" lang="en-US" sz="1400" spc="-1" strike="noStrike">
-                <a:solidFill>
-                  <a:srgbClr val="000000"/>
-                </a:solidFill>
-                <a:uFill>
-                  <a:solidFill>
-                    <a:srgbClr val="ffffff"/>
-                  </a:solidFill>
-                </a:uFill>
-                <a:latin typeface="Calibri"/>
-                <a:ea typeface="DejaVu Sans"/>
-              </a:rPr>
-              <a:t>
-</a:t>
-            </a:r>
+            <a:endParaRPr b="0" lang="en-US" sz="1800" spc="-1" strike="noStrike">
+              <a:solidFill>
+                <a:srgbClr val="000000"/>
+              </a:solidFill>
+              <a:uFill>
+                <a:solidFill>
+                  <a:srgbClr val="ffffff"/>
+                </a:solidFill>
+              </a:uFill>
+              <a:latin typeface="Arial"/>
+            </a:endParaRPr>
+          </a:p>
+          <a:p>
+            <a:pPr marL="216000" indent="-214560">
+              <a:lnSpc>
+                <a:spcPct val="100000"/>
+              </a:lnSpc>
+              <a:buClr>
+                <a:srgbClr val="000000"/>
+              </a:buClr>
+              <a:buFont typeface="Arial"/>
+              <a:buChar char="•"/>
+            </a:pPr>
             <a:r>
               <a:rPr b="0" lang="en-US" sz="1400" spc="-1" strike="noStrike">
                 <a:solidFill>
@@ -9057,22 +4997,29 @@
               </a:rPr>
               <a:t>a case study approach” de la </a:t>
             </a:r>
-            <a:r>
-              <a:rPr b="0" lang="en-US" sz="1400" spc="-1" strike="noStrike">
-                <a:solidFill>
-                  <a:srgbClr val="000000"/>
-                </a:solidFill>
-                <a:uFill>
-                  <a:solidFill>
-                    <a:srgbClr val="ffffff"/>
-                  </a:solidFill>
-                </a:uFill>
-                <a:latin typeface="Calibri"/>
-                <a:ea typeface="DejaVu Sans"/>
-              </a:rPr>
-              <a:t>
-</a:t>
-            </a:r>
+            <a:endParaRPr b="0" lang="en-US" sz="1800" spc="-1" strike="noStrike">
+              <a:solidFill>
+                <a:srgbClr val="000000"/>
+              </a:solidFill>
+              <a:uFill>
+                <a:solidFill>
+                  <a:srgbClr val="ffffff"/>
+                </a:solidFill>
+              </a:uFill>
+              <a:latin typeface="Arial"/>
+            </a:endParaRPr>
+          </a:p>
+          <a:p>
+            <a:pPr marL="216000" indent="-214560">
+              <a:lnSpc>
+                <a:spcPct val="100000"/>
+              </a:lnSpc>
+              <a:buClr>
+                <a:srgbClr val="000000"/>
+              </a:buClr>
+              <a:buFont typeface="Arial"/>
+              <a:buChar char="•"/>
+            </a:pPr>
             <a:r>
               <a:rPr b="0" lang="en-US" sz="1400" spc="-1" strike="noStrike">
                 <a:solidFill>
@@ -9088,22 +5035,29 @@
               </a:rPr>
               <a:t>universidad de Washington en </a:t>
             </a:r>
-            <a:r>
-              <a:rPr b="0" lang="en-US" sz="1400" spc="-1" strike="noStrike">
-                <a:solidFill>
-                  <a:srgbClr val="000000"/>
-                </a:solidFill>
-                <a:uFill>
-                  <a:solidFill>
-                    <a:srgbClr val="ffffff"/>
-                  </a:solidFill>
-                </a:uFill>
-                <a:latin typeface="Calibri"/>
-                <a:ea typeface="DejaVu Sans"/>
-              </a:rPr>
-              <a:t>
-</a:t>
-            </a:r>
+            <a:endParaRPr b="0" lang="en-US" sz="1800" spc="-1" strike="noStrike">
+              <a:solidFill>
+                <a:srgbClr val="000000"/>
+              </a:solidFill>
+              <a:uFill>
+                <a:solidFill>
+                  <a:srgbClr val="ffffff"/>
+                </a:solidFill>
+              </a:uFill>
+              <a:latin typeface="Arial"/>
+            </a:endParaRPr>
+          </a:p>
+          <a:p>
+            <a:pPr marL="216000" indent="-214560">
+              <a:lnSpc>
+                <a:spcPct val="100000"/>
+              </a:lnSpc>
+              <a:buClr>
+                <a:srgbClr val="000000"/>
+              </a:buClr>
+              <a:buFont typeface="Arial"/>
+              <a:buChar char="•"/>
+            </a:pPr>
             <a:r>
               <a:rPr b="0" lang="en-US" sz="1400" spc="-1" strike="noStrike">
                 <a:solidFill>
@@ -9132,7 +5086,7 @@
             </a:endParaRPr>
           </a:p>
           <a:p>
-            <a:pPr marL="216000" indent="-214920">
+            <a:pPr marL="216000" indent="-214560">
               <a:lnSpc>
                 <a:spcPct val="100000"/>
               </a:lnSpc>
@@ -9157,22 +5111,29 @@
               </a:rPr>
               <a:t>Mas de 10 Certificaciones y cursos</a:t>
             </a:r>
-            <a:r>
-              <a:rPr b="0" lang="en-US" sz="1400" spc="-1" strike="noStrike">
-                <a:solidFill>
-                  <a:srgbClr val="000000"/>
-                </a:solidFill>
-                <a:uFill>
-                  <a:solidFill>
-                    <a:srgbClr val="ffffff"/>
-                  </a:solidFill>
-                </a:uFill>
-                <a:latin typeface="Calibri"/>
-                <a:ea typeface="DejaVu Sans"/>
-              </a:rPr>
-              <a:t>
-</a:t>
-            </a:r>
+            <a:endParaRPr b="0" lang="en-US" sz="1800" spc="-1" strike="noStrike">
+              <a:solidFill>
+                <a:srgbClr val="000000"/>
+              </a:solidFill>
+              <a:uFill>
+                <a:solidFill>
+                  <a:srgbClr val="ffffff"/>
+                </a:solidFill>
+              </a:uFill>
+              <a:latin typeface="Arial"/>
+            </a:endParaRPr>
+          </a:p>
+          <a:p>
+            <a:pPr marL="216000" indent="-214560">
+              <a:lnSpc>
+                <a:spcPct val="100000"/>
+              </a:lnSpc>
+              <a:buClr>
+                <a:srgbClr val="000000"/>
+              </a:buClr>
+              <a:buFont typeface="Arial"/>
+              <a:buChar char="•"/>
+            </a:pPr>
             <a:r>
               <a:rPr b="0" lang="en-US" sz="1400" spc="-1" strike="noStrike">
                 <a:solidFill>
@@ -9201,7 +5162,7 @@
             </a:endParaRPr>
           </a:p>
           <a:p>
-            <a:pPr marL="216000" indent="-214920">
+            <a:pPr marL="216000" indent="-214560">
               <a:lnSpc>
                 <a:spcPct val="100000"/>
               </a:lnSpc>
@@ -9226,22 +5187,29 @@
               </a:rPr>
               <a:t>Data scientist/data engineer</a:t>
             </a:r>
-            <a:r>
-              <a:rPr b="0" lang="en-US" sz="1400" spc="-1" strike="noStrike">
-                <a:solidFill>
-                  <a:srgbClr val="000000"/>
-                </a:solidFill>
-                <a:uFill>
-                  <a:solidFill>
-                    <a:srgbClr val="ffffff"/>
-                  </a:solidFill>
-                </a:uFill>
-                <a:latin typeface="Calibri"/>
-                <a:ea typeface="DejaVu Sans"/>
-              </a:rPr>
-              <a:t>
-</a:t>
-            </a:r>
+            <a:endParaRPr b="0" lang="en-US" sz="1800" spc="-1" strike="noStrike">
+              <a:solidFill>
+                <a:srgbClr val="000000"/>
+              </a:solidFill>
+              <a:uFill>
+                <a:solidFill>
+                  <a:srgbClr val="ffffff"/>
+                </a:solidFill>
+              </a:uFill>
+              <a:latin typeface="Arial"/>
+            </a:endParaRPr>
+          </a:p>
+          <a:p>
+            <a:pPr marL="216000" indent="-214560">
+              <a:lnSpc>
+                <a:spcPct val="100000"/>
+              </a:lnSpc>
+              <a:buClr>
+                <a:srgbClr val="000000"/>
+              </a:buClr>
+              <a:buFont typeface="Arial"/>
+              <a:buChar char="•"/>
+            </a:pPr>
             <a:r>
               <a:rPr b="0" lang="en-US" sz="1400" spc="-1" strike="noStrike">
                 <a:solidFill>
@@ -9270,7 +5238,7 @@
             </a:endParaRPr>
           </a:p>
           <a:p>
-            <a:pPr marL="216000" indent="-214920">
+            <a:pPr marL="216000" indent="-214560">
               <a:lnSpc>
                 <a:spcPct val="100000"/>
               </a:lnSpc>
@@ -9308,7 +5276,7 @@
             </a:endParaRPr>
           </a:p>
           <a:p>
-            <a:pPr marL="216000" indent="-214920">
+            <a:pPr marL="216000" indent="-214560">
               <a:lnSpc>
                 <a:spcPct val="100000"/>
               </a:lnSpc>
@@ -9333,22 +5301,29 @@
               </a:rPr>
               <a:t>Creador de AI que publicó en Amazon </a:t>
             </a:r>
-            <a:r>
-              <a:rPr b="0" lang="en-US" sz="1400" spc="-1" strike="noStrike">
-                <a:solidFill>
-                  <a:srgbClr val="000000"/>
-                </a:solidFill>
-                <a:uFill>
-                  <a:solidFill>
-                    <a:srgbClr val="ffffff"/>
-                  </a:solidFill>
-                </a:uFill>
-                <a:latin typeface="Calibri"/>
-                <a:ea typeface="DejaVu Sans"/>
-              </a:rPr>
-              <a:t>
-</a:t>
-            </a:r>
+            <a:endParaRPr b="0" lang="en-US" sz="1800" spc="-1" strike="noStrike">
+              <a:solidFill>
+                <a:srgbClr val="000000"/>
+              </a:solidFill>
+              <a:uFill>
+                <a:solidFill>
+                  <a:srgbClr val="ffffff"/>
+                </a:solidFill>
+              </a:uFill>
+              <a:latin typeface="Arial"/>
+            </a:endParaRPr>
+          </a:p>
+          <a:p>
+            <a:pPr marL="216000" indent="-214560">
+              <a:lnSpc>
+                <a:spcPct val="100000"/>
+              </a:lnSpc>
+              <a:buClr>
+                <a:srgbClr val="000000"/>
+              </a:buClr>
+              <a:buFont typeface="Arial"/>
+              <a:buChar char="•"/>
+            </a:pPr>
             <a:r>
               <a:rPr b="0" lang="en-US" sz="1400" spc="-1" strike="noStrike">
                 <a:solidFill>
@@ -9431,14 +5406,14 @@
       </p:sp>
       <p:sp>
         <p:nvSpPr>
-          <p:cNvPr id="165" name="CustomShape 3"/>
+          <p:cNvPr id="87" name="CustomShape 3"/>
           <p:cNvSpPr/>
           <p:nvPr/>
         </p:nvSpPr>
         <p:spPr>
           <a:xfrm>
             <a:off x="182880" y="1247040"/>
-            <a:ext cx="3382560" cy="1669680"/>
+            <a:ext cx="3382200" cy="1669320"/>
           </a:xfrm>
           <a:prstGeom prst="rect">
             <a:avLst/>
@@ -9488,14 +5463,14 @@
       </p:sp>
       <p:sp>
         <p:nvSpPr>
-          <p:cNvPr id="166" name="CustomShape 4"/>
+          <p:cNvPr id="88" name="CustomShape 4"/>
           <p:cNvSpPr/>
           <p:nvPr/>
         </p:nvSpPr>
         <p:spPr>
           <a:xfrm>
             <a:off x="4493520" y="1188720"/>
-            <a:ext cx="4466880" cy="1895400"/>
+            <a:ext cx="4466520" cy="1895040"/>
           </a:xfrm>
           <a:prstGeom prst="rect">
             <a:avLst/>
@@ -9514,14 +5489,14 @@
       </p:sp>
       <p:sp>
         <p:nvSpPr>
-          <p:cNvPr id="167" name="CustomShape 5"/>
+          <p:cNvPr id="89" name="CustomShape 5"/>
           <p:cNvSpPr/>
           <p:nvPr/>
         </p:nvSpPr>
         <p:spPr>
           <a:xfrm>
             <a:off x="5120640" y="1188720"/>
-            <a:ext cx="3931920" cy="3200400"/>
+            <a:ext cx="3931560" cy="3200040"/>
           </a:xfrm>
           <a:prstGeom prst="rect">
             <a:avLst/>
@@ -9540,7 +5515,7 @@
         <p:txBody>
           <a:bodyPr lIns="0" rIns="0" tIns="0" bIns="0"/>
           <a:p>
-            <a:pPr marL="216000" indent="-214920">
+            <a:pPr marL="216000" indent="-214560">
               <a:lnSpc>
                 <a:spcPct val="100000"/>
               </a:lnSpc>
@@ -9578,7 +5553,7 @@
             </a:endParaRPr>
           </a:p>
           <a:p>
-            <a:pPr marL="216000" indent="-214920">
+            <a:pPr marL="216000" indent="-214560">
               <a:lnSpc>
                 <a:spcPct val="100000"/>
               </a:lnSpc>
@@ -9603,22 +5578,29 @@
               </a:rPr>
               <a:t>Ingeniero en Sistemas de </a:t>
             </a:r>
-            <a:r>
-              <a:rPr b="0" lang="en-US" sz="1500" spc="-1" strike="noStrike">
-                <a:solidFill>
-                  <a:srgbClr val="000000"/>
-                </a:solidFill>
-                <a:uFill>
-                  <a:solidFill>
-                    <a:srgbClr val="ffffff"/>
-                  </a:solidFill>
-                </a:uFill>
-                <a:latin typeface="Calibri"/>
-                <a:ea typeface="DejaVu Sans"/>
-              </a:rPr>
-              <a:t>
-</a:t>
-            </a:r>
+            <a:endParaRPr b="0" lang="en-US" sz="1800" spc="-1" strike="noStrike">
+              <a:solidFill>
+                <a:srgbClr val="000000"/>
+              </a:solidFill>
+              <a:uFill>
+                <a:solidFill>
+                  <a:srgbClr val="ffffff"/>
+                </a:solidFill>
+              </a:uFill>
+              <a:latin typeface="Arial"/>
+            </a:endParaRPr>
+          </a:p>
+          <a:p>
+            <a:pPr marL="216000" indent="-214560">
+              <a:lnSpc>
+                <a:spcPct val="100000"/>
+              </a:lnSpc>
+              <a:buClr>
+                <a:srgbClr val="000000"/>
+              </a:buClr>
+              <a:buFont typeface="Arial"/>
+              <a:buChar char="•"/>
+            </a:pPr>
             <a:r>
               <a:rPr b="0" lang="en-US" sz="1500" spc="-1" strike="noStrike">
                 <a:solidFill>
@@ -9647,7 +5629,7 @@
             </a:endParaRPr>
           </a:p>
           <a:p>
-            <a:pPr marL="216000" indent="-214920">
+            <a:pPr marL="216000" indent="-214560">
               <a:lnSpc>
                 <a:spcPct val="100000"/>
               </a:lnSpc>
@@ -9672,22 +5654,29 @@
               </a:rPr>
               <a:t>Graduado de “Deep learning </a:t>
             </a:r>
-            <a:r>
-              <a:rPr b="0" lang="en-US" sz="1500" spc="-1" strike="noStrike">
-                <a:solidFill>
-                  <a:srgbClr val="000000"/>
-                </a:solidFill>
-                <a:uFill>
-                  <a:solidFill>
-                    <a:srgbClr val="ffffff"/>
-                  </a:solidFill>
-                </a:uFill>
-                <a:latin typeface="Calibri"/>
-                <a:ea typeface="DejaVu Sans"/>
-              </a:rPr>
-              <a:t>
-</a:t>
-            </a:r>
+            <a:endParaRPr b="0" lang="en-US" sz="1800" spc="-1" strike="noStrike">
+              <a:solidFill>
+                <a:srgbClr val="000000"/>
+              </a:solidFill>
+              <a:uFill>
+                <a:solidFill>
+                  <a:srgbClr val="ffffff"/>
+                </a:solidFill>
+              </a:uFill>
+              <a:latin typeface="Arial"/>
+            </a:endParaRPr>
+          </a:p>
+          <a:p>
+            <a:pPr marL="216000" indent="-214560">
+              <a:lnSpc>
+                <a:spcPct val="100000"/>
+              </a:lnSpc>
+              <a:buClr>
+                <a:srgbClr val="000000"/>
+              </a:buClr>
+              <a:buFont typeface="Arial"/>
+              <a:buChar char="•"/>
+            </a:pPr>
             <a:r>
               <a:rPr b="0" lang="en-US" sz="1500" spc="-1" strike="noStrike">
                 <a:solidFill>
@@ -9716,7 +5705,7 @@
             </a:endParaRPr>
           </a:p>
           <a:p>
-            <a:pPr marL="216000" indent="-214920">
+            <a:pPr marL="216000" indent="-214560">
               <a:lnSpc>
                 <a:spcPct val="100000"/>
               </a:lnSpc>
@@ -9741,22 +5730,29 @@
               </a:rPr>
               <a:t>Data scientist/data engineer</a:t>
             </a:r>
-            <a:r>
-              <a:rPr b="0" lang="en-US" sz="1500" spc="-1" strike="noStrike">
-                <a:solidFill>
-                  <a:srgbClr val="000000"/>
-                </a:solidFill>
-                <a:uFill>
-                  <a:solidFill>
-                    <a:srgbClr val="ffffff"/>
-                  </a:solidFill>
-                </a:uFill>
-                <a:latin typeface="Calibri"/>
-                <a:ea typeface="DejaVu Sans"/>
-              </a:rPr>
-              <a:t>
-</a:t>
-            </a:r>
+            <a:endParaRPr b="0" lang="en-US" sz="1800" spc="-1" strike="noStrike">
+              <a:solidFill>
+                <a:srgbClr val="000000"/>
+              </a:solidFill>
+              <a:uFill>
+                <a:solidFill>
+                  <a:srgbClr val="ffffff"/>
+                </a:solidFill>
+              </a:uFill>
+              <a:latin typeface="Arial"/>
+            </a:endParaRPr>
+          </a:p>
+          <a:p>
+            <a:pPr marL="216000" indent="-214560">
+              <a:lnSpc>
+                <a:spcPct val="100000"/>
+              </a:lnSpc>
+              <a:buClr>
+                <a:srgbClr val="000000"/>
+              </a:buClr>
+              <a:buFont typeface="Arial"/>
+              <a:buChar char="•"/>
+            </a:pPr>
             <a:r>
               <a:rPr b="0" lang="en-US" sz="1500" spc="-1" strike="noStrike">
                 <a:solidFill>
@@ -9806,14 +5802,14 @@
       </p:sp>
       <p:sp>
         <p:nvSpPr>
-          <p:cNvPr id="168" name="TextShape 6"/>
-          <p:cNvSpPr txBox="1"/>
+          <p:cNvPr id="90" name="CustomShape 6"/>
+          <p:cNvSpPr/>
           <p:nvPr/>
         </p:nvSpPr>
         <p:spPr>
           <a:xfrm>
             <a:off x="1610280" y="4754880"/>
-            <a:ext cx="5796360" cy="343440"/>
+            <a:ext cx="5796000" cy="343080"/>
           </a:xfrm>
           <a:prstGeom prst="rect">
             <a:avLst/>
@@ -9823,10 +5819,19 @@
             <a:noFill/>
           </a:ln>
         </p:spPr>
+        <p:style>
+          <a:lnRef idx="0"/>
+          <a:fillRef idx="0"/>
+          <a:effectRef idx="0"/>
+          <a:fontRef idx="minor"/>
+        </p:style>
         <p:txBody>
           <a:bodyPr lIns="90000" rIns="90000" tIns="45000" bIns="45000"/>
           <a:p>
-            <a:pPr marL="216000" indent="-216000">
+            <a:pPr marL="216000" indent="-215640">
+              <a:lnSpc>
+                <a:spcPct val="100000"/>
+              </a:lnSpc>
               <a:buClr>
                 <a:srgbClr val="000000"/>
               </a:buClr>
@@ -9913,14 +5918,14 @@
       </p:grpSpPr>
       <p:sp>
         <p:nvSpPr>
-          <p:cNvPr id="169" name="CustomShape 1"/>
+          <p:cNvPr id="91" name="CustomShape 1"/>
           <p:cNvSpPr/>
           <p:nvPr/>
         </p:nvSpPr>
         <p:spPr>
           <a:xfrm>
             <a:off x="808560" y="397080"/>
-            <a:ext cx="8243280" cy="608040"/>
+            <a:ext cx="8242920" cy="607680"/>
           </a:xfrm>
           <a:prstGeom prst="rect">
             <a:avLst/>
@@ -9990,14 +5995,14 @@
       </p:sp>
       <p:sp>
         <p:nvSpPr>
-          <p:cNvPr id="170" name="CustomShape 2"/>
+          <p:cNvPr id="92" name="CustomShape 2"/>
           <p:cNvSpPr/>
           <p:nvPr/>
         </p:nvSpPr>
         <p:spPr>
           <a:xfrm>
             <a:off x="182880" y="1188720"/>
-            <a:ext cx="4572000" cy="3566160"/>
+            <a:ext cx="4571640" cy="3565800"/>
           </a:xfrm>
           <a:prstGeom prst="rect">
             <a:avLst/>
@@ -10016,16 +6021,6 @@
         <p:txBody>
           <a:bodyPr lIns="0" rIns="0" tIns="0" bIns="0"/>
           <a:p>
-            <a:pPr marL="216000" indent="-214920">
-              <a:lnSpc>
-                <a:spcPct val="100000"/>
-              </a:lnSpc>
-              <a:buClr>
-                <a:srgbClr val="000000"/>
-              </a:buClr>
-              <a:buFont typeface="Arial"/>
-              <a:buChar char="•"/>
-            </a:pPr>
             <a:r>
               <a:rPr b="1" lang="en-US" sz="1600" spc="-1" strike="noStrike">
                 <a:solidFill>
@@ -10041,22 +6036,29 @@
               </a:rPr>
               <a:t>Queremos conocerlos:</a:t>
             </a:r>
-            <a:r>
-              <a:rPr b="1" lang="en-US" sz="1600" spc="-1" strike="noStrike">
-                <a:solidFill>
-                  <a:srgbClr val="000000"/>
-                </a:solidFill>
-                <a:uFill>
-                  <a:solidFill>
-                    <a:srgbClr val="ffffff"/>
-                  </a:solidFill>
-                </a:uFill>
-                <a:latin typeface="Calibri"/>
-                <a:ea typeface="DejaVu Sans"/>
-              </a:rPr>
-              <a:t>
-</a:t>
-            </a:r>
+            <a:endParaRPr b="0" lang="en-US" sz="1800" spc="-1" strike="noStrike">
+              <a:solidFill>
+                <a:srgbClr val="000000"/>
+              </a:solidFill>
+              <a:uFill>
+                <a:solidFill>
+                  <a:srgbClr val="ffffff"/>
+                </a:solidFill>
+              </a:uFill>
+              <a:latin typeface="Arial"/>
+            </a:endParaRPr>
+          </a:p>
+          <a:p>
+            <a:pPr marL="216000" indent="-214560">
+              <a:lnSpc>
+                <a:spcPct val="100000"/>
+              </a:lnSpc>
+              <a:buClr>
+                <a:srgbClr val="000000"/>
+              </a:buClr>
+              <a:buFont typeface="Arial"/>
+              <a:buChar char="•"/>
+            </a:pPr>
             <a:r>
               <a:rPr b="1" lang="en-US" sz="1600" spc="-1" strike="noStrike">
                 <a:solidFill>
@@ -10085,7 +6087,7 @@
             </a:endParaRPr>
           </a:p>
           <a:p>
-            <a:pPr marL="216000" indent="-214920">
+            <a:pPr marL="216000" indent="-214560">
               <a:lnSpc>
                 <a:spcPct val="100000"/>
               </a:lnSpc>
@@ -10123,7 +6125,7 @@
             </a:endParaRPr>
           </a:p>
           <a:p>
-            <a:pPr marL="216000" indent="-214920">
+            <a:pPr marL="216000" indent="-214560">
               <a:lnSpc>
                 <a:spcPct val="100000"/>
               </a:lnSpc>
@@ -10161,7 +6163,7 @@
             </a:endParaRPr>
           </a:p>
           <a:p>
-            <a:pPr marL="216000" indent="-214920">
+            <a:pPr marL="216000" indent="-214560">
               <a:lnSpc>
                 <a:spcPct val="100000"/>
               </a:lnSpc>
@@ -10199,7 +6201,7 @@
             </a:endParaRPr>
           </a:p>
           <a:p>
-            <a:pPr marL="216000" indent="-214920">
+            <a:pPr marL="216000" indent="-214560">
               <a:lnSpc>
                 <a:spcPct val="100000"/>
               </a:lnSpc>
@@ -10276,14 +6278,14 @@
       </p:sp>
       <p:sp>
         <p:nvSpPr>
-          <p:cNvPr id="171" name="CustomShape 3"/>
+          <p:cNvPr id="93" name="CustomShape 3"/>
           <p:cNvSpPr/>
           <p:nvPr/>
         </p:nvSpPr>
         <p:spPr>
           <a:xfrm>
             <a:off x="182880" y="1247040"/>
-            <a:ext cx="3382560" cy="1669680"/>
+            <a:ext cx="3382200" cy="1669320"/>
           </a:xfrm>
           <a:prstGeom prst="rect">
             <a:avLst/>
@@ -10333,14 +6335,14 @@
       </p:sp>
       <p:sp>
         <p:nvSpPr>
-          <p:cNvPr id="172" name="CustomShape 4"/>
+          <p:cNvPr id="94" name="CustomShape 4"/>
           <p:cNvSpPr/>
           <p:nvPr/>
         </p:nvSpPr>
         <p:spPr>
           <a:xfrm>
             <a:off x="4493520" y="1188720"/>
-            <a:ext cx="4466880" cy="1895400"/>
+            <a:ext cx="4466520" cy="1895040"/>
           </a:xfrm>
           <a:prstGeom prst="rect">
             <a:avLst/>
@@ -10833,450 +6835,4 @@
     </a:fmtScheme>
   </a:themeElements>
 </a:theme>
-</file>
-
-<file path=ppt/theme/theme3.xml><?xml version="1.0" encoding="utf-8"?>
-<a:theme xmlns:a="http://schemas.openxmlformats.org/drawingml/2006/main" name="Office Theme">
-  <a:themeElements>
-    <a:clrScheme name="Office">
-      <a:dk1>
-        <a:sysClr val="windowText" lastClr="000000"/>
-      </a:dk1>
-      <a:lt1>
-        <a:sysClr val="window" lastClr="FFFFFF"/>
-      </a:lt1>
-      <a:dk2>
-        <a:srgbClr val="1F497D"/>
-      </a:dk2>
-      <a:lt2>
-        <a:srgbClr val="EEECE1"/>
-      </a:lt2>
-      <a:accent1>
-        <a:srgbClr val="4F81BD"/>
-      </a:accent1>
-      <a:accent2>
-        <a:srgbClr val="C0504D"/>
-      </a:accent2>
-      <a:accent3>
-        <a:srgbClr val="9BBB59"/>
-      </a:accent3>
-      <a:accent4>
-        <a:srgbClr val="8064A2"/>
-      </a:accent4>
-      <a:accent5>
-        <a:srgbClr val="4BACC6"/>
-      </a:accent5>
-      <a:accent6>
-        <a:srgbClr val="F79646"/>
-      </a:accent6>
-      <a:hlink>
-        <a:srgbClr val="0000FF"/>
-      </a:hlink>
-      <a:folHlink>
-        <a:srgbClr val="800080"/>
-      </a:folHlink>
-    </a:clrScheme>
-    <a:fontScheme name="Office">
-      <a:majorFont>
-        <a:latin typeface="Arial"/>
-        <a:ea typeface="DejaVu Sans"/>
-        <a:cs typeface="DejaVu Sans"/>
-      </a:majorFont>
-      <a:minorFont>
-        <a:latin typeface="Arial"/>
-        <a:ea typeface="DejaVu Sans"/>
-        <a:cs typeface="DejaVu Sans"/>
-      </a:minorFont>
-    </a:fontScheme>
-    <a:fmtScheme name="Office">
-      <a:fillStyleLst>
-        <a:solidFill>
-          <a:schemeClr val="phClr"/>
-        </a:solidFill>
-        <a:gradFill rotWithShape="1">
-          <a:gsLst>
-            <a:gs pos="0">
-              <a:schemeClr val="phClr">
-                <a:tint val="50000"/>
-                <a:satMod val="300000"/>
-              </a:schemeClr>
-            </a:gs>
-            <a:gs pos="35000">
-              <a:schemeClr val="phClr">
-                <a:tint val="37000"/>
-                <a:satMod val="300000"/>
-              </a:schemeClr>
-            </a:gs>
-            <a:gs pos="100000">
-              <a:schemeClr val="phClr">
-                <a:tint val="15000"/>
-                <a:satMod val="350000"/>
-              </a:schemeClr>
-            </a:gs>
-          </a:gsLst>
-          <a:lin ang="16200000" scaled="1"/>
-        </a:gradFill>
-        <a:gradFill rotWithShape="1">
-          <a:gsLst>
-            <a:gs pos="0">
-              <a:schemeClr val="phClr">
-                <a:shade val="51000"/>
-                <a:satMod val="130000"/>
-              </a:schemeClr>
-            </a:gs>
-            <a:gs pos="80000">
-              <a:schemeClr val="phClr">
-                <a:shade val="93000"/>
-                <a:satMod val="130000"/>
-              </a:schemeClr>
-            </a:gs>
-            <a:gs pos="100000">
-              <a:schemeClr val="phClr">
-                <a:shade val="94000"/>
-                <a:satMod val="135000"/>
-              </a:schemeClr>
-            </a:gs>
-          </a:gsLst>
-          <a:lin ang="16200000" scaled="0"/>
-        </a:gradFill>
-      </a:fillStyleLst>
-      <a:lnStyleLst>
-        <a:ln w="9525" cap="flat" cmpd="sng" algn="ctr">
-          <a:solidFill>
-            <a:schemeClr val="phClr">
-              <a:shade val="95000"/>
-              <a:satMod val="105000"/>
-            </a:schemeClr>
-          </a:solidFill>
-          <a:prstDash val="solid"/>
-        </a:ln>
-        <a:ln w="25400" cap="flat" cmpd="sng" algn="ctr">
-          <a:solidFill>
-            <a:schemeClr val="phClr"/>
-          </a:solidFill>
-          <a:prstDash val="solid"/>
-        </a:ln>
-        <a:ln w="38100" cap="flat" cmpd="sng" algn="ctr">
-          <a:solidFill>
-            <a:schemeClr val="phClr"/>
-          </a:solidFill>
-          <a:prstDash val="solid"/>
-        </a:ln>
-      </a:lnStyleLst>
-      <a:effectStyleLst>
-        <a:effectStyle>
-          <a:effectLst>
-            <a:outerShdw blurRad="40000" dist="20000" dir="5400000" rotWithShape="0">
-              <a:srgbClr val="000000">
-                <a:alpha val="38000"/>
-              </a:srgbClr>
-            </a:outerShdw>
-          </a:effectLst>
-        </a:effectStyle>
-        <a:effectStyle>
-          <a:effectLst>
-            <a:outerShdw blurRad="40000" dist="23000" dir="5400000" rotWithShape="0">
-              <a:srgbClr val="000000">
-                <a:alpha val="35000"/>
-              </a:srgbClr>
-            </a:outerShdw>
-          </a:effectLst>
-        </a:effectStyle>
-        <a:effectStyle>
-          <a:effectLst>
-            <a:outerShdw blurRad="40000" dist="23000" dir="5400000" rotWithShape="0">
-              <a:srgbClr val="000000">
-                <a:alpha val="35000"/>
-              </a:srgbClr>
-            </a:outerShdw>
-          </a:effectLst>
-          <a:scene3d>
-            <a:camera prst="orthographicFront">
-              <a:rot lat="0" lon="0" rev="0"/>
-            </a:camera>
-            <a:lightRig rig="threePt" dir="t">
-              <a:rot lat="0" lon="0" rev="1200000"/>
-            </a:lightRig>
-          </a:scene3d>
-          <a:sp3d>
-            <a:bevelT w="63500" h="25400"/>
-          </a:sp3d>
-        </a:effectStyle>
-      </a:effectStyleLst>
-      <a:bgFillStyleLst>
-        <a:solidFill>
-          <a:schemeClr val="phClr"/>
-        </a:solidFill>
-        <a:gradFill rotWithShape="1">
-          <a:gsLst>
-            <a:gs pos="0">
-              <a:schemeClr val="phClr">
-                <a:tint val="40000"/>
-                <a:satMod val="350000"/>
-              </a:schemeClr>
-            </a:gs>
-            <a:gs pos="40000">
-              <a:schemeClr val="phClr">
-                <a:tint val="45000"/>
-                <a:shade val="99000"/>
-                <a:satMod val="350000"/>
-              </a:schemeClr>
-            </a:gs>
-            <a:gs pos="100000">
-              <a:schemeClr val="phClr">
-                <a:shade val="20000"/>
-                <a:satMod val="255000"/>
-              </a:schemeClr>
-            </a:gs>
-          </a:gsLst>
-          <a:path path="circle">
-            <a:fillToRect l="50000" t="-80000" r="50000" b="180000"/>
-          </a:path>
-        </a:gradFill>
-        <a:gradFill rotWithShape="1">
-          <a:gsLst>
-            <a:gs pos="0">
-              <a:schemeClr val="phClr">
-                <a:tint val="80000"/>
-                <a:satMod val="300000"/>
-              </a:schemeClr>
-            </a:gs>
-            <a:gs pos="100000">
-              <a:schemeClr val="phClr">
-                <a:shade val="30000"/>
-                <a:satMod val="200000"/>
-              </a:schemeClr>
-            </a:gs>
-          </a:gsLst>
-          <a:path path="circle">
-            <a:fillToRect l="50000" t="50000" r="50000" b="50000"/>
-          </a:path>
-        </a:gradFill>
-      </a:bgFillStyleLst>
-    </a:fmtScheme>
-  </a:themeElements>
-</a:theme>
-</file>
-
-<file path=ppt/theme/theme4.xml><?xml version="1.0" encoding="utf-8"?>
-<a:theme xmlns:a="http://schemas.openxmlformats.org/drawingml/2006/main" name="Office Theme">
-  <a:themeElements>
-    <a:clrScheme name="Office">
-      <a:dk1>
-        <a:sysClr val="windowText" lastClr="000000"/>
-      </a:dk1>
-      <a:lt1>
-        <a:sysClr val="window" lastClr="FFFFFF"/>
-      </a:lt1>
-      <a:dk2>
-        <a:srgbClr val="1F497D"/>
-      </a:dk2>
-      <a:lt2>
-        <a:srgbClr val="EEECE1"/>
-      </a:lt2>
-      <a:accent1>
-        <a:srgbClr val="4F81BD"/>
-      </a:accent1>
-      <a:accent2>
-        <a:srgbClr val="C0504D"/>
-      </a:accent2>
-      <a:accent3>
-        <a:srgbClr val="9BBB59"/>
-      </a:accent3>
-      <a:accent4>
-        <a:srgbClr val="8064A2"/>
-      </a:accent4>
-      <a:accent5>
-        <a:srgbClr val="4BACC6"/>
-      </a:accent5>
-      <a:accent6>
-        <a:srgbClr val="F79646"/>
-      </a:accent6>
-      <a:hlink>
-        <a:srgbClr val="0000FF"/>
-      </a:hlink>
-      <a:folHlink>
-        <a:srgbClr val="800080"/>
-      </a:folHlink>
-    </a:clrScheme>
-    <a:fontScheme name="Office">
-      <a:majorFont>
-        <a:latin typeface="Arial"/>
-        <a:ea typeface="DejaVu Sans"/>
-        <a:cs typeface="DejaVu Sans"/>
-      </a:majorFont>
-      <a:minorFont>
-        <a:latin typeface="Arial"/>
-        <a:ea typeface="DejaVu Sans"/>
-        <a:cs typeface="DejaVu Sans"/>
-      </a:minorFont>
-    </a:fontScheme>
-    <a:fmtScheme name="Office">
-      <a:fillStyleLst>
-        <a:solidFill>
-          <a:schemeClr val="phClr"/>
-        </a:solidFill>
-        <a:gradFill rotWithShape="1">
-          <a:gsLst>
-            <a:gs pos="0">
-              <a:schemeClr val="phClr">
-                <a:tint val="50000"/>
-                <a:satMod val="300000"/>
-              </a:schemeClr>
-            </a:gs>
-            <a:gs pos="35000">
-              <a:schemeClr val="phClr">
-                <a:tint val="37000"/>
-                <a:satMod val="300000"/>
-              </a:schemeClr>
-            </a:gs>
-            <a:gs pos="100000">
-              <a:schemeClr val="phClr">
-                <a:tint val="15000"/>
-                <a:satMod val="350000"/>
-              </a:schemeClr>
-            </a:gs>
-          </a:gsLst>
-          <a:lin ang="16200000" scaled="1"/>
-        </a:gradFill>
-        <a:gradFill rotWithShape="1">
-          <a:gsLst>
-            <a:gs pos="0">
-              <a:schemeClr val="phClr">
-                <a:shade val="51000"/>
-                <a:satMod val="130000"/>
-              </a:schemeClr>
-            </a:gs>
-            <a:gs pos="80000">
-              <a:schemeClr val="phClr">
-                <a:shade val="93000"/>
-                <a:satMod val="130000"/>
-              </a:schemeClr>
-            </a:gs>
-            <a:gs pos="100000">
-              <a:schemeClr val="phClr">
-                <a:shade val="94000"/>
-                <a:satMod val="135000"/>
-              </a:schemeClr>
-            </a:gs>
-          </a:gsLst>
-          <a:lin ang="16200000" scaled="0"/>
-        </a:gradFill>
-      </a:fillStyleLst>
-      <a:lnStyleLst>
-        <a:ln w="9525" cap="flat" cmpd="sng" algn="ctr">
-          <a:solidFill>
-            <a:schemeClr val="phClr">
-              <a:shade val="95000"/>
-              <a:satMod val="105000"/>
-            </a:schemeClr>
-          </a:solidFill>
-          <a:prstDash val="solid"/>
-        </a:ln>
-        <a:ln w="25400" cap="flat" cmpd="sng" algn="ctr">
-          <a:solidFill>
-            <a:schemeClr val="phClr"/>
-          </a:solidFill>
-          <a:prstDash val="solid"/>
-        </a:ln>
-        <a:ln w="38100" cap="flat" cmpd="sng" algn="ctr">
-          <a:solidFill>
-            <a:schemeClr val="phClr"/>
-          </a:solidFill>
-          <a:prstDash val="solid"/>
-        </a:ln>
-      </a:lnStyleLst>
-      <a:effectStyleLst>
-        <a:effectStyle>
-          <a:effectLst>
-            <a:outerShdw blurRad="40000" dist="20000" dir="5400000" rotWithShape="0">
-              <a:srgbClr val="000000">
-                <a:alpha val="38000"/>
-              </a:srgbClr>
-            </a:outerShdw>
-          </a:effectLst>
-        </a:effectStyle>
-        <a:effectStyle>
-          <a:effectLst>
-            <a:outerShdw blurRad="40000" dist="23000" dir="5400000" rotWithShape="0">
-              <a:srgbClr val="000000">
-                <a:alpha val="35000"/>
-              </a:srgbClr>
-            </a:outerShdw>
-          </a:effectLst>
-        </a:effectStyle>
-        <a:effectStyle>
-          <a:effectLst>
-            <a:outerShdw blurRad="40000" dist="23000" dir="5400000" rotWithShape="0">
-              <a:srgbClr val="000000">
-                <a:alpha val="35000"/>
-              </a:srgbClr>
-            </a:outerShdw>
-          </a:effectLst>
-          <a:scene3d>
-            <a:camera prst="orthographicFront">
-              <a:rot lat="0" lon="0" rev="0"/>
-            </a:camera>
-            <a:lightRig rig="threePt" dir="t">
-              <a:rot lat="0" lon="0" rev="1200000"/>
-            </a:lightRig>
-          </a:scene3d>
-          <a:sp3d>
-            <a:bevelT w="63500" h="25400"/>
-          </a:sp3d>
-        </a:effectStyle>
-      </a:effectStyleLst>
-      <a:bgFillStyleLst>
-        <a:solidFill>
-          <a:schemeClr val="phClr"/>
-        </a:solidFill>
-        <a:gradFill rotWithShape="1">
-          <a:gsLst>
-            <a:gs pos="0">
-              <a:schemeClr val="phClr">
-                <a:tint val="40000"/>
-                <a:satMod val="350000"/>
-              </a:schemeClr>
-            </a:gs>
-            <a:gs pos="40000">
-              <a:schemeClr val="phClr">
-                <a:tint val="45000"/>
-                <a:shade val="99000"/>
-                <a:satMod val="350000"/>
-              </a:schemeClr>
-            </a:gs>
-            <a:gs pos="100000">
-              <a:schemeClr val="phClr">
-                <a:shade val="20000"/>
-                <a:satMod val="255000"/>
-              </a:schemeClr>
-            </a:gs>
-          </a:gsLst>
-          <a:path path="circle">
-            <a:fillToRect l="50000" t="-80000" r="50000" b="180000"/>
-          </a:path>
-        </a:gradFill>
-        <a:gradFill rotWithShape="1">
-          <a:gsLst>
-            <a:gs pos="0">
-              <a:schemeClr val="phClr">
-                <a:tint val="80000"/>
-                <a:satMod val="300000"/>
-              </a:schemeClr>
-            </a:gs>
-            <a:gs pos="100000">
-              <a:schemeClr val="phClr">
-                <a:shade val="30000"/>
-                <a:satMod val="200000"/>
-              </a:schemeClr>
-            </a:gs>
-          </a:gsLst>
-          <a:path path="circle">
-            <a:fillToRect l="50000" t="50000" r="50000" b="50000"/>
-          </a:path>
-        </a:gradFill>
-      </a:bgFillStyleLst>
-    </a:fmtScheme>
-  </a:themeElements>
-</a:theme>
 </file>
--- a/201801/Clase1.pptx
+++ b/201801/Clase1.pptx
@@ -3196,7 +3196,7 @@
         <p:spPr>
           <a:xfrm>
             <a:off x="-9000" y="5213880"/>
-            <a:ext cx="8385840" cy="513000"/>
+            <a:ext cx="8385480" cy="512640"/>
           </a:xfrm>
           <a:prstGeom prst="rect">
             <a:avLst/>
@@ -3678,7 +3678,7 @@
         <p:spPr>
           <a:xfrm>
             <a:off x="-9000" y="5213880"/>
-            <a:ext cx="8386560" cy="513720"/>
+            <a:ext cx="8386200" cy="513360"/>
           </a:xfrm>
           <a:prstGeom prst="rect">
             <a:avLst/>
@@ -4150,7 +4150,7 @@
         <p:spPr>
           <a:xfrm>
             <a:off x="3200400" y="417240"/>
-            <a:ext cx="5690160" cy="860760"/>
+            <a:ext cx="5689800" cy="860400"/>
           </a:xfrm>
           <a:prstGeom prst="rect">
             <a:avLst/>
@@ -4187,7 +4187,7 @@
                 <a:latin typeface="Calibri"/>
                 <a:ea typeface="DejaVu Sans"/>
               </a:rPr>
-              <a:t>Universidad Francisco Marroquíxn</a:t>
+              <a:t>Universidad Francisco Marroquín</a:t>
             </a:r>
             <a:endParaRPr b="0" lang="en-US" sz="1800" spc="-1" strike="noStrike">
               <a:solidFill>
@@ -4212,7 +4212,7 @@
         <p:spPr>
           <a:xfrm>
             <a:off x="3312000" y="2232000"/>
-            <a:ext cx="5684760" cy="1099440"/>
+            <a:ext cx="5684400" cy="1099080"/>
           </a:xfrm>
           <a:prstGeom prst="rect">
             <a:avLst/>
@@ -4374,7 +4374,7 @@
         <p:spPr>
           <a:xfrm>
             <a:off x="448920" y="433800"/>
-            <a:ext cx="8242920" cy="607680"/>
+            <a:ext cx="8242560" cy="607320"/>
           </a:xfrm>
           <a:prstGeom prst="rect">
             <a:avLst/>
@@ -4436,7 +4436,7 @@
         <p:spPr>
           <a:xfrm>
             <a:off x="448920" y="1350000"/>
-            <a:ext cx="8242920" cy="3508920"/>
+            <a:ext cx="8242560" cy="3508560"/>
           </a:xfrm>
           <a:prstGeom prst="rect">
             <a:avLst/>
@@ -4455,7 +4455,7 @@
         <p:txBody>
           <a:bodyPr lIns="0" rIns="0" tIns="0" bIns="0"/>
           <a:p>
-            <a:pPr marL="216000" indent="-214560">
+            <a:pPr marL="216000" indent="-214200">
               <a:lnSpc>
                 <a:spcPct val="100000"/>
               </a:lnSpc>
@@ -4543,7 +4543,7 @@
         <p:spPr>
           <a:xfrm>
             <a:off x="182880" y="1737360"/>
-            <a:ext cx="2656080" cy="2285640"/>
+            <a:ext cx="2655720" cy="2285280"/>
           </a:xfrm>
           <a:prstGeom prst="rect">
             <a:avLst/>
@@ -4566,7 +4566,7 @@
         <p:spPr>
           <a:xfrm>
             <a:off x="3373920" y="1737360"/>
-            <a:ext cx="2386440" cy="2285640"/>
+            <a:ext cx="2386080" cy="2285280"/>
           </a:xfrm>
           <a:prstGeom prst="rect">
             <a:avLst/>
@@ -4589,7 +4589,7 @@
         <p:spPr>
           <a:xfrm>
             <a:off x="6092280" y="1828800"/>
-            <a:ext cx="2685600" cy="2011320"/>
+            <a:ext cx="2685240" cy="2010960"/>
           </a:xfrm>
           <a:prstGeom prst="rect">
             <a:avLst/>
@@ -4657,7 +4657,7 @@
         <p:spPr>
           <a:xfrm>
             <a:off x="808560" y="397080"/>
-            <a:ext cx="8242920" cy="607680"/>
+            <a:ext cx="8242560" cy="607320"/>
           </a:xfrm>
           <a:prstGeom prst="rect">
             <a:avLst/>
@@ -4734,7 +4734,7 @@
         <p:spPr>
           <a:xfrm>
             <a:off x="182880" y="1153440"/>
-            <a:ext cx="4754520" cy="3875400"/>
+            <a:ext cx="4754160" cy="3875040"/>
           </a:xfrm>
           <a:prstGeom prst="rect">
             <a:avLst/>
@@ -4753,7 +4753,7 @@
         <p:txBody>
           <a:bodyPr lIns="0" rIns="0" tIns="0" bIns="0"/>
           <a:p>
-            <a:pPr marL="216000" indent="-214560">
+            <a:pPr marL="216000" indent="-214200">
               <a:lnSpc>
                 <a:spcPct val="100000"/>
               </a:lnSpc>
@@ -4791,7 +4791,7 @@
             </a:endParaRPr>
           </a:p>
           <a:p>
-            <a:pPr marL="216000" indent="-214560">
+            <a:pPr marL="216000" indent="-214200">
               <a:lnSpc>
                 <a:spcPct val="100000"/>
               </a:lnSpc>
@@ -4829,7 +4829,7 @@
             </a:endParaRPr>
           </a:p>
           <a:p>
-            <a:pPr marL="216000" indent="-214560">
+            <a:pPr marL="216000" indent="-214200">
               <a:lnSpc>
                 <a:spcPct val="100000"/>
               </a:lnSpc>
@@ -4867,7 +4867,7 @@
             </a:endParaRPr>
           </a:p>
           <a:p>
-            <a:pPr marL="216000" indent="-214560">
+            <a:pPr marL="216000" indent="-214200">
               <a:lnSpc>
                 <a:spcPct val="100000"/>
               </a:lnSpc>
@@ -4905,7 +4905,7 @@
             </a:endParaRPr>
           </a:p>
           <a:p>
-            <a:pPr marL="216000" indent="-214560">
+            <a:pPr marL="216000" indent="-214200">
               <a:lnSpc>
                 <a:spcPct val="100000"/>
               </a:lnSpc>
@@ -4958,7 +4958,7 @@
             </a:endParaRPr>
           </a:p>
           <a:p>
-            <a:pPr marL="216000" indent="-214560">
+            <a:pPr marL="216000" indent="-214200">
               <a:lnSpc>
                 <a:spcPct val="100000"/>
               </a:lnSpc>
@@ -4996,7 +4996,7 @@
             </a:endParaRPr>
           </a:p>
           <a:p>
-            <a:pPr marL="216000" indent="-214560">
+            <a:pPr marL="216000" indent="-214200">
               <a:lnSpc>
                 <a:spcPct val="100000"/>
               </a:lnSpc>
@@ -5034,7 +5034,7 @@
             </a:endParaRPr>
           </a:p>
           <a:p>
-            <a:pPr marL="216000" indent="-214560">
+            <a:pPr marL="216000" indent="-214200">
               <a:lnSpc>
                 <a:spcPct val="100000"/>
               </a:lnSpc>
@@ -5057,7 +5057,7 @@
                 <a:latin typeface="Calibri"/>
                 <a:ea typeface="DejaVu Sans"/>
               </a:rPr>
-              <a:t>coursera</a:t>
+              <a:t>Coursera</a:t>
             </a:r>
             <a:endParaRPr b="0" lang="en-US" sz="1800" spc="-1" strike="noStrike">
               <a:solidFill>
@@ -5072,7 +5072,7 @@
             </a:endParaRPr>
           </a:p>
           <a:p>
-            <a:pPr marL="216000" indent="-214560">
+            <a:pPr marL="216000" indent="-214200">
               <a:lnSpc>
                 <a:spcPct val="100000"/>
               </a:lnSpc>
@@ -5110,7 +5110,7 @@
             </a:endParaRPr>
           </a:p>
           <a:p>
-            <a:pPr marL="216000" indent="-214560">
+            <a:pPr marL="216000" indent="-214200">
               <a:lnSpc>
                 <a:spcPct val="100000"/>
               </a:lnSpc>
@@ -5148,7 +5148,7 @@
             </a:endParaRPr>
           </a:p>
           <a:p>
-            <a:pPr marL="216000" indent="-214560">
+            <a:pPr marL="216000" indent="-214200">
               <a:lnSpc>
                 <a:spcPct val="100000"/>
               </a:lnSpc>
@@ -5186,7 +5186,7 @@
             </a:endParaRPr>
           </a:p>
           <a:p>
-            <a:pPr marL="216000" indent="-214560">
+            <a:pPr marL="216000" indent="-214200">
               <a:lnSpc>
                 <a:spcPct val="100000"/>
               </a:lnSpc>
@@ -5224,7 +5224,7 @@
             </a:endParaRPr>
           </a:p>
           <a:p>
-            <a:pPr marL="216000" indent="-214560">
+            <a:pPr marL="216000" indent="-214200">
               <a:lnSpc>
                 <a:spcPct val="100000"/>
               </a:lnSpc>
@@ -5262,7 +5262,7 @@
             </a:endParaRPr>
           </a:p>
           <a:p>
-            <a:pPr marL="216000" indent="-214560">
+            <a:pPr marL="216000" indent="-214200">
               <a:lnSpc>
                 <a:spcPct val="100000"/>
               </a:lnSpc>
@@ -5300,7 +5300,7 @@
             </a:endParaRPr>
           </a:p>
           <a:p>
-            <a:pPr marL="216000" indent="-214560">
+            <a:pPr marL="216000" indent="-214200">
               <a:lnSpc>
                 <a:spcPct val="100000"/>
               </a:lnSpc>
@@ -5399,7 +5399,7 @@
         <p:spPr>
           <a:xfrm>
             <a:off x="182880" y="1247040"/>
-            <a:ext cx="3382200" cy="1669320"/>
+            <a:ext cx="3381840" cy="1668960"/>
           </a:xfrm>
           <a:prstGeom prst="rect">
             <a:avLst/>
@@ -5456,7 +5456,7 @@
         <p:spPr>
           <a:xfrm>
             <a:off x="4493520" y="1188720"/>
-            <a:ext cx="4466520" cy="1895040"/>
+            <a:ext cx="4466160" cy="1894680"/>
           </a:xfrm>
           <a:prstGeom prst="rect">
             <a:avLst/>
@@ -5482,7 +5482,7 @@
         <p:spPr>
           <a:xfrm>
             <a:off x="5120640" y="1188720"/>
-            <a:ext cx="3931560" cy="3200040"/>
+            <a:ext cx="3931200" cy="3199680"/>
           </a:xfrm>
           <a:prstGeom prst="rect">
             <a:avLst/>
@@ -5501,7 +5501,7 @@
         <p:txBody>
           <a:bodyPr lIns="0" rIns="0" tIns="0" bIns="0"/>
           <a:p>
-            <a:pPr marL="216000" indent="-214560">
+            <a:pPr marL="216000" indent="-214200">
               <a:lnSpc>
                 <a:spcPct val="100000"/>
               </a:lnSpc>
@@ -5539,7 +5539,7 @@
             </a:endParaRPr>
           </a:p>
           <a:p>
-            <a:pPr marL="216000" indent="-214560">
+            <a:pPr marL="216000" indent="-214200">
               <a:lnSpc>
                 <a:spcPct val="100000"/>
               </a:lnSpc>
@@ -5577,7 +5577,7 @@
             </a:endParaRPr>
           </a:p>
           <a:p>
-            <a:pPr marL="216000" indent="-214560">
+            <a:pPr marL="216000" indent="-214200">
               <a:lnSpc>
                 <a:spcPct val="100000"/>
               </a:lnSpc>
@@ -5615,7 +5615,7 @@
             </a:endParaRPr>
           </a:p>
           <a:p>
-            <a:pPr marL="216000" indent="-214560">
+            <a:pPr marL="216000" indent="-214200">
               <a:lnSpc>
                 <a:spcPct val="100000"/>
               </a:lnSpc>
@@ -5653,7 +5653,7 @@
             </a:endParaRPr>
           </a:p>
           <a:p>
-            <a:pPr marL="216000" indent="-214560">
+            <a:pPr marL="216000" indent="-214200">
               <a:lnSpc>
                 <a:spcPct val="100000"/>
               </a:lnSpc>
@@ -5691,7 +5691,7 @@
             </a:endParaRPr>
           </a:p>
           <a:p>
-            <a:pPr marL="216000" indent="-214560">
+            <a:pPr marL="216000" indent="-214200">
               <a:lnSpc>
                 <a:spcPct val="100000"/>
               </a:lnSpc>
@@ -5729,7 +5729,7 @@
             </a:endParaRPr>
           </a:p>
           <a:p>
-            <a:pPr marL="216000" indent="-214560">
+            <a:pPr marL="216000" indent="-214200">
               <a:lnSpc>
                 <a:spcPct val="100000"/>
               </a:lnSpc>
@@ -5795,7 +5795,7 @@
         <p:spPr>
           <a:xfrm>
             <a:off x="1610280" y="4754880"/>
-            <a:ext cx="5796000" cy="343080"/>
+            <a:ext cx="6253560" cy="342720"/>
           </a:xfrm>
           <a:prstGeom prst="rect">
             <a:avLst/>
@@ -5814,7 +5814,7 @@
         <p:txBody>
           <a:bodyPr lIns="90000" rIns="90000" tIns="45000" bIns="45000"/>
           <a:p>
-            <a:pPr marL="216000" indent="-215640">
+            <a:pPr marL="216000" indent="-215280">
               <a:lnSpc>
                 <a:spcPct val="100000"/>
               </a:lnSpc>
@@ -5836,8 +5836,9 @@
                   </a:solidFill>
                 </a:uFill>
                 <a:latin typeface="Arial"/>
+                <a:ea typeface="DejaVu Sans"/>
               </a:rPr>
-              <a:t>Top 2% en competencia internacional de AI en Kagle </a:t>
+              <a:t>Top 2% en competencia internacional de AI en Kaggle </a:t>
             </a:r>
             <a:endParaRPr b="0" lang="en-US" sz="1800" spc="-1" strike="noStrike">
               <a:solidFill>
@@ -5911,7 +5912,7 @@
         <p:spPr>
           <a:xfrm>
             <a:off x="808560" y="397080"/>
-            <a:ext cx="8242920" cy="607680"/>
+            <a:ext cx="8242560" cy="607320"/>
           </a:xfrm>
           <a:prstGeom prst="rect">
             <a:avLst/>
@@ -5988,7 +5989,7 @@
         <p:spPr>
           <a:xfrm>
             <a:off x="182880" y="1188720"/>
-            <a:ext cx="4571640" cy="3565800"/>
+            <a:ext cx="4571280" cy="3565440"/>
           </a:xfrm>
           <a:prstGeom prst="rect">
             <a:avLst/>
@@ -6035,7 +6036,7 @@
             </a:endParaRPr>
           </a:p>
           <a:p>
-            <a:pPr marL="216000" indent="-214560">
+            <a:pPr marL="216000" indent="-214200">
               <a:lnSpc>
                 <a:spcPct val="100000"/>
               </a:lnSpc>
@@ -6073,7 +6074,7 @@
             </a:endParaRPr>
           </a:p>
           <a:p>
-            <a:pPr marL="216000" indent="-214560">
+            <a:pPr marL="216000" indent="-214200">
               <a:lnSpc>
                 <a:spcPct val="100000"/>
               </a:lnSpc>
@@ -6111,7 +6112,7 @@
             </a:endParaRPr>
           </a:p>
           <a:p>
-            <a:pPr marL="216000" indent="-214560">
+            <a:pPr marL="216000" indent="-214200">
               <a:lnSpc>
                 <a:spcPct val="100000"/>
               </a:lnSpc>
@@ -6149,7 +6150,7 @@
             </a:endParaRPr>
           </a:p>
           <a:p>
-            <a:pPr marL="216000" indent="-214560">
+            <a:pPr marL="216000" indent="-214200">
               <a:lnSpc>
                 <a:spcPct val="100000"/>
               </a:lnSpc>
@@ -6187,7 +6188,7 @@
             </a:endParaRPr>
           </a:p>
           <a:p>
-            <a:pPr marL="216000" indent="-214560">
+            <a:pPr marL="216000" indent="-214200">
               <a:lnSpc>
                 <a:spcPct val="100000"/>
               </a:lnSpc>
@@ -6271,7 +6272,7 @@
         <p:spPr>
           <a:xfrm>
             <a:off x="182880" y="1247040"/>
-            <a:ext cx="3382200" cy="1669320"/>
+            <a:ext cx="3381840" cy="1668960"/>
           </a:xfrm>
           <a:prstGeom prst="rect">
             <a:avLst/>
@@ -6328,7 +6329,7 @@
         <p:spPr>
           <a:xfrm>
             <a:off x="4493520" y="1188720"/>
-            <a:ext cx="4466520" cy="1895040"/>
+            <a:ext cx="4466160" cy="1894680"/>
           </a:xfrm>
           <a:prstGeom prst="rect">
             <a:avLst/>

--- a/201801/Clase1.pptx
+++ b/201801/Clase1.pptx
@@ -3196,7 +3196,7 @@
         <p:spPr>
           <a:xfrm>
             <a:off x="-9000" y="5213880"/>
-            <a:ext cx="8385480" cy="512640"/>
+            <a:ext cx="8384400" cy="511560"/>
           </a:xfrm>
           <a:prstGeom prst="rect">
             <a:avLst/>
@@ -3678,7 +3678,7 @@
         <p:spPr>
           <a:xfrm>
             <a:off x="-9000" y="5213880"/>
-            <a:ext cx="8386200" cy="513360"/>
+            <a:ext cx="8385120" cy="512280"/>
           </a:xfrm>
           <a:prstGeom prst="rect">
             <a:avLst/>
@@ -4150,7 +4150,7 @@
         <p:spPr>
           <a:xfrm>
             <a:off x="3200400" y="417240"/>
-            <a:ext cx="5689800" cy="860400"/>
+            <a:ext cx="5688720" cy="859320"/>
           </a:xfrm>
           <a:prstGeom prst="rect">
             <a:avLst/>
@@ -4212,7 +4212,7 @@
         <p:spPr>
           <a:xfrm>
             <a:off x="3312000" y="2232000"/>
-            <a:ext cx="5684400" cy="1099080"/>
+            <a:ext cx="5683320" cy="1098000"/>
           </a:xfrm>
           <a:prstGeom prst="rect">
             <a:avLst/>
@@ -4374,7 +4374,7 @@
         <p:spPr>
           <a:xfrm>
             <a:off x="448920" y="433800"/>
-            <a:ext cx="8242560" cy="607320"/>
+            <a:ext cx="8241480" cy="606240"/>
           </a:xfrm>
           <a:prstGeom prst="rect">
             <a:avLst/>
@@ -4436,7 +4436,7 @@
         <p:spPr>
           <a:xfrm>
             <a:off x="448920" y="1350000"/>
-            <a:ext cx="8242560" cy="3508560"/>
+            <a:ext cx="8241480" cy="3507480"/>
           </a:xfrm>
           <a:prstGeom prst="rect">
             <a:avLst/>
@@ -4455,7 +4455,7 @@
         <p:txBody>
           <a:bodyPr lIns="0" rIns="0" tIns="0" bIns="0"/>
           <a:p>
-            <a:pPr marL="216000" indent="-214200">
+            <a:pPr marL="216000" indent="-213120">
               <a:lnSpc>
                 <a:spcPct val="100000"/>
               </a:lnSpc>
@@ -4543,7 +4543,7 @@
         <p:spPr>
           <a:xfrm>
             <a:off x="182880" y="1737360"/>
-            <a:ext cx="2655720" cy="2285280"/>
+            <a:ext cx="2654640" cy="2284200"/>
           </a:xfrm>
           <a:prstGeom prst="rect">
             <a:avLst/>
@@ -4566,7 +4566,7 @@
         <p:spPr>
           <a:xfrm>
             <a:off x="3373920" y="1737360"/>
-            <a:ext cx="2386080" cy="2285280"/>
+            <a:ext cx="2385000" cy="2284200"/>
           </a:xfrm>
           <a:prstGeom prst="rect">
             <a:avLst/>
@@ -4589,7 +4589,7 @@
         <p:spPr>
           <a:xfrm>
             <a:off x="6092280" y="1828800"/>
-            <a:ext cx="2685240" cy="2010960"/>
+            <a:ext cx="2684160" cy="2009880"/>
           </a:xfrm>
           <a:prstGeom prst="rect">
             <a:avLst/>
@@ -4657,7 +4657,7 @@
         <p:spPr>
           <a:xfrm>
             <a:off x="808560" y="397080"/>
-            <a:ext cx="8242560" cy="607320"/>
+            <a:ext cx="8241480" cy="606240"/>
           </a:xfrm>
           <a:prstGeom prst="rect">
             <a:avLst/>
@@ -4734,7 +4734,7 @@
         <p:spPr>
           <a:xfrm>
             <a:off x="182880" y="1153440"/>
-            <a:ext cx="4754160" cy="3875040"/>
+            <a:ext cx="3931920" cy="3873960"/>
           </a:xfrm>
           <a:prstGeom prst="rect">
             <a:avLst/>
@@ -4753,7 +4753,7 @@
         <p:txBody>
           <a:bodyPr lIns="0" rIns="0" tIns="0" bIns="0"/>
           <a:p>
-            <a:pPr marL="216000" indent="-214200">
+            <a:pPr marL="216000" indent="-213120">
               <a:lnSpc>
                 <a:spcPct val="100000"/>
               </a:lnSpc>
@@ -4791,7 +4791,7 @@
             </a:endParaRPr>
           </a:p>
           <a:p>
-            <a:pPr marL="216000" indent="-214200">
+            <a:pPr marL="216000" indent="-213120">
               <a:lnSpc>
                 <a:spcPct val="100000"/>
               </a:lnSpc>
@@ -4814,7 +4814,7 @@
                 <a:latin typeface="Calibri"/>
                 <a:ea typeface="DejaVu Sans"/>
               </a:rPr>
-              <a:t>Ingeniero en Sistemas de </a:t>
+              <a:t>Ingeniero en Sistemas de Universidad de San Carlos</a:t>
             </a:r>
             <a:endParaRPr b="0" lang="en-US" sz="1800" spc="-1" strike="noStrike">
               <a:solidFill>
@@ -4829,7 +4829,7 @@
             </a:endParaRPr>
           </a:p>
           <a:p>
-            <a:pPr marL="216000" indent="-214200">
+            <a:pPr marL="216000" indent="-213120">
               <a:lnSpc>
                 <a:spcPct val="100000"/>
               </a:lnSpc>
@@ -4852,7 +4852,7 @@
                 <a:latin typeface="Calibri"/>
                 <a:ea typeface="DejaVu Sans"/>
               </a:rPr>
-              <a:t>Universidad de San Carlos</a:t>
+              <a:t>Mentor del curso “Machine Learning Fundations:a case study approach” de la universidad de Washington en Coursera</a:t>
             </a:r>
             <a:endParaRPr b="0" lang="en-US" sz="1800" spc="-1" strike="noStrike">
               <a:solidFill>
@@ -4867,7 +4867,7 @@
             </a:endParaRPr>
           </a:p>
           <a:p>
-            <a:pPr marL="216000" indent="-214200">
+            <a:pPr marL="216000" indent="-213120">
               <a:lnSpc>
                 <a:spcPct val="100000"/>
               </a:lnSpc>
@@ -4890,7 +4890,7 @@
                 <a:latin typeface="Calibri"/>
                 <a:ea typeface="DejaVu Sans"/>
               </a:rPr>
-              <a:t>Mentor del curso </a:t>
+              <a:t>Mas de 10 Certificaciones y cursos en la materia incluyendo : “Deep learning nanodegree”</a:t>
             </a:r>
             <a:endParaRPr b="0" lang="en-US" sz="1800" spc="-1" strike="noStrike">
               <a:solidFill>
@@ -4905,7 +4905,7 @@
             </a:endParaRPr>
           </a:p>
           <a:p>
-            <a:pPr marL="216000" indent="-214200">
+            <a:pPr marL="216000" indent="-213120">
               <a:lnSpc>
                 <a:spcPct val="100000"/>
               </a:lnSpc>
@@ -4928,22 +4928,7 @@
                 <a:latin typeface="Calibri"/>
                 <a:ea typeface="DejaVu Sans"/>
               </a:rPr>
-              <a:t>“</a:t>
-            </a:r>
-            <a:r>
-              <a:rPr b="0" lang="en-US" sz="1400" spc="-1" strike="noStrike">
-                <a:solidFill>
-                  <a:srgbClr val="000000"/>
-                </a:solidFill>
-                <a:uFill>
-                  <a:solidFill>
-                    <a:srgbClr val="ffffff"/>
-                  </a:solidFill>
-                </a:uFill>
-                <a:latin typeface="Calibri"/>
-                <a:ea typeface="DejaVu Sans"/>
-              </a:rPr>
-              <a:t>Machine Learning Fundations:</a:t>
+              <a:t>Data scientist/data engineer en Xoom/PayPal</a:t>
             </a:r>
             <a:endParaRPr b="0" lang="en-US" sz="1800" spc="-1" strike="noStrike">
               <a:solidFill>
@@ -4958,273 +4943,7 @@
             </a:endParaRPr>
           </a:p>
           <a:p>
-            <a:pPr marL="216000" indent="-214200">
-              <a:lnSpc>
-                <a:spcPct val="100000"/>
-              </a:lnSpc>
-              <a:buClr>
-                <a:srgbClr val="000000"/>
-              </a:buClr>
-              <a:buFont typeface="Arial"/>
-              <a:buChar char="•"/>
-            </a:pPr>
-            <a:r>
-              <a:rPr b="0" lang="en-US" sz="1400" spc="-1" strike="noStrike">
-                <a:solidFill>
-                  <a:srgbClr val="000000"/>
-                </a:solidFill>
-                <a:uFill>
-                  <a:solidFill>
-                    <a:srgbClr val="ffffff"/>
-                  </a:solidFill>
-                </a:uFill>
-                <a:latin typeface="Calibri"/>
-                <a:ea typeface="DejaVu Sans"/>
-              </a:rPr>
-              <a:t>a case study approach” de la </a:t>
-            </a:r>
-            <a:endParaRPr b="0" lang="en-US" sz="1800" spc="-1" strike="noStrike">
-              <a:solidFill>
-                <a:srgbClr val="000000"/>
-              </a:solidFill>
-              <a:uFill>
-                <a:solidFill>
-                  <a:srgbClr val="ffffff"/>
-                </a:solidFill>
-              </a:uFill>
-              <a:latin typeface="Arial"/>
-            </a:endParaRPr>
-          </a:p>
-          <a:p>
-            <a:pPr marL="216000" indent="-214200">
-              <a:lnSpc>
-                <a:spcPct val="100000"/>
-              </a:lnSpc>
-              <a:buClr>
-                <a:srgbClr val="000000"/>
-              </a:buClr>
-              <a:buFont typeface="Arial"/>
-              <a:buChar char="•"/>
-            </a:pPr>
-            <a:r>
-              <a:rPr b="0" lang="en-US" sz="1400" spc="-1" strike="noStrike">
-                <a:solidFill>
-                  <a:srgbClr val="000000"/>
-                </a:solidFill>
-                <a:uFill>
-                  <a:solidFill>
-                    <a:srgbClr val="ffffff"/>
-                  </a:solidFill>
-                </a:uFill>
-                <a:latin typeface="Calibri"/>
-                <a:ea typeface="DejaVu Sans"/>
-              </a:rPr>
-              <a:t>universidad de Washington en </a:t>
-            </a:r>
-            <a:endParaRPr b="0" lang="en-US" sz="1800" spc="-1" strike="noStrike">
-              <a:solidFill>
-                <a:srgbClr val="000000"/>
-              </a:solidFill>
-              <a:uFill>
-                <a:solidFill>
-                  <a:srgbClr val="ffffff"/>
-                </a:solidFill>
-              </a:uFill>
-              <a:latin typeface="Arial"/>
-            </a:endParaRPr>
-          </a:p>
-          <a:p>
-            <a:pPr marL="216000" indent="-214200">
-              <a:lnSpc>
-                <a:spcPct val="100000"/>
-              </a:lnSpc>
-              <a:buClr>
-                <a:srgbClr val="000000"/>
-              </a:buClr>
-              <a:buFont typeface="Arial"/>
-              <a:buChar char="•"/>
-            </a:pPr>
-            <a:r>
-              <a:rPr b="0" lang="en-US" sz="1400" spc="-1" strike="noStrike">
-                <a:solidFill>
-                  <a:srgbClr val="000000"/>
-                </a:solidFill>
-                <a:uFill>
-                  <a:solidFill>
-                    <a:srgbClr val="ffffff"/>
-                  </a:solidFill>
-                </a:uFill>
-                <a:latin typeface="Calibri"/>
-                <a:ea typeface="DejaVu Sans"/>
-              </a:rPr>
-              <a:t>Coursera</a:t>
-            </a:r>
-            <a:endParaRPr b="0" lang="en-US" sz="1800" spc="-1" strike="noStrike">
-              <a:solidFill>
-                <a:srgbClr val="000000"/>
-              </a:solidFill>
-              <a:uFill>
-                <a:solidFill>
-                  <a:srgbClr val="ffffff"/>
-                </a:solidFill>
-              </a:uFill>
-              <a:latin typeface="Arial"/>
-            </a:endParaRPr>
-          </a:p>
-          <a:p>
-            <a:pPr marL="216000" indent="-214200">
-              <a:lnSpc>
-                <a:spcPct val="100000"/>
-              </a:lnSpc>
-              <a:buClr>
-                <a:srgbClr val="000000"/>
-              </a:buClr>
-              <a:buFont typeface="Arial"/>
-              <a:buChar char="•"/>
-            </a:pPr>
-            <a:r>
-              <a:rPr b="0" lang="en-US" sz="1400" spc="-1" strike="noStrike">
-                <a:solidFill>
-                  <a:srgbClr val="000000"/>
-                </a:solidFill>
-                <a:uFill>
-                  <a:solidFill>
-                    <a:srgbClr val="ffffff"/>
-                  </a:solidFill>
-                </a:uFill>
-                <a:latin typeface="Calibri"/>
-                <a:ea typeface="DejaVu Sans"/>
-              </a:rPr>
-              <a:t>Mas de 10 Certificaciones y cursos</a:t>
-            </a:r>
-            <a:endParaRPr b="0" lang="en-US" sz="1800" spc="-1" strike="noStrike">
-              <a:solidFill>
-                <a:srgbClr val="000000"/>
-              </a:solidFill>
-              <a:uFill>
-                <a:solidFill>
-                  <a:srgbClr val="ffffff"/>
-                </a:solidFill>
-              </a:uFill>
-              <a:latin typeface="Arial"/>
-            </a:endParaRPr>
-          </a:p>
-          <a:p>
-            <a:pPr marL="216000" indent="-214200">
-              <a:lnSpc>
-                <a:spcPct val="100000"/>
-              </a:lnSpc>
-              <a:buClr>
-                <a:srgbClr val="000000"/>
-              </a:buClr>
-              <a:buFont typeface="Arial"/>
-              <a:buChar char="•"/>
-            </a:pPr>
-            <a:r>
-              <a:rPr b="0" lang="en-US" sz="1400" spc="-1" strike="noStrike">
-                <a:solidFill>
-                  <a:srgbClr val="000000"/>
-                </a:solidFill>
-                <a:uFill>
-                  <a:solidFill>
-                    <a:srgbClr val="ffffff"/>
-                  </a:solidFill>
-                </a:uFill>
-                <a:latin typeface="Calibri"/>
-                <a:ea typeface="DejaVu Sans"/>
-              </a:rPr>
-              <a:t>en la materia incluyendo : “Deep learning nanodegree”</a:t>
-            </a:r>
-            <a:endParaRPr b="0" lang="en-US" sz="1800" spc="-1" strike="noStrike">
-              <a:solidFill>
-                <a:srgbClr val="000000"/>
-              </a:solidFill>
-              <a:uFill>
-                <a:solidFill>
-                  <a:srgbClr val="ffffff"/>
-                </a:solidFill>
-              </a:uFill>
-              <a:latin typeface="Arial"/>
-            </a:endParaRPr>
-          </a:p>
-          <a:p>
-            <a:pPr marL="216000" indent="-214200">
-              <a:lnSpc>
-                <a:spcPct val="100000"/>
-              </a:lnSpc>
-              <a:buClr>
-                <a:srgbClr val="000000"/>
-              </a:buClr>
-              <a:buFont typeface="Arial"/>
-              <a:buChar char="•"/>
-            </a:pPr>
-            <a:r>
-              <a:rPr b="0" lang="en-US" sz="1400" spc="-1" strike="noStrike">
-                <a:solidFill>
-                  <a:srgbClr val="000000"/>
-                </a:solidFill>
-                <a:uFill>
-                  <a:solidFill>
-                    <a:srgbClr val="ffffff"/>
-                  </a:solidFill>
-                </a:uFill>
-                <a:latin typeface="Calibri"/>
-                <a:ea typeface="DejaVu Sans"/>
-              </a:rPr>
-              <a:t>Data scientist/data engineer</a:t>
-            </a:r>
-            <a:endParaRPr b="0" lang="en-US" sz="1800" spc="-1" strike="noStrike">
-              <a:solidFill>
-                <a:srgbClr val="000000"/>
-              </a:solidFill>
-              <a:uFill>
-                <a:solidFill>
-                  <a:srgbClr val="ffffff"/>
-                </a:solidFill>
-              </a:uFill>
-              <a:latin typeface="Arial"/>
-            </a:endParaRPr>
-          </a:p>
-          <a:p>
-            <a:pPr marL="216000" indent="-214200">
-              <a:lnSpc>
-                <a:spcPct val="100000"/>
-              </a:lnSpc>
-              <a:buClr>
-                <a:srgbClr val="000000"/>
-              </a:buClr>
-              <a:buFont typeface="Arial"/>
-              <a:buChar char="•"/>
-            </a:pPr>
-            <a:r>
-              <a:rPr b="0" lang="en-US" sz="1400" spc="-1" strike="noStrike">
-                <a:solidFill>
-                  <a:srgbClr val="000000"/>
-                </a:solidFill>
-                <a:uFill>
-                  <a:solidFill>
-                    <a:srgbClr val="ffffff"/>
-                  </a:solidFill>
-                </a:uFill>
-                <a:latin typeface="Calibri"/>
-                <a:ea typeface="DejaVu Sans"/>
-              </a:rPr>
-              <a:t>en Xoom/PayPal</a:t>
-            </a:r>
-            <a:endParaRPr b="0" lang="en-US" sz="1800" spc="-1" strike="noStrike">
-              <a:solidFill>
-                <a:srgbClr val="000000"/>
-              </a:solidFill>
-              <a:uFill>
-                <a:solidFill>
-                  <a:srgbClr val="ffffff"/>
-                </a:solidFill>
-              </a:uFill>
-              <a:latin typeface="Arial"/>
-            </a:endParaRPr>
-          </a:p>
-          <a:p>
-            <a:pPr marL="216000" indent="-214200">
+            <a:pPr marL="216000" indent="-213120">
               <a:lnSpc>
                 <a:spcPct val="100000"/>
               </a:lnSpc>
@@ -5262,7 +4981,7 @@
             </a:endParaRPr>
           </a:p>
           <a:p>
-            <a:pPr marL="216000" indent="-214200">
+            <a:pPr marL="216000" indent="-213120">
               <a:lnSpc>
                 <a:spcPct val="100000"/>
               </a:lnSpc>
@@ -5285,45 +5004,7 @@
                 <a:latin typeface="Calibri"/>
                 <a:ea typeface="DejaVu Sans"/>
               </a:rPr>
-              <a:t>Creador de AI que publicó en Amazon </a:t>
-            </a:r>
-            <a:endParaRPr b="0" lang="en-US" sz="1800" spc="-1" strike="noStrike">
-              <a:solidFill>
-                <a:srgbClr val="000000"/>
-              </a:solidFill>
-              <a:uFill>
-                <a:solidFill>
-                  <a:srgbClr val="ffffff"/>
-                </a:solidFill>
-              </a:uFill>
-              <a:latin typeface="Arial"/>
-            </a:endParaRPr>
-          </a:p>
-          <a:p>
-            <a:pPr marL="216000" indent="-214200">
-              <a:lnSpc>
-                <a:spcPct val="100000"/>
-              </a:lnSpc>
-              <a:buClr>
-                <a:srgbClr val="000000"/>
-              </a:buClr>
-              <a:buFont typeface="Arial"/>
-              <a:buChar char="•"/>
-            </a:pPr>
-            <a:r>
-              <a:rPr b="0" lang="en-US" sz="1400" spc="-1" strike="noStrike">
-                <a:solidFill>
-                  <a:srgbClr val="000000"/>
-                </a:solidFill>
-                <a:uFill>
-                  <a:solidFill>
-                    <a:srgbClr val="ffffff"/>
-                  </a:solidFill>
-                </a:uFill>
-                <a:latin typeface="Calibri"/>
-                <a:ea typeface="DejaVu Sans"/>
-              </a:rPr>
-              <a:t>una historia de terror</a:t>
+              <a:t>Creador de AI que publicó en Amazon una historia de terror</a:t>
             </a:r>
             <a:r>
               <a:rPr b="0" lang="en-US" sz="1500" spc="-1" strike="noStrike">
@@ -5399,7 +5080,7 @@
         <p:spPr>
           <a:xfrm>
             <a:off x="182880" y="1247040"/>
-            <a:ext cx="3381840" cy="1668960"/>
+            <a:ext cx="3380760" cy="1667880"/>
           </a:xfrm>
           <a:prstGeom prst="rect">
             <a:avLst/>
@@ -5456,7 +5137,7 @@
         <p:spPr>
           <a:xfrm>
             <a:off x="4493520" y="1188720"/>
-            <a:ext cx="4466160" cy="1894680"/>
+            <a:ext cx="4465080" cy="1893600"/>
           </a:xfrm>
           <a:prstGeom prst="rect">
             <a:avLst/>
@@ -5482,7 +5163,7 @@
         <p:spPr>
           <a:xfrm>
             <a:off x="5120640" y="1188720"/>
-            <a:ext cx="3931200" cy="3199680"/>
+            <a:ext cx="3930120" cy="3198600"/>
           </a:xfrm>
           <a:prstGeom prst="rect">
             <a:avLst/>
@@ -5501,7 +5182,7 @@
         <p:txBody>
           <a:bodyPr lIns="0" rIns="0" tIns="0" bIns="0"/>
           <a:p>
-            <a:pPr marL="216000" indent="-214200">
+            <a:pPr marL="216000" indent="-213120">
               <a:lnSpc>
                 <a:spcPct val="100000"/>
               </a:lnSpc>
@@ -5539,7 +5220,7 @@
             </a:endParaRPr>
           </a:p>
           <a:p>
-            <a:pPr marL="216000" indent="-214200">
+            <a:pPr marL="216000" indent="-213120">
               <a:lnSpc>
                 <a:spcPct val="100000"/>
               </a:lnSpc>
@@ -5562,7 +5243,7 @@
                 <a:latin typeface="Calibri"/>
                 <a:ea typeface="DejaVu Sans"/>
               </a:rPr>
-              <a:t>Ingeniero en Sistemas de </a:t>
+              <a:t>Ingeniero en Sistemas de Universidad de San Carlos</a:t>
             </a:r>
             <a:endParaRPr b="0" lang="en-US" sz="1800" spc="-1" strike="noStrike">
               <a:solidFill>
@@ -5577,7 +5258,7 @@
             </a:endParaRPr>
           </a:p>
           <a:p>
-            <a:pPr marL="216000" indent="-214200">
+            <a:pPr marL="216000" indent="-213120">
               <a:lnSpc>
                 <a:spcPct val="100000"/>
               </a:lnSpc>
@@ -5600,7 +5281,7 @@
                 <a:latin typeface="Calibri"/>
                 <a:ea typeface="DejaVu Sans"/>
               </a:rPr>
-              <a:t>Universidad de San Carlos</a:t>
+              <a:t>Graduado de “Deep learning</a:t>
             </a:r>
             <a:endParaRPr b="0" lang="en-US" sz="1800" spc="-1" strike="noStrike">
               <a:solidFill>
@@ -5615,45 +5296,7 @@
             </a:endParaRPr>
           </a:p>
           <a:p>
-            <a:pPr marL="216000" indent="-214200">
-              <a:lnSpc>
-                <a:spcPct val="100000"/>
-              </a:lnSpc>
-              <a:buClr>
-                <a:srgbClr val="000000"/>
-              </a:buClr>
-              <a:buFont typeface="Arial"/>
-              <a:buChar char="•"/>
-            </a:pPr>
-            <a:r>
-              <a:rPr b="0" lang="en-US" sz="1500" spc="-1" strike="noStrike">
-                <a:solidFill>
-                  <a:srgbClr val="000000"/>
-                </a:solidFill>
-                <a:uFill>
-                  <a:solidFill>
-                    <a:srgbClr val="ffffff"/>
-                  </a:solidFill>
-                </a:uFill>
-                <a:latin typeface="Calibri"/>
-                <a:ea typeface="DejaVu Sans"/>
-              </a:rPr>
-              <a:t>Graduado de “Deep learning </a:t>
-            </a:r>
-            <a:endParaRPr b="0" lang="en-US" sz="1800" spc="-1" strike="noStrike">
-              <a:solidFill>
-                <a:srgbClr val="000000"/>
-              </a:solidFill>
-              <a:uFill>
-                <a:solidFill>
-                  <a:srgbClr val="ffffff"/>
-                </a:solidFill>
-              </a:uFill>
-              <a:latin typeface="Arial"/>
-            </a:endParaRPr>
-          </a:p>
-          <a:p>
-            <a:pPr marL="216000" indent="-214200">
+            <a:pPr marL="216000" indent="-213120">
               <a:lnSpc>
                 <a:spcPct val="100000"/>
               </a:lnSpc>
@@ -5691,7 +5334,7 @@
             </a:endParaRPr>
           </a:p>
           <a:p>
-            <a:pPr marL="216000" indent="-214200">
+            <a:pPr marL="216000" indent="-213120">
               <a:lnSpc>
                 <a:spcPct val="100000"/>
               </a:lnSpc>
@@ -5714,45 +5357,7 @@
                 <a:latin typeface="Calibri"/>
                 <a:ea typeface="DejaVu Sans"/>
               </a:rPr>
-              <a:t>Data scientist/data engineer</a:t>
-            </a:r>
-            <a:endParaRPr b="0" lang="en-US" sz="1800" spc="-1" strike="noStrike">
-              <a:solidFill>
-                <a:srgbClr val="000000"/>
-              </a:solidFill>
-              <a:uFill>
-                <a:solidFill>
-                  <a:srgbClr val="ffffff"/>
-                </a:solidFill>
-              </a:uFill>
-              <a:latin typeface="Arial"/>
-            </a:endParaRPr>
-          </a:p>
-          <a:p>
-            <a:pPr marL="216000" indent="-214200">
-              <a:lnSpc>
-                <a:spcPct val="100000"/>
-              </a:lnSpc>
-              <a:buClr>
-                <a:srgbClr val="000000"/>
-              </a:buClr>
-              <a:buFont typeface="Arial"/>
-              <a:buChar char="•"/>
-            </a:pPr>
-            <a:r>
-              <a:rPr b="0" lang="en-US" sz="1500" spc="-1" strike="noStrike">
-                <a:solidFill>
-                  <a:srgbClr val="000000"/>
-                </a:solidFill>
-                <a:uFill>
-                  <a:solidFill>
-                    <a:srgbClr val="ffffff"/>
-                  </a:solidFill>
-                </a:uFill>
-                <a:latin typeface="Calibri"/>
-                <a:ea typeface="DejaVu Sans"/>
-              </a:rPr>
-              <a:t>en Xoom/PayPal</a:t>
+              <a:t>Data scientist/data engineer en Xoom/PayPal</a:t>
             </a:r>
             <a:endParaRPr b="0" lang="en-US" sz="1800" spc="-1" strike="noStrike">
               <a:solidFill>
@@ -5795,7 +5400,7 @@
         <p:spPr>
           <a:xfrm>
             <a:off x="1610280" y="4754880"/>
-            <a:ext cx="6253560" cy="342720"/>
+            <a:ext cx="6252480" cy="341640"/>
           </a:xfrm>
           <a:prstGeom prst="rect">
             <a:avLst/>
@@ -5814,7 +5419,7 @@
         <p:txBody>
           <a:bodyPr lIns="90000" rIns="90000" tIns="45000" bIns="45000"/>
           <a:p>
-            <a:pPr marL="216000" indent="-215280">
+            <a:pPr marL="216000" indent="-214200">
               <a:lnSpc>
                 <a:spcPct val="100000"/>
               </a:lnSpc>
@@ -5912,7 +5517,7 @@
         <p:spPr>
           <a:xfrm>
             <a:off x="808560" y="397080"/>
-            <a:ext cx="8242560" cy="607320"/>
+            <a:ext cx="8241480" cy="606240"/>
           </a:xfrm>
           <a:prstGeom prst="rect">
             <a:avLst/>
@@ -5989,7 +5594,7 @@
         <p:spPr>
           <a:xfrm>
             <a:off x="182880" y="1188720"/>
-            <a:ext cx="4571280" cy="3565440"/>
+            <a:ext cx="4570200" cy="3564360"/>
           </a:xfrm>
           <a:prstGeom prst="rect">
             <a:avLst/>
@@ -6008,6 +5613,11 @@
         <p:txBody>
           <a:bodyPr lIns="0" rIns="0" tIns="0" bIns="0"/>
           <a:p>
+            <a:pPr>
+              <a:lnSpc>
+                <a:spcPct val="100000"/>
+              </a:lnSpc>
+            </a:pPr>
             <a:r>
               <a:rPr b="1" lang="en-US" sz="1600" spc="-1" strike="noStrike">
                 <a:solidFill>
@@ -6023,29 +5633,22 @@
               </a:rPr>
               <a:t>Queremos conocerlos:</a:t>
             </a:r>
-            <a:endParaRPr b="0" lang="en-US" sz="1800" spc="-1" strike="noStrike">
-              <a:solidFill>
-                <a:srgbClr val="000000"/>
-              </a:solidFill>
-              <a:uFill>
-                <a:solidFill>
-                  <a:srgbClr val="ffffff"/>
-                </a:solidFill>
-              </a:uFill>
-              <a:latin typeface="Arial"/>
-            </a:endParaRPr>
-          </a:p>
-          <a:p>
-            <a:pPr marL="216000" indent="-214200">
-              <a:lnSpc>
-                <a:spcPct val="100000"/>
-              </a:lnSpc>
-              <a:buClr>
-                <a:srgbClr val="000000"/>
-              </a:buClr>
-              <a:buFont typeface="Arial"/>
-              <a:buChar char="•"/>
-            </a:pPr>
+            <a:r>
+              <a:rPr b="1" lang="en-US" sz="1600" spc="-1" strike="noStrike">
+                <a:solidFill>
+                  <a:srgbClr val="000000"/>
+                </a:solidFill>
+                <a:uFill>
+                  <a:solidFill>
+                    <a:srgbClr val="ffffff"/>
+                  </a:solidFill>
+                </a:uFill>
+                <a:latin typeface="Calibri"/>
+                <a:ea typeface="DejaVu Sans"/>
+              </a:rPr>
+              <a:t>
+</a:t>
+            </a:r>
             <a:r>
               <a:rPr b="1" lang="en-US" sz="1600" spc="-1" strike="noStrike">
                 <a:solidFill>
@@ -6074,7 +5677,7 @@
             </a:endParaRPr>
           </a:p>
           <a:p>
-            <a:pPr marL="216000" indent="-214200">
+            <a:pPr marL="216000" indent="-213120">
               <a:lnSpc>
                 <a:spcPct val="100000"/>
               </a:lnSpc>
@@ -6112,7 +5715,7 @@
             </a:endParaRPr>
           </a:p>
           <a:p>
-            <a:pPr marL="216000" indent="-214200">
+            <a:pPr marL="216000" indent="-213120">
               <a:lnSpc>
                 <a:spcPct val="100000"/>
               </a:lnSpc>
@@ -6150,7 +5753,7 @@
             </a:endParaRPr>
           </a:p>
           <a:p>
-            <a:pPr marL="216000" indent="-214200">
+            <a:pPr marL="216000" indent="-213120">
               <a:lnSpc>
                 <a:spcPct val="100000"/>
               </a:lnSpc>
@@ -6188,7 +5791,7 @@
             </a:endParaRPr>
           </a:p>
           <a:p>
-            <a:pPr marL="216000" indent="-214200">
+            <a:pPr marL="216000" indent="-213120">
               <a:lnSpc>
                 <a:spcPct val="100000"/>
               </a:lnSpc>
@@ -6272,7 +5875,7 @@
         <p:spPr>
           <a:xfrm>
             <a:off x="182880" y="1247040"/>
-            <a:ext cx="3381840" cy="1668960"/>
+            <a:ext cx="3380760" cy="1667880"/>
           </a:xfrm>
           <a:prstGeom prst="rect">
             <a:avLst/>
@@ -6329,7 +5932,7 @@
         <p:spPr>
           <a:xfrm>
             <a:off x="4493520" y="1188720"/>
-            <a:ext cx="4466160" cy="1894680"/>
+            <a:ext cx="4465080" cy="1893600"/>
           </a:xfrm>
           <a:prstGeom prst="rect">
             <a:avLst/>
